--- a/Präsentation/Softwareingeneering Präse V1.pptx
+++ b/Präsentation/Softwareingeneering Präse V1.pptx
@@ -5,21 +5,22 @@
     <p:sldMasterId id="2147483696" r:id="rId1"/>
   </p:sldMasterIdLst>
   <p:notesMasterIdLst>
-    <p:notesMasterId r:id="rId14"/>
+    <p:notesMasterId r:id="rId15"/>
   </p:notesMasterIdLst>
   <p:sldIdLst>
     <p:sldId id="256" r:id="rId2"/>
     <p:sldId id="257" r:id="rId3"/>
-    <p:sldId id="258" r:id="rId4"/>
-    <p:sldId id="259" r:id="rId5"/>
-    <p:sldId id="261" r:id="rId6"/>
-    <p:sldId id="262" r:id="rId7"/>
-    <p:sldId id="263" r:id="rId8"/>
-    <p:sldId id="264" r:id="rId9"/>
-    <p:sldId id="265" r:id="rId10"/>
-    <p:sldId id="266" r:id="rId11"/>
-    <p:sldId id="267" r:id="rId12"/>
-    <p:sldId id="268" r:id="rId13"/>
+    <p:sldId id="259" r:id="rId4"/>
+    <p:sldId id="261" r:id="rId5"/>
+    <p:sldId id="262" r:id="rId6"/>
+    <p:sldId id="269" r:id="rId7"/>
+    <p:sldId id="270" r:id="rId8"/>
+    <p:sldId id="263" r:id="rId9"/>
+    <p:sldId id="264" r:id="rId10"/>
+    <p:sldId id="265" r:id="rId11"/>
+    <p:sldId id="266" r:id="rId12"/>
+    <p:sldId id="267" r:id="rId13"/>
+    <p:sldId id="268" r:id="rId14"/>
   </p:sldIdLst>
   <p:sldSz cx="9144000" cy="6858000" type="screen4x3"/>
   <p:notesSz cx="6858000" cy="9144000"/>
@@ -203,7 +204,7 @@
           <a:p>
             <a:fld id="{AF40CB2E-1BD5-4686-BBC2-86C574B6A27D}" type="datetimeFigureOut">
               <a:rPr lang="en-US" smtClean="0"/>
-              <a:t>11/13/2014</a:t>
+              <a:t>11/17/2014</a:t>
             </a:fld>
             <a:endParaRPr lang="en-US"/>
           </a:p>
@@ -536,7 +537,7 @@
           <a:p>
             <a:fld id="{36723E82-D824-4F48-AE87-D2E8FF1F95A9}" type="slidenum">
               <a:rPr lang="en-US" smtClean="0"/>
-              <a:t>5</a:t>
+              <a:t>4</a:t>
             </a:fld>
             <a:endParaRPr lang="en-US"/>
           </a:p>
@@ -736,7 +737,7 @@
           <a:p>
             <a:fld id="{A6E1CF3F-0DEA-4407-8E52-E5B22F30EA25}" type="datetimeFigureOut">
               <a:rPr lang="en-US" smtClean="0"/>
-              <a:t>11/13/2014</a:t>
+              <a:t>11/17/2014</a:t>
             </a:fld>
             <a:endParaRPr lang="en-US"/>
           </a:p>
@@ -906,7 +907,7 @@
           <a:p>
             <a:fld id="{A6E1CF3F-0DEA-4407-8E52-E5B22F30EA25}" type="datetimeFigureOut">
               <a:rPr lang="en-US" smtClean="0"/>
-              <a:t>11/13/2014</a:t>
+              <a:t>11/17/2014</a:t>
             </a:fld>
             <a:endParaRPr lang="en-US"/>
           </a:p>
@@ -1086,7 +1087,7 @@
           <a:p>
             <a:fld id="{A6E1CF3F-0DEA-4407-8E52-E5B22F30EA25}" type="datetimeFigureOut">
               <a:rPr lang="en-US" smtClean="0"/>
-              <a:t>11/13/2014</a:t>
+              <a:t>11/17/2014</a:t>
             </a:fld>
             <a:endParaRPr lang="en-US"/>
           </a:p>
@@ -1256,7 +1257,7 @@
           <a:p>
             <a:fld id="{A6E1CF3F-0DEA-4407-8E52-E5B22F30EA25}" type="datetimeFigureOut">
               <a:rPr lang="en-US" smtClean="0"/>
-              <a:t>11/13/2014</a:t>
+              <a:t>11/17/2014</a:t>
             </a:fld>
             <a:endParaRPr lang="en-US"/>
           </a:p>
@@ -1502,7 +1503,7 @@
           <a:p>
             <a:fld id="{A6E1CF3F-0DEA-4407-8E52-E5B22F30EA25}" type="datetimeFigureOut">
               <a:rPr lang="en-US" smtClean="0"/>
-              <a:t>11/13/2014</a:t>
+              <a:t>11/17/2014</a:t>
             </a:fld>
             <a:endParaRPr lang="en-US"/>
           </a:p>
@@ -1790,7 +1791,7 @@
           <a:p>
             <a:fld id="{A6E1CF3F-0DEA-4407-8E52-E5B22F30EA25}" type="datetimeFigureOut">
               <a:rPr lang="en-US" smtClean="0"/>
-              <a:t>11/13/2014</a:t>
+              <a:t>11/17/2014</a:t>
             </a:fld>
             <a:endParaRPr lang="en-US"/>
           </a:p>
@@ -2212,7 +2213,7 @@
           <a:p>
             <a:fld id="{A6E1CF3F-0DEA-4407-8E52-E5B22F30EA25}" type="datetimeFigureOut">
               <a:rPr lang="en-US" smtClean="0"/>
-              <a:t>11/13/2014</a:t>
+              <a:t>11/17/2014</a:t>
             </a:fld>
             <a:endParaRPr lang="en-US"/>
           </a:p>
@@ -2330,7 +2331,7 @@
           <a:p>
             <a:fld id="{A6E1CF3F-0DEA-4407-8E52-E5B22F30EA25}" type="datetimeFigureOut">
               <a:rPr lang="en-US" smtClean="0"/>
-              <a:t>11/13/2014</a:t>
+              <a:t>11/17/2014</a:t>
             </a:fld>
             <a:endParaRPr lang="en-US"/>
           </a:p>
@@ -2425,7 +2426,7 @@
           <a:p>
             <a:fld id="{A6E1CF3F-0DEA-4407-8E52-E5B22F30EA25}" type="datetimeFigureOut">
               <a:rPr lang="en-US" smtClean="0"/>
-              <a:t>11/13/2014</a:t>
+              <a:t>11/17/2014</a:t>
             </a:fld>
             <a:endParaRPr lang="en-US"/>
           </a:p>
@@ -2702,7 +2703,7 @@
           <a:p>
             <a:fld id="{A6E1CF3F-0DEA-4407-8E52-E5B22F30EA25}" type="datetimeFigureOut">
               <a:rPr lang="en-US" smtClean="0"/>
-              <a:t>11/13/2014</a:t>
+              <a:t>11/17/2014</a:t>
             </a:fld>
             <a:endParaRPr lang="en-US"/>
           </a:p>
@@ -2955,7 +2956,7 @@
           <a:p>
             <a:fld id="{A6E1CF3F-0DEA-4407-8E52-E5B22F30EA25}" type="datetimeFigureOut">
               <a:rPr lang="en-US" smtClean="0"/>
-              <a:t>11/13/2014</a:t>
+              <a:t>11/17/2014</a:t>
             </a:fld>
             <a:endParaRPr lang="en-US"/>
           </a:p>
@@ -3168,7 +3169,7 @@
           <a:p>
             <a:fld id="{A6E1CF3F-0DEA-4407-8E52-E5B22F30EA25}" type="datetimeFigureOut">
               <a:rPr lang="en-US" smtClean="0"/>
-              <a:t>11/13/2014</a:t>
+              <a:t>11/17/2014</a:t>
             </a:fld>
             <a:endParaRPr lang="en-US"/>
           </a:p>
@@ -3659,3033 +3660,46 @@
           <a:p>
             <a:r>
               <a:rPr lang="de-DE" dirty="0" smtClean="0"/>
-              <a:t>Qualitätsanforderung</a:t>
+              <a:t>Zielgruppen</a:t>
             </a:r>
             <a:endParaRPr lang="en-US" dirty="0"/>
           </a:p>
         </p:txBody>
       </p:sp>
-      <p:graphicFrame>
-        <p:nvGraphicFramePr>
-          <p:cNvPr id="6" name="Table 5"/>
-          <p:cNvGraphicFramePr>
-            <a:graphicFrameLocks noGrp="1"/>
-          </p:cNvGraphicFramePr>
-          <p:nvPr>
-            <p:extLst>
-              <p:ext uri="{D42A27DB-BD31-4B8C-83A1-F6EECF244321}">
-                <p14:modId xmlns:p14="http://schemas.microsoft.com/office/powerpoint/2010/main" val="3504304885"/>
-              </p:ext>
-            </p:extLst>
-          </p:nvPr>
-        </p:nvGraphicFramePr>
-        <p:xfrm>
-          <a:off x="2580986" y="1524766"/>
-          <a:ext cx="3982027" cy="4676831"/>
-        </p:xfrm>
-        <a:graphic>
-          <a:graphicData uri="http://schemas.openxmlformats.org/drawingml/2006/table">
-            <a:tbl>
-              <a:tblPr>
-                <a:tableStyleId>{5C22544A-7EE6-4342-B048-85BDC9FD1C3A}</a:tableStyleId>
-              </a:tblPr>
-              <a:tblGrid>
-                <a:gridCol w="1180240"/>
-                <a:gridCol w="677355"/>
-                <a:gridCol w="677355"/>
-                <a:gridCol w="677355"/>
-                <a:gridCol w="769722"/>
-              </a:tblGrid>
-              <a:tr h="161642">
-                <a:tc>
-                  <a:txBody>
-                    <a:bodyPr/>
-                    <a:lstStyle/>
-                    <a:p>
-                      <a:pPr algn="l" fontAlgn="b"/>
-                      <a:r>
-                        <a:rPr lang="en-US" sz="1000" b="1" u="none" strike="noStrike" dirty="0" err="1">
-                          <a:effectLst/>
-                        </a:rPr>
-                        <a:t>Produktqualität</a:t>
-                      </a:r>
-                      <a:endParaRPr lang="en-US" sz="1000" b="1" i="0" u="none" strike="noStrike" dirty="0">
-                        <a:solidFill>
-                          <a:srgbClr val="FFFFFF"/>
-                        </a:solidFill>
-                        <a:effectLst/>
-                        <a:latin typeface="Calibri"/>
-                      </a:endParaRPr>
-                    </a:p>
-                  </a:txBody>
-                  <a:tcPr marL="7697" marR="7697" marT="7697" marB="0" anchor="b"/>
-                </a:tc>
-                <a:tc>
-                  <a:txBody>
-                    <a:bodyPr/>
-                    <a:lstStyle/>
-                    <a:p>
-                      <a:pPr algn="ctr" fontAlgn="b"/>
-                      <a:r>
-                        <a:rPr lang="en-US" sz="1000" b="1" u="none" strike="noStrike" dirty="0" err="1">
-                          <a:effectLst/>
-                        </a:rPr>
-                        <a:t>sehr</a:t>
-                      </a:r>
-                      <a:r>
-                        <a:rPr lang="en-US" sz="1000" b="1" u="none" strike="noStrike" dirty="0">
-                          <a:effectLst/>
-                        </a:rPr>
-                        <a:t> gut</a:t>
-                      </a:r>
-                      <a:endParaRPr lang="en-US" sz="1000" b="1" i="0" u="none" strike="noStrike" dirty="0">
-                        <a:solidFill>
-                          <a:srgbClr val="FFFFFF"/>
-                        </a:solidFill>
-                        <a:effectLst/>
-                        <a:latin typeface="Calibri"/>
-                      </a:endParaRPr>
-                    </a:p>
-                  </a:txBody>
-                  <a:tcPr marL="7697" marR="7697" marT="7697" marB="0" anchor="b"/>
-                </a:tc>
-                <a:tc>
-                  <a:txBody>
-                    <a:bodyPr/>
-                    <a:lstStyle/>
-                    <a:p>
-                      <a:pPr algn="ctr" fontAlgn="b"/>
-                      <a:r>
-                        <a:rPr lang="en-US" sz="1000" b="1" u="none" strike="noStrike" dirty="0">
-                          <a:effectLst/>
-                        </a:rPr>
-                        <a:t>gut</a:t>
-                      </a:r>
-                      <a:endParaRPr lang="en-US" sz="1000" b="1" i="0" u="none" strike="noStrike" dirty="0">
-                        <a:solidFill>
-                          <a:srgbClr val="FFFFFF"/>
-                        </a:solidFill>
-                        <a:effectLst/>
-                        <a:latin typeface="Calibri"/>
-                      </a:endParaRPr>
-                    </a:p>
-                  </a:txBody>
-                  <a:tcPr marL="7697" marR="7697" marT="7697" marB="0" anchor="b"/>
-                </a:tc>
-                <a:tc>
-                  <a:txBody>
-                    <a:bodyPr/>
-                    <a:lstStyle/>
-                    <a:p>
-                      <a:pPr algn="ctr" fontAlgn="b"/>
-                      <a:r>
-                        <a:rPr lang="en-US" sz="1000" b="1" u="none" strike="noStrike" dirty="0">
-                          <a:effectLst/>
-                        </a:rPr>
-                        <a:t>normal</a:t>
-                      </a:r>
-                      <a:endParaRPr lang="en-US" sz="1000" b="1" i="0" u="none" strike="noStrike" dirty="0">
-                        <a:solidFill>
-                          <a:srgbClr val="FFFFFF"/>
-                        </a:solidFill>
-                        <a:effectLst/>
-                        <a:latin typeface="Calibri"/>
-                      </a:endParaRPr>
-                    </a:p>
-                  </a:txBody>
-                  <a:tcPr marL="7697" marR="7697" marT="7697" marB="0" anchor="b"/>
-                </a:tc>
-                <a:tc>
-                  <a:txBody>
-                    <a:bodyPr/>
-                    <a:lstStyle/>
-                    <a:p>
-                      <a:pPr algn="ctr" fontAlgn="b"/>
-                      <a:r>
-                        <a:rPr lang="en-US" sz="1000" b="1" u="none" strike="noStrike" dirty="0" err="1">
-                          <a:effectLst/>
-                        </a:rPr>
-                        <a:t>nicht</a:t>
-                      </a:r>
-                      <a:r>
-                        <a:rPr lang="en-US" sz="1000" b="1" u="none" strike="noStrike" dirty="0">
-                          <a:effectLst/>
-                        </a:rPr>
-                        <a:t> relevant</a:t>
-                      </a:r>
-                      <a:endParaRPr lang="en-US" sz="1000" b="1" i="0" u="none" strike="noStrike" dirty="0">
-                        <a:solidFill>
-                          <a:srgbClr val="FFFFFF"/>
-                        </a:solidFill>
-                        <a:effectLst/>
-                        <a:latin typeface="Calibri"/>
-                      </a:endParaRPr>
-                    </a:p>
-                  </a:txBody>
-                  <a:tcPr marL="7697" marR="7697" marT="7697" marB="0" anchor="b"/>
-                </a:tc>
-              </a:tr>
-              <a:tr h="161642">
-                <a:tc gridSpan="5">
-                  <a:txBody>
-                    <a:bodyPr/>
-                    <a:lstStyle/>
-                    <a:p>
-                      <a:pPr algn="l" fontAlgn="b"/>
-                      <a:r>
-                        <a:rPr lang="en-US" sz="1000" b="1" u="none" strike="noStrike" dirty="0" err="1" smtClean="0">
-                          <a:effectLst/>
-                        </a:rPr>
-                        <a:t>Funktionalität</a:t>
-                      </a:r>
-                      <a:endParaRPr lang="en-US" sz="1000" b="1" i="0" u="none" strike="noStrike" dirty="0">
-                        <a:solidFill>
-                          <a:srgbClr val="000000"/>
-                        </a:solidFill>
-                        <a:effectLst/>
-                        <a:latin typeface="Calibri"/>
-                      </a:endParaRPr>
-                    </a:p>
-                  </a:txBody>
-                  <a:tcPr marL="7697" marR="7697" marT="7697" marB="0" anchor="b"/>
-                </a:tc>
-                <a:tc hMerge="1">
-                  <a:txBody>
-                    <a:bodyPr/>
-                    <a:lstStyle/>
-                    <a:p>
-                      <a:endParaRPr lang="en-US"/>
-                    </a:p>
-                  </a:txBody>
-                  <a:tcPr/>
-                </a:tc>
-                <a:tc hMerge="1">
-                  <a:txBody>
-                    <a:bodyPr/>
-                    <a:lstStyle/>
-                    <a:p>
-                      <a:endParaRPr lang="en-US"/>
-                    </a:p>
-                  </a:txBody>
-                  <a:tcPr/>
-                </a:tc>
-                <a:tc hMerge="1">
-                  <a:txBody>
-                    <a:bodyPr/>
-                    <a:lstStyle/>
-                    <a:p>
-                      <a:endParaRPr lang="en-US"/>
-                    </a:p>
-                  </a:txBody>
-                  <a:tcPr/>
-                </a:tc>
-                <a:tc hMerge="1">
-                  <a:txBody>
-                    <a:bodyPr/>
-                    <a:lstStyle/>
-                    <a:p>
-                      <a:endParaRPr lang="en-US"/>
-                    </a:p>
-                  </a:txBody>
-                  <a:tcPr/>
-                </a:tc>
-              </a:tr>
-              <a:tr h="161642">
-                <a:tc>
-                  <a:txBody>
-                    <a:bodyPr/>
-                    <a:lstStyle/>
-                    <a:p>
-                      <a:pPr algn="l" fontAlgn="b"/>
-                      <a:r>
-                        <a:rPr lang="en-US" sz="1000" u="none" strike="noStrike">
-                          <a:effectLst/>
-                        </a:rPr>
-                        <a:t>  Angemessenheit</a:t>
-                      </a:r>
-                      <a:endParaRPr lang="en-US" sz="1000" b="0" i="0" u="none" strike="noStrike">
-                        <a:solidFill>
-                          <a:srgbClr val="000000"/>
-                        </a:solidFill>
-                        <a:effectLst/>
-                        <a:latin typeface="Calibri"/>
-                      </a:endParaRPr>
-                    </a:p>
-                  </a:txBody>
-                  <a:tcPr marL="7697" marR="7697" marT="7697" marB="0" anchor="b"/>
-                </a:tc>
-                <a:tc>
-                  <a:txBody>
-                    <a:bodyPr/>
-                    <a:lstStyle/>
-                    <a:p>
-                      <a:pPr algn="ctr" fontAlgn="b"/>
-                      <a:r>
-                        <a:rPr lang="en-US" sz="1000" u="none" strike="noStrike">
-                          <a:effectLst/>
-                        </a:rPr>
-                        <a:t> </a:t>
-                      </a:r>
-                      <a:endParaRPr lang="en-US" sz="1000" b="0" i="0" u="none" strike="noStrike">
-                        <a:solidFill>
-                          <a:srgbClr val="000000"/>
-                        </a:solidFill>
-                        <a:effectLst/>
-                        <a:latin typeface="Calibri"/>
-                      </a:endParaRPr>
-                    </a:p>
-                  </a:txBody>
-                  <a:tcPr marL="7697" marR="7697" marT="7697" marB="0" anchor="b"/>
-                </a:tc>
-                <a:tc>
-                  <a:txBody>
-                    <a:bodyPr/>
-                    <a:lstStyle/>
-                    <a:p>
-                      <a:pPr algn="ctr" fontAlgn="b"/>
-                      <a:r>
-                        <a:rPr lang="en-US" sz="1000" u="none" strike="noStrike">
-                          <a:effectLst/>
-                        </a:rPr>
-                        <a:t> </a:t>
-                      </a:r>
-                      <a:endParaRPr lang="en-US" sz="1000" b="0" i="0" u="none" strike="noStrike">
-                        <a:solidFill>
-                          <a:srgbClr val="000000"/>
-                        </a:solidFill>
-                        <a:effectLst/>
-                        <a:latin typeface="Calibri"/>
-                      </a:endParaRPr>
-                    </a:p>
-                  </a:txBody>
-                  <a:tcPr marL="7697" marR="7697" marT="7697" marB="0" anchor="b"/>
-                </a:tc>
-                <a:tc>
-                  <a:txBody>
-                    <a:bodyPr/>
-                    <a:lstStyle/>
-                    <a:p>
-                      <a:pPr algn="ctr" fontAlgn="b"/>
-                      <a:r>
-                        <a:rPr lang="en-US" sz="1000" u="none" strike="noStrike">
-                          <a:effectLst/>
-                        </a:rPr>
-                        <a:t>X</a:t>
-                      </a:r>
-                      <a:endParaRPr lang="en-US" sz="1000" b="0" i="0" u="none" strike="noStrike">
-                        <a:solidFill>
-                          <a:srgbClr val="000000"/>
-                        </a:solidFill>
-                        <a:effectLst/>
-                        <a:latin typeface="Calibri"/>
-                      </a:endParaRPr>
-                    </a:p>
-                  </a:txBody>
-                  <a:tcPr marL="7697" marR="7697" marT="7697" marB="0" anchor="b"/>
-                </a:tc>
-                <a:tc>
-                  <a:txBody>
-                    <a:bodyPr/>
-                    <a:lstStyle/>
-                    <a:p>
-                      <a:pPr algn="ctr" fontAlgn="b"/>
-                      <a:r>
-                        <a:rPr lang="en-US" sz="1000" u="none" strike="noStrike">
-                          <a:effectLst/>
-                        </a:rPr>
-                        <a:t> </a:t>
-                      </a:r>
-                      <a:endParaRPr lang="en-US" sz="1000" b="0" i="0" u="none" strike="noStrike">
-                        <a:solidFill>
-                          <a:srgbClr val="000000"/>
-                        </a:solidFill>
-                        <a:effectLst/>
-                        <a:latin typeface="Calibri"/>
-                      </a:endParaRPr>
-                    </a:p>
-                  </a:txBody>
-                  <a:tcPr marL="7697" marR="7697" marT="7697" marB="0" anchor="b"/>
-                </a:tc>
-              </a:tr>
-              <a:tr h="161642">
-                <a:tc>
-                  <a:txBody>
-                    <a:bodyPr/>
-                    <a:lstStyle/>
-                    <a:p>
-                      <a:pPr algn="l" fontAlgn="b"/>
-                      <a:r>
-                        <a:rPr lang="en-US" sz="1000" u="none" strike="noStrike">
-                          <a:effectLst/>
-                        </a:rPr>
-                        <a:t>  Richtigkeit</a:t>
-                      </a:r>
-                      <a:endParaRPr lang="en-US" sz="1000" b="0" i="0" u="none" strike="noStrike">
-                        <a:solidFill>
-                          <a:srgbClr val="000000"/>
-                        </a:solidFill>
-                        <a:effectLst/>
-                        <a:latin typeface="Calibri"/>
-                      </a:endParaRPr>
-                    </a:p>
-                  </a:txBody>
-                  <a:tcPr marL="7697" marR="7697" marT="7697" marB="0" anchor="b"/>
-                </a:tc>
-                <a:tc>
-                  <a:txBody>
-                    <a:bodyPr/>
-                    <a:lstStyle/>
-                    <a:p>
-                      <a:pPr algn="ctr" fontAlgn="b"/>
-                      <a:r>
-                        <a:rPr lang="en-US" sz="1000" u="none" strike="noStrike">
-                          <a:effectLst/>
-                        </a:rPr>
-                        <a:t> </a:t>
-                      </a:r>
-                      <a:endParaRPr lang="en-US" sz="1000" b="0" i="0" u="none" strike="noStrike">
-                        <a:solidFill>
-                          <a:srgbClr val="000000"/>
-                        </a:solidFill>
-                        <a:effectLst/>
-                        <a:latin typeface="Calibri"/>
-                      </a:endParaRPr>
-                    </a:p>
-                  </a:txBody>
-                  <a:tcPr marL="7697" marR="7697" marT="7697" marB="0" anchor="b"/>
-                </a:tc>
-                <a:tc>
-                  <a:txBody>
-                    <a:bodyPr/>
-                    <a:lstStyle/>
-                    <a:p>
-                      <a:pPr algn="ctr" fontAlgn="b"/>
-                      <a:r>
-                        <a:rPr lang="en-US" sz="1000" u="none" strike="noStrike">
-                          <a:effectLst/>
-                        </a:rPr>
-                        <a:t>X</a:t>
-                      </a:r>
-                      <a:endParaRPr lang="en-US" sz="1000" b="0" i="0" u="none" strike="noStrike">
-                        <a:solidFill>
-                          <a:srgbClr val="000000"/>
-                        </a:solidFill>
-                        <a:effectLst/>
-                        <a:latin typeface="Calibri"/>
-                      </a:endParaRPr>
-                    </a:p>
-                  </a:txBody>
-                  <a:tcPr marL="7697" marR="7697" marT="7697" marB="0" anchor="b"/>
-                </a:tc>
-                <a:tc>
-                  <a:txBody>
-                    <a:bodyPr/>
-                    <a:lstStyle/>
-                    <a:p>
-                      <a:pPr algn="ctr" fontAlgn="b"/>
-                      <a:r>
-                        <a:rPr lang="en-US" sz="1000" u="none" strike="noStrike">
-                          <a:effectLst/>
-                        </a:rPr>
-                        <a:t> </a:t>
-                      </a:r>
-                      <a:endParaRPr lang="en-US" sz="1000" b="0" i="0" u="none" strike="noStrike">
-                        <a:solidFill>
-                          <a:srgbClr val="000000"/>
-                        </a:solidFill>
-                        <a:effectLst/>
-                        <a:latin typeface="Calibri"/>
-                      </a:endParaRPr>
-                    </a:p>
-                  </a:txBody>
-                  <a:tcPr marL="7697" marR="7697" marT="7697" marB="0" anchor="b"/>
-                </a:tc>
-                <a:tc>
-                  <a:txBody>
-                    <a:bodyPr/>
-                    <a:lstStyle/>
-                    <a:p>
-                      <a:pPr algn="ctr" fontAlgn="b"/>
-                      <a:r>
-                        <a:rPr lang="en-US" sz="1000" u="none" strike="noStrike">
-                          <a:effectLst/>
-                        </a:rPr>
-                        <a:t> </a:t>
-                      </a:r>
-                      <a:endParaRPr lang="en-US" sz="1000" b="0" i="0" u="none" strike="noStrike">
-                        <a:solidFill>
-                          <a:srgbClr val="000000"/>
-                        </a:solidFill>
-                        <a:effectLst/>
-                        <a:latin typeface="Calibri"/>
-                      </a:endParaRPr>
-                    </a:p>
-                  </a:txBody>
-                  <a:tcPr marL="7697" marR="7697" marT="7697" marB="0" anchor="b"/>
-                </a:tc>
-              </a:tr>
-              <a:tr h="161642">
-                <a:tc>
-                  <a:txBody>
-                    <a:bodyPr/>
-                    <a:lstStyle/>
-                    <a:p>
-                      <a:pPr algn="l" fontAlgn="b"/>
-                      <a:r>
-                        <a:rPr lang="en-US" sz="1000" u="none" strike="noStrike">
-                          <a:effectLst/>
-                        </a:rPr>
-                        <a:t>  Interoperabilität</a:t>
-                      </a:r>
-                      <a:endParaRPr lang="en-US" sz="1000" b="0" i="0" u="none" strike="noStrike">
-                        <a:solidFill>
-                          <a:srgbClr val="000000"/>
-                        </a:solidFill>
-                        <a:effectLst/>
-                        <a:latin typeface="Calibri"/>
-                      </a:endParaRPr>
-                    </a:p>
-                  </a:txBody>
-                  <a:tcPr marL="7697" marR="7697" marT="7697" marB="0" anchor="b"/>
-                </a:tc>
-                <a:tc>
-                  <a:txBody>
-                    <a:bodyPr/>
-                    <a:lstStyle/>
-                    <a:p>
-                      <a:pPr algn="ctr" fontAlgn="b"/>
-                      <a:r>
-                        <a:rPr lang="en-US" sz="1000" u="none" strike="noStrike">
-                          <a:effectLst/>
-                        </a:rPr>
-                        <a:t> </a:t>
-                      </a:r>
-                      <a:endParaRPr lang="en-US" sz="1000" b="0" i="0" u="none" strike="noStrike">
-                        <a:solidFill>
-                          <a:srgbClr val="000000"/>
-                        </a:solidFill>
-                        <a:effectLst/>
-                        <a:latin typeface="Calibri"/>
-                      </a:endParaRPr>
-                    </a:p>
-                  </a:txBody>
-                  <a:tcPr marL="7697" marR="7697" marT="7697" marB="0" anchor="b"/>
-                </a:tc>
-                <a:tc>
-                  <a:txBody>
-                    <a:bodyPr/>
-                    <a:lstStyle/>
-                    <a:p>
-                      <a:pPr algn="ctr" fontAlgn="b"/>
-                      <a:r>
-                        <a:rPr lang="en-US" sz="1000" u="none" strike="noStrike">
-                          <a:effectLst/>
-                        </a:rPr>
-                        <a:t> </a:t>
-                      </a:r>
-                      <a:endParaRPr lang="en-US" sz="1000" b="0" i="0" u="none" strike="noStrike">
-                        <a:solidFill>
-                          <a:srgbClr val="000000"/>
-                        </a:solidFill>
-                        <a:effectLst/>
-                        <a:latin typeface="Calibri"/>
-                      </a:endParaRPr>
-                    </a:p>
-                  </a:txBody>
-                  <a:tcPr marL="7697" marR="7697" marT="7697" marB="0" anchor="b"/>
-                </a:tc>
-                <a:tc>
-                  <a:txBody>
-                    <a:bodyPr/>
-                    <a:lstStyle/>
-                    <a:p>
-                      <a:pPr algn="ctr" fontAlgn="b"/>
-                      <a:r>
-                        <a:rPr lang="en-US" sz="1000" u="none" strike="noStrike">
-                          <a:effectLst/>
-                        </a:rPr>
-                        <a:t>X</a:t>
-                      </a:r>
-                      <a:endParaRPr lang="en-US" sz="1000" b="0" i="0" u="none" strike="noStrike">
-                        <a:solidFill>
-                          <a:srgbClr val="000000"/>
-                        </a:solidFill>
-                        <a:effectLst/>
-                        <a:latin typeface="Calibri"/>
-                      </a:endParaRPr>
-                    </a:p>
-                  </a:txBody>
-                  <a:tcPr marL="7697" marR="7697" marT="7697" marB="0" anchor="b"/>
-                </a:tc>
-                <a:tc>
-                  <a:txBody>
-                    <a:bodyPr/>
-                    <a:lstStyle/>
-                    <a:p>
-                      <a:pPr algn="ctr" fontAlgn="b"/>
-                      <a:r>
-                        <a:rPr lang="en-US" sz="1000" u="none" strike="noStrike">
-                          <a:effectLst/>
-                        </a:rPr>
-                        <a:t> </a:t>
-                      </a:r>
-                      <a:endParaRPr lang="en-US" sz="1000" b="0" i="0" u="none" strike="noStrike">
-                        <a:solidFill>
-                          <a:srgbClr val="000000"/>
-                        </a:solidFill>
-                        <a:effectLst/>
-                        <a:latin typeface="Calibri"/>
-                      </a:endParaRPr>
-                    </a:p>
-                  </a:txBody>
-                  <a:tcPr marL="7697" marR="7697" marT="7697" marB="0" anchor="b"/>
-                </a:tc>
-              </a:tr>
-              <a:tr h="161642">
-                <a:tc>
-                  <a:txBody>
-                    <a:bodyPr/>
-                    <a:lstStyle/>
-                    <a:p>
-                      <a:pPr algn="l" fontAlgn="b"/>
-                      <a:r>
-                        <a:rPr lang="en-US" sz="1000" u="none" strike="noStrike">
-                          <a:effectLst/>
-                        </a:rPr>
-                        <a:t>  Ordnungsmäßigkeit</a:t>
-                      </a:r>
-                      <a:endParaRPr lang="en-US" sz="1000" b="0" i="0" u="none" strike="noStrike">
-                        <a:solidFill>
-                          <a:srgbClr val="000000"/>
-                        </a:solidFill>
-                        <a:effectLst/>
-                        <a:latin typeface="Calibri"/>
-                      </a:endParaRPr>
-                    </a:p>
-                  </a:txBody>
-                  <a:tcPr marL="7697" marR="7697" marT="7697" marB="0" anchor="b"/>
-                </a:tc>
-                <a:tc>
-                  <a:txBody>
-                    <a:bodyPr/>
-                    <a:lstStyle/>
-                    <a:p>
-                      <a:pPr algn="ctr" fontAlgn="b"/>
-                      <a:r>
-                        <a:rPr lang="en-US" sz="1000" u="none" strike="noStrike">
-                          <a:effectLst/>
-                        </a:rPr>
-                        <a:t> </a:t>
-                      </a:r>
-                      <a:endParaRPr lang="en-US" sz="1000" b="0" i="0" u="none" strike="noStrike">
-                        <a:solidFill>
-                          <a:srgbClr val="000000"/>
-                        </a:solidFill>
-                        <a:effectLst/>
-                        <a:latin typeface="Calibri"/>
-                      </a:endParaRPr>
-                    </a:p>
-                  </a:txBody>
-                  <a:tcPr marL="7697" marR="7697" marT="7697" marB="0" anchor="b"/>
-                </a:tc>
-                <a:tc>
-                  <a:txBody>
-                    <a:bodyPr/>
-                    <a:lstStyle/>
-                    <a:p>
-                      <a:pPr algn="ctr" fontAlgn="b"/>
-                      <a:r>
-                        <a:rPr lang="en-US" sz="1000" u="none" strike="noStrike">
-                          <a:effectLst/>
-                        </a:rPr>
-                        <a:t>X</a:t>
-                      </a:r>
-                      <a:endParaRPr lang="en-US" sz="1000" b="0" i="0" u="none" strike="noStrike">
-                        <a:solidFill>
-                          <a:srgbClr val="000000"/>
-                        </a:solidFill>
-                        <a:effectLst/>
-                        <a:latin typeface="Calibri"/>
-                      </a:endParaRPr>
-                    </a:p>
-                  </a:txBody>
-                  <a:tcPr marL="7697" marR="7697" marT="7697" marB="0" anchor="b"/>
-                </a:tc>
-                <a:tc>
-                  <a:txBody>
-                    <a:bodyPr/>
-                    <a:lstStyle/>
-                    <a:p>
-                      <a:pPr algn="ctr" fontAlgn="b"/>
-                      <a:r>
-                        <a:rPr lang="en-US" sz="1000" u="none" strike="noStrike">
-                          <a:effectLst/>
-                        </a:rPr>
-                        <a:t> </a:t>
-                      </a:r>
-                      <a:endParaRPr lang="en-US" sz="1000" b="0" i="0" u="none" strike="noStrike">
-                        <a:solidFill>
-                          <a:srgbClr val="000000"/>
-                        </a:solidFill>
-                        <a:effectLst/>
-                        <a:latin typeface="Calibri"/>
-                      </a:endParaRPr>
-                    </a:p>
-                  </a:txBody>
-                  <a:tcPr marL="7697" marR="7697" marT="7697" marB="0" anchor="b"/>
-                </a:tc>
-                <a:tc>
-                  <a:txBody>
-                    <a:bodyPr/>
-                    <a:lstStyle/>
-                    <a:p>
-                      <a:pPr algn="ctr" fontAlgn="b"/>
-                      <a:r>
-                        <a:rPr lang="en-US" sz="1000" u="none" strike="noStrike">
-                          <a:effectLst/>
-                        </a:rPr>
-                        <a:t> </a:t>
-                      </a:r>
-                      <a:endParaRPr lang="en-US" sz="1000" b="0" i="0" u="none" strike="noStrike">
-                        <a:solidFill>
-                          <a:srgbClr val="000000"/>
-                        </a:solidFill>
-                        <a:effectLst/>
-                        <a:latin typeface="Calibri"/>
-                      </a:endParaRPr>
-                    </a:p>
-                  </a:txBody>
-                  <a:tcPr marL="7697" marR="7697" marT="7697" marB="0" anchor="b"/>
-                </a:tc>
-              </a:tr>
-              <a:tr h="161642">
-                <a:tc>
-                  <a:txBody>
-                    <a:bodyPr/>
-                    <a:lstStyle/>
-                    <a:p>
-                      <a:pPr algn="l" fontAlgn="b"/>
-                      <a:r>
-                        <a:rPr lang="en-US" sz="1000" u="none" strike="noStrike">
-                          <a:effectLst/>
-                        </a:rPr>
-                        <a:t>  Sicherheit</a:t>
-                      </a:r>
-                      <a:endParaRPr lang="en-US" sz="1000" b="0" i="0" u="none" strike="noStrike">
-                        <a:solidFill>
-                          <a:srgbClr val="000000"/>
-                        </a:solidFill>
-                        <a:effectLst/>
-                        <a:latin typeface="Calibri"/>
-                      </a:endParaRPr>
-                    </a:p>
-                  </a:txBody>
-                  <a:tcPr marL="7697" marR="7697" marT="7697" marB="0" anchor="b"/>
-                </a:tc>
-                <a:tc>
-                  <a:txBody>
-                    <a:bodyPr/>
-                    <a:lstStyle/>
-                    <a:p>
-                      <a:pPr algn="ctr" fontAlgn="b"/>
-                      <a:r>
-                        <a:rPr lang="en-US" sz="1000" u="none" strike="noStrike">
-                          <a:effectLst/>
-                        </a:rPr>
-                        <a:t> </a:t>
-                      </a:r>
-                      <a:endParaRPr lang="en-US" sz="1000" b="0" i="0" u="none" strike="noStrike">
-                        <a:solidFill>
-                          <a:srgbClr val="000000"/>
-                        </a:solidFill>
-                        <a:effectLst/>
-                        <a:latin typeface="Calibri"/>
-                      </a:endParaRPr>
-                    </a:p>
-                  </a:txBody>
-                  <a:tcPr marL="7697" marR="7697" marT="7697" marB="0" anchor="b"/>
-                </a:tc>
-                <a:tc>
-                  <a:txBody>
-                    <a:bodyPr/>
-                    <a:lstStyle/>
-                    <a:p>
-                      <a:pPr algn="ctr" fontAlgn="b"/>
-                      <a:r>
-                        <a:rPr lang="en-US" sz="1000" u="none" strike="noStrike">
-                          <a:effectLst/>
-                        </a:rPr>
-                        <a:t>X</a:t>
-                      </a:r>
-                      <a:endParaRPr lang="en-US" sz="1000" b="0" i="0" u="none" strike="noStrike">
-                        <a:solidFill>
-                          <a:srgbClr val="000000"/>
-                        </a:solidFill>
-                        <a:effectLst/>
-                        <a:latin typeface="Calibri"/>
-                      </a:endParaRPr>
-                    </a:p>
-                  </a:txBody>
-                  <a:tcPr marL="7697" marR="7697" marT="7697" marB="0" anchor="b"/>
-                </a:tc>
-                <a:tc>
-                  <a:txBody>
-                    <a:bodyPr/>
-                    <a:lstStyle/>
-                    <a:p>
-                      <a:pPr algn="ctr" fontAlgn="b"/>
-                      <a:r>
-                        <a:rPr lang="en-US" sz="1000" u="none" strike="noStrike">
-                          <a:effectLst/>
-                        </a:rPr>
-                        <a:t> </a:t>
-                      </a:r>
-                      <a:endParaRPr lang="en-US" sz="1000" b="0" i="0" u="none" strike="noStrike">
-                        <a:solidFill>
-                          <a:srgbClr val="000000"/>
-                        </a:solidFill>
-                        <a:effectLst/>
-                        <a:latin typeface="Calibri"/>
-                      </a:endParaRPr>
-                    </a:p>
-                  </a:txBody>
-                  <a:tcPr marL="7697" marR="7697" marT="7697" marB="0" anchor="b"/>
-                </a:tc>
-                <a:tc>
-                  <a:txBody>
-                    <a:bodyPr/>
-                    <a:lstStyle/>
-                    <a:p>
-                      <a:pPr algn="ctr" fontAlgn="b"/>
-                      <a:r>
-                        <a:rPr lang="en-US" sz="1000" u="none" strike="noStrike">
-                          <a:effectLst/>
-                        </a:rPr>
-                        <a:t> </a:t>
-                      </a:r>
-                      <a:endParaRPr lang="en-US" sz="1000" b="0" i="0" u="none" strike="noStrike">
-                        <a:solidFill>
-                          <a:srgbClr val="000000"/>
-                        </a:solidFill>
-                        <a:effectLst/>
-                        <a:latin typeface="Calibri"/>
-                      </a:endParaRPr>
-                    </a:p>
-                  </a:txBody>
-                  <a:tcPr marL="7697" marR="7697" marT="7697" marB="0" anchor="b"/>
-                </a:tc>
-              </a:tr>
-              <a:tr h="161642">
-                <a:tc gridSpan="5">
-                  <a:txBody>
-                    <a:bodyPr/>
-                    <a:lstStyle/>
-                    <a:p>
-                      <a:pPr algn="l" fontAlgn="b"/>
-                      <a:r>
-                        <a:rPr lang="en-US" sz="1000" u="none" strike="noStrike">
-                          <a:effectLst/>
-                        </a:rPr>
-                        <a:t>Zuverlässigkeit</a:t>
-                      </a:r>
-                      <a:endParaRPr lang="en-US" sz="1000" b="1" i="0" u="none" strike="noStrike">
-                        <a:solidFill>
-                          <a:srgbClr val="000000"/>
-                        </a:solidFill>
-                        <a:effectLst/>
-                        <a:latin typeface="Calibri"/>
-                      </a:endParaRPr>
-                    </a:p>
-                  </a:txBody>
-                  <a:tcPr marL="7697" marR="7697" marT="7697" marB="0" anchor="b"/>
-                </a:tc>
-                <a:tc hMerge="1">
-                  <a:txBody>
-                    <a:bodyPr/>
-                    <a:lstStyle/>
-                    <a:p>
-                      <a:endParaRPr lang="en-US"/>
-                    </a:p>
-                  </a:txBody>
-                  <a:tcPr/>
-                </a:tc>
-                <a:tc hMerge="1">
-                  <a:txBody>
-                    <a:bodyPr/>
-                    <a:lstStyle/>
-                    <a:p>
-                      <a:endParaRPr lang="en-US"/>
-                    </a:p>
-                  </a:txBody>
-                  <a:tcPr/>
-                </a:tc>
-                <a:tc hMerge="1">
-                  <a:txBody>
-                    <a:bodyPr/>
-                    <a:lstStyle/>
-                    <a:p>
-                      <a:endParaRPr lang="en-US"/>
-                    </a:p>
-                  </a:txBody>
-                  <a:tcPr/>
-                </a:tc>
-                <a:tc hMerge="1">
-                  <a:txBody>
-                    <a:bodyPr/>
-                    <a:lstStyle/>
-                    <a:p>
-                      <a:endParaRPr lang="en-US"/>
-                    </a:p>
-                  </a:txBody>
-                  <a:tcPr/>
-                </a:tc>
-              </a:tr>
-              <a:tr h="161642">
-                <a:tc>
-                  <a:txBody>
-                    <a:bodyPr/>
-                    <a:lstStyle/>
-                    <a:p>
-                      <a:pPr algn="l" fontAlgn="b"/>
-                      <a:r>
-                        <a:rPr lang="en-US" sz="1000" u="none" strike="noStrike">
-                          <a:effectLst/>
-                        </a:rPr>
-                        <a:t>  Reife</a:t>
-                      </a:r>
-                      <a:endParaRPr lang="en-US" sz="1000" b="0" i="0" u="none" strike="noStrike">
-                        <a:solidFill>
-                          <a:srgbClr val="000000"/>
-                        </a:solidFill>
-                        <a:effectLst/>
-                        <a:latin typeface="Calibri"/>
-                      </a:endParaRPr>
-                    </a:p>
-                  </a:txBody>
-                  <a:tcPr marL="7697" marR="7697" marT="7697" marB="0" anchor="b"/>
-                </a:tc>
-                <a:tc>
-                  <a:txBody>
-                    <a:bodyPr/>
-                    <a:lstStyle/>
-                    <a:p>
-                      <a:pPr algn="ctr" fontAlgn="b"/>
-                      <a:r>
-                        <a:rPr lang="en-US" sz="1000" u="none" strike="noStrike">
-                          <a:effectLst/>
-                        </a:rPr>
-                        <a:t> </a:t>
-                      </a:r>
-                      <a:endParaRPr lang="en-US" sz="1000" b="0" i="0" u="none" strike="noStrike">
-                        <a:solidFill>
-                          <a:srgbClr val="000000"/>
-                        </a:solidFill>
-                        <a:effectLst/>
-                        <a:latin typeface="Calibri"/>
-                      </a:endParaRPr>
-                    </a:p>
-                  </a:txBody>
-                  <a:tcPr marL="7697" marR="7697" marT="7697" marB="0" anchor="b"/>
-                </a:tc>
-                <a:tc>
-                  <a:txBody>
-                    <a:bodyPr/>
-                    <a:lstStyle/>
-                    <a:p>
-                      <a:pPr algn="ctr" fontAlgn="b"/>
-                      <a:r>
-                        <a:rPr lang="en-US" sz="1000" u="none" strike="noStrike">
-                          <a:effectLst/>
-                        </a:rPr>
-                        <a:t>X</a:t>
-                      </a:r>
-                      <a:endParaRPr lang="en-US" sz="1000" b="0" i="0" u="none" strike="noStrike">
-                        <a:solidFill>
-                          <a:srgbClr val="000000"/>
-                        </a:solidFill>
-                        <a:effectLst/>
-                        <a:latin typeface="Calibri"/>
-                      </a:endParaRPr>
-                    </a:p>
-                  </a:txBody>
-                  <a:tcPr marL="7697" marR="7697" marT="7697" marB="0" anchor="b"/>
-                </a:tc>
-                <a:tc>
-                  <a:txBody>
-                    <a:bodyPr/>
-                    <a:lstStyle/>
-                    <a:p>
-                      <a:pPr algn="ctr" fontAlgn="b"/>
-                      <a:r>
-                        <a:rPr lang="en-US" sz="1000" u="none" strike="noStrike">
-                          <a:effectLst/>
-                        </a:rPr>
-                        <a:t> </a:t>
-                      </a:r>
-                      <a:endParaRPr lang="en-US" sz="1000" b="0" i="0" u="none" strike="noStrike">
-                        <a:solidFill>
-                          <a:srgbClr val="000000"/>
-                        </a:solidFill>
-                        <a:effectLst/>
-                        <a:latin typeface="Calibri"/>
-                      </a:endParaRPr>
-                    </a:p>
-                  </a:txBody>
-                  <a:tcPr marL="7697" marR="7697" marT="7697" marB="0" anchor="b"/>
-                </a:tc>
-                <a:tc>
-                  <a:txBody>
-                    <a:bodyPr/>
-                    <a:lstStyle/>
-                    <a:p>
-                      <a:pPr algn="ctr" fontAlgn="b"/>
-                      <a:r>
-                        <a:rPr lang="en-US" sz="1000" u="none" strike="noStrike">
-                          <a:effectLst/>
-                        </a:rPr>
-                        <a:t> </a:t>
-                      </a:r>
-                      <a:endParaRPr lang="en-US" sz="1000" b="0" i="0" u="none" strike="noStrike">
-                        <a:solidFill>
-                          <a:srgbClr val="000000"/>
-                        </a:solidFill>
-                        <a:effectLst/>
-                        <a:latin typeface="Calibri"/>
-                      </a:endParaRPr>
-                    </a:p>
-                  </a:txBody>
-                  <a:tcPr marL="7697" marR="7697" marT="7697" marB="0" anchor="b"/>
-                </a:tc>
-              </a:tr>
-              <a:tr h="161642">
-                <a:tc>
-                  <a:txBody>
-                    <a:bodyPr/>
-                    <a:lstStyle/>
-                    <a:p>
-                      <a:pPr algn="l" fontAlgn="b"/>
-                      <a:r>
-                        <a:rPr lang="en-US" sz="1000" u="none" strike="noStrike">
-                          <a:effectLst/>
-                        </a:rPr>
-                        <a:t>  Fehlertolleranz</a:t>
-                      </a:r>
-                      <a:endParaRPr lang="en-US" sz="1000" b="0" i="0" u="none" strike="noStrike">
-                        <a:solidFill>
-                          <a:srgbClr val="000000"/>
-                        </a:solidFill>
-                        <a:effectLst/>
-                        <a:latin typeface="Calibri"/>
-                      </a:endParaRPr>
-                    </a:p>
-                  </a:txBody>
-                  <a:tcPr marL="7697" marR="7697" marT="7697" marB="0" anchor="b"/>
-                </a:tc>
-                <a:tc>
-                  <a:txBody>
-                    <a:bodyPr/>
-                    <a:lstStyle/>
-                    <a:p>
-                      <a:pPr algn="ctr" fontAlgn="b"/>
-                      <a:r>
-                        <a:rPr lang="en-US" sz="1000" u="none" strike="noStrike">
-                          <a:effectLst/>
-                        </a:rPr>
-                        <a:t> </a:t>
-                      </a:r>
-                      <a:endParaRPr lang="en-US" sz="1000" b="0" i="0" u="none" strike="noStrike">
-                        <a:solidFill>
-                          <a:srgbClr val="000000"/>
-                        </a:solidFill>
-                        <a:effectLst/>
-                        <a:latin typeface="Calibri"/>
-                      </a:endParaRPr>
-                    </a:p>
-                  </a:txBody>
-                  <a:tcPr marL="7697" marR="7697" marT="7697" marB="0" anchor="b"/>
-                </a:tc>
-                <a:tc>
-                  <a:txBody>
-                    <a:bodyPr/>
-                    <a:lstStyle/>
-                    <a:p>
-                      <a:pPr algn="ctr" fontAlgn="b"/>
-                      <a:r>
-                        <a:rPr lang="en-US" sz="1000" u="none" strike="noStrike">
-                          <a:effectLst/>
-                        </a:rPr>
-                        <a:t> </a:t>
-                      </a:r>
-                      <a:endParaRPr lang="en-US" sz="1000" b="0" i="0" u="none" strike="noStrike">
-                        <a:solidFill>
-                          <a:srgbClr val="000000"/>
-                        </a:solidFill>
-                        <a:effectLst/>
-                        <a:latin typeface="Calibri"/>
-                      </a:endParaRPr>
-                    </a:p>
-                  </a:txBody>
-                  <a:tcPr marL="7697" marR="7697" marT="7697" marB="0" anchor="b"/>
-                </a:tc>
-                <a:tc>
-                  <a:txBody>
-                    <a:bodyPr/>
-                    <a:lstStyle/>
-                    <a:p>
-                      <a:pPr algn="ctr" fontAlgn="b"/>
-                      <a:r>
-                        <a:rPr lang="en-US" sz="1000" u="none" strike="noStrike">
-                          <a:effectLst/>
-                        </a:rPr>
-                        <a:t>X</a:t>
-                      </a:r>
-                      <a:endParaRPr lang="en-US" sz="1000" b="0" i="0" u="none" strike="noStrike">
-                        <a:solidFill>
-                          <a:srgbClr val="000000"/>
-                        </a:solidFill>
-                        <a:effectLst/>
-                        <a:latin typeface="Calibri"/>
-                      </a:endParaRPr>
-                    </a:p>
-                  </a:txBody>
-                  <a:tcPr marL="7697" marR="7697" marT="7697" marB="0" anchor="b"/>
-                </a:tc>
-                <a:tc>
-                  <a:txBody>
-                    <a:bodyPr/>
-                    <a:lstStyle/>
-                    <a:p>
-                      <a:pPr algn="ctr" fontAlgn="b"/>
-                      <a:r>
-                        <a:rPr lang="en-US" sz="1000" u="none" strike="noStrike">
-                          <a:effectLst/>
-                        </a:rPr>
-                        <a:t> </a:t>
-                      </a:r>
-                      <a:endParaRPr lang="en-US" sz="1000" b="0" i="0" u="none" strike="noStrike">
-                        <a:solidFill>
-                          <a:srgbClr val="000000"/>
-                        </a:solidFill>
-                        <a:effectLst/>
-                        <a:latin typeface="Calibri"/>
-                      </a:endParaRPr>
-                    </a:p>
-                  </a:txBody>
-                  <a:tcPr marL="7697" marR="7697" marT="7697" marB="0" anchor="b"/>
-                </a:tc>
-              </a:tr>
-              <a:tr h="161642">
-                <a:tc>
-                  <a:txBody>
-                    <a:bodyPr/>
-                    <a:lstStyle/>
-                    <a:p>
-                      <a:pPr algn="l" fontAlgn="b"/>
-                      <a:r>
-                        <a:rPr lang="en-US" sz="1000" u="none" strike="noStrike">
-                          <a:effectLst/>
-                        </a:rPr>
-                        <a:t>  Wiederherstellbarkeit</a:t>
-                      </a:r>
-                      <a:endParaRPr lang="en-US" sz="1000" b="0" i="0" u="none" strike="noStrike">
-                        <a:solidFill>
-                          <a:srgbClr val="000000"/>
-                        </a:solidFill>
-                        <a:effectLst/>
-                        <a:latin typeface="Calibri"/>
-                      </a:endParaRPr>
-                    </a:p>
-                  </a:txBody>
-                  <a:tcPr marL="7697" marR="7697" marT="7697" marB="0" anchor="b"/>
-                </a:tc>
-                <a:tc>
-                  <a:txBody>
-                    <a:bodyPr/>
-                    <a:lstStyle/>
-                    <a:p>
-                      <a:pPr algn="ctr" fontAlgn="b"/>
-                      <a:r>
-                        <a:rPr lang="en-US" sz="1000" u="none" strike="noStrike">
-                          <a:effectLst/>
-                        </a:rPr>
-                        <a:t> </a:t>
-                      </a:r>
-                      <a:endParaRPr lang="en-US" sz="1000" b="0" i="0" u="none" strike="noStrike">
-                        <a:solidFill>
-                          <a:srgbClr val="000000"/>
-                        </a:solidFill>
-                        <a:effectLst/>
-                        <a:latin typeface="Calibri"/>
-                      </a:endParaRPr>
-                    </a:p>
-                  </a:txBody>
-                  <a:tcPr marL="7697" marR="7697" marT="7697" marB="0" anchor="b"/>
-                </a:tc>
-                <a:tc>
-                  <a:txBody>
-                    <a:bodyPr/>
-                    <a:lstStyle/>
-                    <a:p>
-                      <a:pPr algn="ctr" fontAlgn="b"/>
-                      <a:r>
-                        <a:rPr lang="en-US" sz="1000" u="none" strike="noStrike">
-                          <a:effectLst/>
-                        </a:rPr>
-                        <a:t> </a:t>
-                      </a:r>
-                      <a:endParaRPr lang="en-US" sz="1000" b="0" i="0" u="none" strike="noStrike">
-                        <a:solidFill>
-                          <a:srgbClr val="000000"/>
-                        </a:solidFill>
-                        <a:effectLst/>
-                        <a:latin typeface="Calibri"/>
-                      </a:endParaRPr>
-                    </a:p>
-                  </a:txBody>
-                  <a:tcPr marL="7697" marR="7697" marT="7697" marB="0" anchor="b"/>
-                </a:tc>
-                <a:tc>
-                  <a:txBody>
-                    <a:bodyPr/>
-                    <a:lstStyle/>
-                    <a:p>
-                      <a:pPr algn="ctr" fontAlgn="b"/>
-                      <a:r>
-                        <a:rPr lang="en-US" sz="1000" u="none" strike="noStrike">
-                          <a:effectLst/>
-                        </a:rPr>
-                        <a:t>X</a:t>
-                      </a:r>
-                      <a:endParaRPr lang="en-US" sz="1000" b="0" i="0" u="none" strike="noStrike">
-                        <a:solidFill>
-                          <a:srgbClr val="000000"/>
-                        </a:solidFill>
-                        <a:effectLst/>
-                        <a:latin typeface="Calibri"/>
-                      </a:endParaRPr>
-                    </a:p>
-                  </a:txBody>
-                  <a:tcPr marL="7697" marR="7697" marT="7697" marB="0" anchor="b"/>
-                </a:tc>
-                <a:tc>
-                  <a:txBody>
-                    <a:bodyPr/>
-                    <a:lstStyle/>
-                    <a:p>
-                      <a:pPr algn="ctr" fontAlgn="b"/>
-                      <a:r>
-                        <a:rPr lang="en-US" sz="1000" u="none" strike="noStrike">
-                          <a:effectLst/>
-                        </a:rPr>
-                        <a:t> </a:t>
-                      </a:r>
-                      <a:endParaRPr lang="en-US" sz="1000" b="0" i="0" u="none" strike="noStrike">
-                        <a:solidFill>
-                          <a:srgbClr val="000000"/>
-                        </a:solidFill>
-                        <a:effectLst/>
-                        <a:latin typeface="Calibri"/>
-                      </a:endParaRPr>
-                    </a:p>
-                  </a:txBody>
-                  <a:tcPr marL="7697" marR="7697" marT="7697" marB="0" anchor="b"/>
-                </a:tc>
-              </a:tr>
-              <a:tr h="161642">
-                <a:tc gridSpan="5">
-                  <a:txBody>
-                    <a:bodyPr/>
-                    <a:lstStyle/>
-                    <a:p>
-                      <a:pPr algn="l" fontAlgn="b"/>
-                      <a:r>
-                        <a:rPr lang="en-US" sz="1000" b="1" u="none" strike="noStrike" dirty="0" err="1">
-                          <a:effectLst/>
-                        </a:rPr>
-                        <a:t>Benutzbarkeit</a:t>
-                      </a:r>
-                      <a:endParaRPr lang="en-US" sz="1000" b="1" i="0" u="none" strike="noStrike" dirty="0">
-                        <a:solidFill>
-                          <a:srgbClr val="000000"/>
-                        </a:solidFill>
-                        <a:effectLst/>
-                        <a:latin typeface="Calibri"/>
-                      </a:endParaRPr>
-                    </a:p>
-                  </a:txBody>
-                  <a:tcPr marL="7697" marR="7697" marT="7697" marB="0" anchor="b"/>
-                </a:tc>
-                <a:tc hMerge="1">
-                  <a:txBody>
-                    <a:bodyPr/>
-                    <a:lstStyle/>
-                    <a:p>
-                      <a:endParaRPr lang="en-US"/>
-                    </a:p>
-                  </a:txBody>
-                  <a:tcPr/>
-                </a:tc>
-                <a:tc hMerge="1">
-                  <a:txBody>
-                    <a:bodyPr/>
-                    <a:lstStyle/>
-                    <a:p>
-                      <a:endParaRPr lang="en-US"/>
-                    </a:p>
-                  </a:txBody>
-                  <a:tcPr/>
-                </a:tc>
-                <a:tc hMerge="1">
-                  <a:txBody>
-                    <a:bodyPr/>
-                    <a:lstStyle/>
-                    <a:p>
-                      <a:endParaRPr lang="en-US"/>
-                    </a:p>
-                  </a:txBody>
-                  <a:tcPr/>
-                </a:tc>
-                <a:tc hMerge="1">
-                  <a:txBody>
-                    <a:bodyPr/>
-                    <a:lstStyle/>
-                    <a:p>
-                      <a:endParaRPr lang="en-US"/>
-                    </a:p>
-                  </a:txBody>
-                  <a:tcPr/>
-                </a:tc>
-              </a:tr>
-              <a:tr h="161642">
-                <a:tc>
-                  <a:txBody>
-                    <a:bodyPr/>
-                    <a:lstStyle/>
-                    <a:p>
-                      <a:pPr algn="l" fontAlgn="b"/>
-                      <a:r>
-                        <a:rPr lang="en-US" sz="1000" u="none" strike="noStrike">
-                          <a:effectLst/>
-                        </a:rPr>
-                        <a:t>  Verständlichkeit</a:t>
-                      </a:r>
-                      <a:endParaRPr lang="en-US" sz="1000" b="0" i="0" u="none" strike="noStrike">
-                        <a:solidFill>
-                          <a:srgbClr val="000000"/>
-                        </a:solidFill>
-                        <a:effectLst/>
-                        <a:latin typeface="Calibri"/>
-                      </a:endParaRPr>
-                    </a:p>
-                  </a:txBody>
-                  <a:tcPr marL="7697" marR="7697" marT="7697" marB="0" anchor="b"/>
-                </a:tc>
-                <a:tc>
-                  <a:txBody>
-                    <a:bodyPr/>
-                    <a:lstStyle/>
-                    <a:p>
-                      <a:pPr algn="ctr" fontAlgn="b"/>
-                      <a:r>
-                        <a:rPr lang="en-US" sz="1000" u="none" strike="noStrike">
-                          <a:effectLst/>
-                        </a:rPr>
-                        <a:t>X</a:t>
-                      </a:r>
-                      <a:endParaRPr lang="en-US" sz="1000" b="0" i="0" u="none" strike="noStrike">
-                        <a:solidFill>
-                          <a:srgbClr val="000000"/>
-                        </a:solidFill>
-                        <a:effectLst/>
-                        <a:latin typeface="Calibri"/>
-                      </a:endParaRPr>
-                    </a:p>
-                  </a:txBody>
-                  <a:tcPr marL="7697" marR="7697" marT="7697" marB="0" anchor="b"/>
-                </a:tc>
-                <a:tc>
-                  <a:txBody>
-                    <a:bodyPr/>
-                    <a:lstStyle/>
-                    <a:p>
-                      <a:pPr algn="ctr" fontAlgn="b"/>
-                      <a:r>
-                        <a:rPr lang="en-US" sz="1000" u="none" strike="noStrike">
-                          <a:effectLst/>
-                        </a:rPr>
-                        <a:t> </a:t>
-                      </a:r>
-                      <a:endParaRPr lang="en-US" sz="1000" b="0" i="0" u="none" strike="noStrike">
-                        <a:solidFill>
-                          <a:srgbClr val="000000"/>
-                        </a:solidFill>
-                        <a:effectLst/>
-                        <a:latin typeface="Calibri"/>
-                      </a:endParaRPr>
-                    </a:p>
-                  </a:txBody>
-                  <a:tcPr marL="7697" marR="7697" marT="7697" marB="0" anchor="b"/>
-                </a:tc>
-                <a:tc>
-                  <a:txBody>
-                    <a:bodyPr/>
-                    <a:lstStyle/>
-                    <a:p>
-                      <a:pPr algn="ctr" fontAlgn="b"/>
-                      <a:r>
-                        <a:rPr lang="en-US" sz="1000" u="none" strike="noStrike">
-                          <a:effectLst/>
-                        </a:rPr>
-                        <a:t> </a:t>
-                      </a:r>
-                      <a:endParaRPr lang="en-US" sz="1000" b="0" i="0" u="none" strike="noStrike">
-                        <a:solidFill>
-                          <a:srgbClr val="000000"/>
-                        </a:solidFill>
-                        <a:effectLst/>
-                        <a:latin typeface="Calibri"/>
-                      </a:endParaRPr>
-                    </a:p>
-                  </a:txBody>
-                  <a:tcPr marL="7697" marR="7697" marT="7697" marB="0" anchor="b"/>
-                </a:tc>
-                <a:tc>
-                  <a:txBody>
-                    <a:bodyPr/>
-                    <a:lstStyle/>
-                    <a:p>
-                      <a:pPr algn="ctr" fontAlgn="b"/>
-                      <a:r>
-                        <a:rPr lang="en-US" sz="1000" u="none" strike="noStrike">
-                          <a:effectLst/>
-                        </a:rPr>
-                        <a:t> </a:t>
-                      </a:r>
-                      <a:endParaRPr lang="en-US" sz="1000" b="0" i="0" u="none" strike="noStrike">
-                        <a:solidFill>
-                          <a:srgbClr val="000000"/>
-                        </a:solidFill>
-                        <a:effectLst/>
-                        <a:latin typeface="Calibri"/>
-                      </a:endParaRPr>
-                    </a:p>
-                  </a:txBody>
-                  <a:tcPr marL="7697" marR="7697" marT="7697" marB="0" anchor="b"/>
-                </a:tc>
-              </a:tr>
-              <a:tr h="161642">
-                <a:tc>
-                  <a:txBody>
-                    <a:bodyPr/>
-                    <a:lstStyle/>
-                    <a:p>
-                      <a:pPr algn="l" fontAlgn="b"/>
-                      <a:r>
-                        <a:rPr lang="en-US" sz="1000" u="none" strike="noStrike">
-                          <a:effectLst/>
-                        </a:rPr>
-                        <a:t>  Erlernbarkeit</a:t>
-                      </a:r>
-                      <a:endParaRPr lang="en-US" sz="1000" b="0" i="0" u="none" strike="noStrike">
-                        <a:solidFill>
-                          <a:srgbClr val="000000"/>
-                        </a:solidFill>
-                        <a:effectLst/>
-                        <a:latin typeface="Calibri"/>
-                      </a:endParaRPr>
-                    </a:p>
-                  </a:txBody>
-                  <a:tcPr marL="7697" marR="7697" marT="7697" marB="0" anchor="b"/>
-                </a:tc>
-                <a:tc>
-                  <a:txBody>
-                    <a:bodyPr/>
-                    <a:lstStyle/>
-                    <a:p>
-                      <a:pPr algn="ctr" fontAlgn="b"/>
-                      <a:r>
-                        <a:rPr lang="en-US" sz="1000" u="none" strike="noStrike">
-                          <a:effectLst/>
-                        </a:rPr>
-                        <a:t>X</a:t>
-                      </a:r>
-                      <a:endParaRPr lang="en-US" sz="1000" b="0" i="0" u="none" strike="noStrike">
-                        <a:solidFill>
-                          <a:srgbClr val="000000"/>
-                        </a:solidFill>
-                        <a:effectLst/>
-                        <a:latin typeface="Calibri"/>
-                      </a:endParaRPr>
-                    </a:p>
-                  </a:txBody>
-                  <a:tcPr marL="7697" marR="7697" marT="7697" marB="0" anchor="b"/>
-                </a:tc>
-                <a:tc>
-                  <a:txBody>
-                    <a:bodyPr/>
-                    <a:lstStyle/>
-                    <a:p>
-                      <a:pPr algn="ctr" fontAlgn="b"/>
-                      <a:r>
-                        <a:rPr lang="en-US" sz="1000" u="none" strike="noStrike">
-                          <a:effectLst/>
-                        </a:rPr>
-                        <a:t> </a:t>
-                      </a:r>
-                      <a:endParaRPr lang="en-US" sz="1000" b="0" i="0" u="none" strike="noStrike">
-                        <a:solidFill>
-                          <a:srgbClr val="000000"/>
-                        </a:solidFill>
-                        <a:effectLst/>
-                        <a:latin typeface="Calibri"/>
-                      </a:endParaRPr>
-                    </a:p>
-                  </a:txBody>
-                  <a:tcPr marL="7697" marR="7697" marT="7697" marB="0" anchor="b"/>
-                </a:tc>
-                <a:tc>
-                  <a:txBody>
-                    <a:bodyPr/>
-                    <a:lstStyle/>
-                    <a:p>
-                      <a:pPr algn="ctr" fontAlgn="b"/>
-                      <a:r>
-                        <a:rPr lang="en-US" sz="1000" u="none" strike="noStrike">
-                          <a:effectLst/>
-                        </a:rPr>
-                        <a:t> </a:t>
-                      </a:r>
-                      <a:endParaRPr lang="en-US" sz="1000" b="0" i="0" u="none" strike="noStrike">
-                        <a:solidFill>
-                          <a:srgbClr val="000000"/>
-                        </a:solidFill>
-                        <a:effectLst/>
-                        <a:latin typeface="Calibri"/>
-                      </a:endParaRPr>
-                    </a:p>
-                  </a:txBody>
-                  <a:tcPr marL="7697" marR="7697" marT="7697" marB="0" anchor="b"/>
-                </a:tc>
-                <a:tc>
-                  <a:txBody>
-                    <a:bodyPr/>
-                    <a:lstStyle/>
-                    <a:p>
-                      <a:pPr algn="ctr" fontAlgn="b"/>
-                      <a:r>
-                        <a:rPr lang="en-US" sz="1000" u="none" strike="noStrike">
-                          <a:effectLst/>
-                        </a:rPr>
-                        <a:t> </a:t>
-                      </a:r>
-                      <a:endParaRPr lang="en-US" sz="1000" b="0" i="0" u="none" strike="noStrike">
-                        <a:solidFill>
-                          <a:srgbClr val="000000"/>
-                        </a:solidFill>
-                        <a:effectLst/>
-                        <a:latin typeface="Calibri"/>
-                      </a:endParaRPr>
-                    </a:p>
-                  </a:txBody>
-                  <a:tcPr marL="7697" marR="7697" marT="7697" marB="0" anchor="b"/>
-                </a:tc>
-              </a:tr>
-              <a:tr h="161642">
-                <a:tc>
-                  <a:txBody>
-                    <a:bodyPr/>
-                    <a:lstStyle/>
-                    <a:p>
-                      <a:pPr algn="l" fontAlgn="b"/>
-                      <a:r>
-                        <a:rPr lang="en-US" sz="1000" u="none" strike="noStrike">
-                          <a:effectLst/>
-                        </a:rPr>
-                        <a:t>  Bedienbarkeit</a:t>
-                      </a:r>
-                      <a:endParaRPr lang="en-US" sz="1000" b="0" i="0" u="none" strike="noStrike">
-                        <a:solidFill>
-                          <a:srgbClr val="000000"/>
-                        </a:solidFill>
-                        <a:effectLst/>
-                        <a:latin typeface="Calibri"/>
-                      </a:endParaRPr>
-                    </a:p>
-                  </a:txBody>
-                  <a:tcPr marL="7697" marR="7697" marT="7697" marB="0" anchor="b"/>
-                </a:tc>
-                <a:tc>
-                  <a:txBody>
-                    <a:bodyPr/>
-                    <a:lstStyle/>
-                    <a:p>
-                      <a:pPr algn="ctr" fontAlgn="b"/>
-                      <a:r>
-                        <a:rPr lang="en-US" sz="1000" u="none" strike="noStrike">
-                          <a:effectLst/>
-                        </a:rPr>
-                        <a:t>X</a:t>
-                      </a:r>
-                      <a:endParaRPr lang="en-US" sz="1000" b="0" i="0" u="none" strike="noStrike">
-                        <a:solidFill>
-                          <a:srgbClr val="000000"/>
-                        </a:solidFill>
-                        <a:effectLst/>
-                        <a:latin typeface="Calibri"/>
-                      </a:endParaRPr>
-                    </a:p>
-                  </a:txBody>
-                  <a:tcPr marL="7697" marR="7697" marT="7697" marB="0" anchor="b"/>
-                </a:tc>
-                <a:tc>
-                  <a:txBody>
-                    <a:bodyPr/>
-                    <a:lstStyle/>
-                    <a:p>
-                      <a:pPr algn="ctr" fontAlgn="b"/>
-                      <a:r>
-                        <a:rPr lang="en-US" sz="1000" u="none" strike="noStrike">
-                          <a:effectLst/>
-                        </a:rPr>
-                        <a:t> </a:t>
-                      </a:r>
-                      <a:endParaRPr lang="en-US" sz="1000" b="0" i="0" u="none" strike="noStrike">
-                        <a:solidFill>
-                          <a:srgbClr val="000000"/>
-                        </a:solidFill>
-                        <a:effectLst/>
-                        <a:latin typeface="Calibri"/>
-                      </a:endParaRPr>
-                    </a:p>
-                  </a:txBody>
-                  <a:tcPr marL="7697" marR="7697" marT="7697" marB="0" anchor="b"/>
-                </a:tc>
-                <a:tc>
-                  <a:txBody>
-                    <a:bodyPr/>
-                    <a:lstStyle/>
-                    <a:p>
-                      <a:pPr algn="ctr" fontAlgn="b"/>
-                      <a:r>
-                        <a:rPr lang="en-US" sz="1000" u="none" strike="noStrike">
-                          <a:effectLst/>
-                        </a:rPr>
-                        <a:t> </a:t>
-                      </a:r>
-                      <a:endParaRPr lang="en-US" sz="1000" b="0" i="0" u="none" strike="noStrike">
-                        <a:solidFill>
-                          <a:srgbClr val="000000"/>
-                        </a:solidFill>
-                        <a:effectLst/>
-                        <a:latin typeface="Calibri"/>
-                      </a:endParaRPr>
-                    </a:p>
-                  </a:txBody>
-                  <a:tcPr marL="7697" marR="7697" marT="7697" marB="0" anchor="b"/>
-                </a:tc>
-                <a:tc>
-                  <a:txBody>
-                    <a:bodyPr/>
-                    <a:lstStyle/>
-                    <a:p>
-                      <a:pPr algn="ctr" fontAlgn="b"/>
-                      <a:r>
-                        <a:rPr lang="en-US" sz="1000" u="none" strike="noStrike">
-                          <a:effectLst/>
-                        </a:rPr>
-                        <a:t> </a:t>
-                      </a:r>
-                      <a:endParaRPr lang="en-US" sz="1000" b="0" i="0" u="none" strike="noStrike">
-                        <a:solidFill>
-                          <a:srgbClr val="000000"/>
-                        </a:solidFill>
-                        <a:effectLst/>
-                        <a:latin typeface="Calibri"/>
-                      </a:endParaRPr>
-                    </a:p>
-                  </a:txBody>
-                  <a:tcPr marL="7697" marR="7697" marT="7697" marB="0" anchor="b"/>
-                </a:tc>
-              </a:tr>
-              <a:tr h="161642">
-                <a:tc gridSpan="5">
-                  <a:txBody>
-                    <a:bodyPr/>
-                    <a:lstStyle/>
-                    <a:p>
-                      <a:pPr algn="l" fontAlgn="b"/>
-                      <a:r>
-                        <a:rPr lang="en-US" sz="1000" b="1" u="none" strike="noStrike" dirty="0" err="1">
-                          <a:effectLst/>
-                        </a:rPr>
-                        <a:t>Effizienz</a:t>
-                      </a:r>
-                      <a:endParaRPr lang="en-US" sz="1000" b="1" i="0" u="none" strike="noStrike" dirty="0">
-                        <a:solidFill>
-                          <a:srgbClr val="000000"/>
-                        </a:solidFill>
-                        <a:effectLst/>
-                        <a:latin typeface="Calibri"/>
-                      </a:endParaRPr>
-                    </a:p>
-                  </a:txBody>
-                  <a:tcPr marL="7697" marR="7697" marT="7697" marB="0" anchor="b"/>
-                </a:tc>
-                <a:tc hMerge="1">
-                  <a:txBody>
-                    <a:bodyPr/>
-                    <a:lstStyle/>
-                    <a:p>
-                      <a:endParaRPr lang="en-US"/>
-                    </a:p>
-                  </a:txBody>
-                  <a:tcPr/>
-                </a:tc>
-                <a:tc hMerge="1">
-                  <a:txBody>
-                    <a:bodyPr/>
-                    <a:lstStyle/>
-                    <a:p>
-                      <a:endParaRPr lang="en-US"/>
-                    </a:p>
-                  </a:txBody>
-                  <a:tcPr/>
-                </a:tc>
-                <a:tc hMerge="1">
-                  <a:txBody>
-                    <a:bodyPr/>
-                    <a:lstStyle/>
-                    <a:p>
-                      <a:endParaRPr lang="en-US"/>
-                    </a:p>
-                  </a:txBody>
-                  <a:tcPr/>
-                </a:tc>
-                <a:tc hMerge="1">
-                  <a:txBody>
-                    <a:bodyPr/>
-                    <a:lstStyle/>
-                    <a:p>
-                      <a:endParaRPr lang="en-US"/>
-                    </a:p>
-                  </a:txBody>
-                  <a:tcPr/>
-                </a:tc>
-              </a:tr>
-              <a:tr h="161642">
-                <a:tc>
-                  <a:txBody>
-                    <a:bodyPr/>
-                    <a:lstStyle/>
-                    <a:p>
-                      <a:pPr algn="l" fontAlgn="b"/>
-                      <a:r>
-                        <a:rPr lang="en-US" sz="1000" u="none" strike="noStrike" dirty="0" smtClean="0">
-                          <a:effectLst/>
-                        </a:rPr>
-                        <a:t>  </a:t>
-                      </a:r>
-                      <a:r>
-                        <a:rPr lang="en-US" sz="1000" u="none" strike="noStrike" dirty="0" err="1" smtClean="0">
-                          <a:effectLst/>
-                        </a:rPr>
-                        <a:t>Zeitverhalten</a:t>
-                      </a:r>
-                      <a:endParaRPr lang="en-US" sz="1000" b="0" i="0" u="none" strike="noStrike" dirty="0">
-                        <a:solidFill>
-                          <a:srgbClr val="000000"/>
-                        </a:solidFill>
-                        <a:effectLst/>
-                        <a:latin typeface="Calibri"/>
-                      </a:endParaRPr>
-                    </a:p>
-                  </a:txBody>
-                  <a:tcPr marL="7697" marR="7697" marT="7697" marB="0" anchor="b"/>
-                </a:tc>
-                <a:tc>
-                  <a:txBody>
-                    <a:bodyPr/>
-                    <a:lstStyle/>
-                    <a:p>
-                      <a:pPr algn="ctr" fontAlgn="b"/>
-                      <a:r>
-                        <a:rPr lang="en-US" sz="1000" u="none" strike="noStrike">
-                          <a:effectLst/>
-                        </a:rPr>
-                        <a:t> </a:t>
-                      </a:r>
-                      <a:endParaRPr lang="en-US" sz="1000" b="0" i="0" u="none" strike="noStrike">
-                        <a:solidFill>
-                          <a:srgbClr val="000000"/>
-                        </a:solidFill>
-                        <a:effectLst/>
-                        <a:latin typeface="Calibri"/>
-                      </a:endParaRPr>
-                    </a:p>
-                  </a:txBody>
-                  <a:tcPr marL="7697" marR="7697" marT="7697" marB="0" anchor="b"/>
-                </a:tc>
-                <a:tc>
-                  <a:txBody>
-                    <a:bodyPr/>
-                    <a:lstStyle/>
-                    <a:p>
-                      <a:pPr algn="ctr" fontAlgn="b"/>
-                      <a:r>
-                        <a:rPr lang="en-US" sz="1000" u="none" strike="noStrike">
-                          <a:effectLst/>
-                        </a:rPr>
-                        <a:t> </a:t>
-                      </a:r>
-                      <a:endParaRPr lang="en-US" sz="1000" b="0" i="0" u="none" strike="noStrike">
-                        <a:solidFill>
-                          <a:srgbClr val="000000"/>
-                        </a:solidFill>
-                        <a:effectLst/>
-                        <a:latin typeface="Calibri"/>
-                      </a:endParaRPr>
-                    </a:p>
-                  </a:txBody>
-                  <a:tcPr marL="7697" marR="7697" marT="7697" marB="0" anchor="b"/>
-                </a:tc>
-                <a:tc>
-                  <a:txBody>
-                    <a:bodyPr/>
-                    <a:lstStyle/>
-                    <a:p>
-                      <a:pPr algn="ctr" fontAlgn="b"/>
-                      <a:r>
-                        <a:rPr lang="en-US" sz="1000" u="none" strike="noStrike">
-                          <a:effectLst/>
-                        </a:rPr>
-                        <a:t> </a:t>
-                      </a:r>
-                      <a:endParaRPr lang="en-US" sz="1000" b="0" i="0" u="none" strike="noStrike">
-                        <a:solidFill>
-                          <a:srgbClr val="000000"/>
-                        </a:solidFill>
-                        <a:effectLst/>
-                        <a:latin typeface="Calibri"/>
-                      </a:endParaRPr>
-                    </a:p>
-                  </a:txBody>
-                  <a:tcPr marL="7697" marR="7697" marT="7697" marB="0" anchor="b"/>
-                </a:tc>
-                <a:tc>
-                  <a:txBody>
-                    <a:bodyPr/>
-                    <a:lstStyle/>
-                    <a:p>
-                      <a:pPr algn="ctr" fontAlgn="b"/>
-                      <a:r>
-                        <a:rPr lang="en-US" sz="1000" u="none" strike="noStrike">
-                          <a:effectLst/>
-                        </a:rPr>
-                        <a:t>X</a:t>
-                      </a:r>
-                      <a:endParaRPr lang="en-US" sz="1000" b="0" i="0" u="none" strike="noStrike">
-                        <a:solidFill>
-                          <a:srgbClr val="000000"/>
-                        </a:solidFill>
-                        <a:effectLst/>
-                        <a:latin typeface="Calibri"/>
-                      </a:endParaRPr>
-                    </a:p>
-                  </a:txBody>
-                  <a:tcPr marL="7697" marR="7697" marT="7697" marB="0" anchor="b"/>
-                </a:tc>
-              </a:tr>
-              <a:tr h="161642">
-                <a:tc>
-                  <a:txBody>
-                    <a:bodyPr/>
-                    <a:lstStyle/>
-                    <a:p>
-                      <a:pPr algn="l" fontAlgn="b"/>
-                      <a:r>
-                        <a:rPr lang="en-US" sz="1000" u="none" strike="noStrike">
-                          <a:effectLst/>
-                        </a:rPr>
-                        <a:t>  Verbrauchsverhalten</a:t>
-                      </a:r>
-                      <a:endParaRPr lang="en-US" sz="1000" b="0" i="0" u="none" strike="noStrike">
-                        <a:solidFill>
-                          <a:srgbClr val="000000"/>
-                        </a:solidFill>
-                        <a:effectLst/>
-                        <a:latin typeface="Calibri"/>
-                      </a:endParaRPr>
-                    </a:p>
-                  </a:txBody>
-                  <a:tcPr marL="7697" marR="7697" marT="7697" marB="0" anchor="b"/>
-                </a:tc>
-                <a:tc>
-                  <a:txBody>
-                    <a:bodyPr/>
-                    <a:lstStyle/>
-                    <a:p>
-                      <a:pPr algn="ctr" fontAlgn="b"/>
-                      <a:r>
-                        <a:rPr lang="en-US" sz="1000" u="none" strike="noStrike">
-                          <a:effectLst/>
-                        </a:rPr>
-                        <a:t> </a:t>
-                      </a:r>
-                      <a:endParaRPr lang="en-US" sz="1000" b="0" i="0" u="none" strike="noStrike">
-                        <a:solidFill>
-                          <a:srgbClr val="000000"/>
-                        </a:solidFill>
-                        <a:effectLst/>
-                        <a:latin typeface="Calibri"/>
-                      </a:endParaRPr>
-                    </a:p>
-                  </a:txBody>
-                  <a:tcPr marL="7697" marR="7697" marT="7697" marB="0" anchor="b"/>
-                </a:tc>
-                <a:tc>
-                  <a:txBody>
-                    <a:bodyPr/>
-                    <a:lstStyle/>
-                    <a:p>
-                      <a:pPr algn="ctr" fontAlgn="b"/>
-                      <a:r>
-                        <a:rPr lang="en-US" sz="1000" u="none" strike="noStrike">
-                          <a:effectLst/>
-                        </a:rPr>
-                        <a:t> </a:t>
-                      </a:r>
-                      <a:endParaRPr lang="en-US" sz="1000" b="0" i="0" u="none" strike="noStrike">
-                        <a:solidFill>
-                          <a:srgbClr val="000000"/>
-                        </a:solidFill>
-                        <a:effectLst/>
-                        <a:latin typeface="Calibri"/>
-                      </a:endParaRPr>
-                    </a:p>
-                  </a:txBody>
-                  <a:tcPr marL="7697" marR="7697" marT="7697" marB="0" anchor="b"/>
-                </a:tc>
-                <a:tc>
-                  <a:txBody>
-                    <a:bodyPr/>
-                    <a:lstStyle/>
-                    <a:p>
-                      <a:pPr algn="ctr" fontAlgn="b"/>
-                      <a:r>
-                        <a:rPr lang="en-US" sz="1000" u="none" strike="noStrike">
-                          <a:effectLst/>
-                        </a:rPr>
-                        <a:t>X</a:t>
-                      </a:r>
-                      <a:endParaRPr lang="en-US" sz="1000" b="0" i="0" u="none" strike="noStrike">
-                        <a:solidFill>
-                          <a:srgbClr val="000000"/>
-                        </a:solidFill>
-                        <a:effectLst/>
-                        <a:latin typeface="Calibri"/>
-                      </a:endParaRPr>
-                    </a:p>
-                  </a:txBody>
-                  <a:tcPr marL="7697" marR="7697" marT="7697" marB="0" anchor="b"/>
-                </a:tc>
-                <a:tc>
-                  <a:txBody>
-                    <a:bodyPr/>
-                    <a:lstStyle/>
-                    <a:p>
-                      <a:pPr algn="ctr" fontAlgn="b"/>
-                      <a:r>
-                        <a:rPr lang="en-US" sz="1000" u="none" strike="noStrike">
-                          <a:effectLst/>
-                        </a:rPr>
-                        <a:t> </a:t>
-                      </a:r>
-                      <a:endParaRPr lang="en-US" sz="1000" b="0" i="0" u="none" strike="noStrike">
-                        <a:solidFill>
-                          <a:srgbClr val="000000"/>
-                        </a:solidFill>
-                        <a:effectLst/>
-                        <a:latin typeface="Calibri"/>
-                      </a:endParaRPr>
-                    </a:p>
-                  </a:txBody>
-                  <a:tcPr marL="7697" marR="7697" marT="7697" marB="0" anchor="b"/>
-                </a:tc>
-              </a:tr>
-              <a:tr h="161642">
-                <a:tc gridSpan="5">
-                  <a:txBody>
-                    <a:bodyPr/>
-                    <a:lstStyle/>
-                    <a:p>
-                      <a:pPr algn="l" fontAlgn="b"/>
-                      <a:r>
-                        <a:rPr lang="en-US" sz="1000" u="none" strike="noStrike">
-                          <a:effectLst/>
-                        </a:rPr>
-                        <a:t>Änderbarkeit</a:t>
-                      </a:r>
-                      <a:endParaRPr lang="en-US" sz="1000" b="1" i="0" u="none" strike="noStrike">
-                        <a:solidFill>
-                          <a:srgbClr val="000000"/>
-                        </a:solidFill>
-                        <a:effectLst/>
-                        <a:latin typeface="Calibri"/>
-                      </a:endParaRPr>
-                    </a:p>
-                  </a:txBody>
-                  <a:tcPr marL="7697" marR="7697" marT="7697" marB="0" anchor="b"/>
-                </a:tc>
-                <a:tc hMerge="1">
-                  <a:txBody>
-                    <a:bodyPr/>
-                    <a:lstStyle/>
-                    <a:p>
-                      <a:endParaRPr lang="en-US"/>
-                    </a:p>
-                  </a:txBody>
-                  <a:tcPr/>
-                </a:tc>
-                <a:tc hMerge="1">
-                  <a:txBody>
-                    <a:bodyPr/>
-                    <a:lstStyle/>
-                    <a:p>
-                      <a:endParaRPr lang="en-US"/>
-                    </a:p>
-                  </a:txBody>
-                  <a:tcPr/>
-                </a:tc>
-                <a:tc hMerge="1">
-                  <a:txBody>
-                    <a:bodyPr/>
-                    <a:lstStyle/>
-                    <a:p>
-                      <a:endParaRPr lang="en-US"/>
-                    </a:p>
-                  </a:txBody>
-                  <a:tcPr/>
-                </a:tc>
-                <a:tc hMerge="1">
-                  <a:txBody>
-                    <a:bodyPr/>
-                    <a:lstStyle/>
-                    <a:p>
-                      <a:endParaRPr lang="en-US"/>
-                    </a:p>
-                  </a:txBody>
-                  <a:tcPr/>
-                </a:tc>
-              </a:tr>
-              <a:tr h="161642">
-                <a:tc>
-                  <a:txBody>
-                    <a:bodyPr/>
-                    <a:lstStyle/>
-                    <a:p>
-                      <a:pPr algn="l" fontAlgn="b"/>
-                      <a:r>
-                        <a:rPr lang="en-US" sz="1000" u="none" strike="noStrike">
-                          <a:effectLst/>
-                        </a:rPr>
-                        <a:t>  Analysierbarkeit</a:t>
-                      </a:r>
-                      <a:endParaRPr lang="en-US" sz="1000" b="0" i="0" u="none" strike="noStrike">
-                        <a:solidFill>
-                          <a:srgbClr val="000000"/>
-                        </a:solidFill>
-                        <a:effectLst/>
-                        <a:latin typeface="Calibri"/>
-                      </a:endParaRPr>
-                    </a:p>
-                  </a:txBody>
-                  <a:tcPr marL="7697" marR="7697" marT="7697" marB="0" anchor="b"/>
-                </a:tc>
-                <a:tc>
-                  <a:txBody>
-                    <a:bodyPr/>
-                    <a:lstStyle/>
-                    <a:p>
-                      <a:pPr algn="ctr" fontAlgn="b"/>
-                      <a:r>
-                        <a:rPr lang="en-US" sz="1000" u="none" strike="noStrike">
-                          <a:effectLst/>
-                        </a:rPr>
-                        <a:t> </a:t>
-                      </a:r>
-                      <a:endParaRPr lang="en-US" sz="1000" b="0" i="0" u="none" strike="noStrike">
-                        <a:solidFill>
-                          <a:srgbClr val="000000"/>
-                        </a:solidFill>
-                        <a:effectLst/>
-                        <a:latin typeface="Calibri"/>
-                      </a:endParaRPr>
-                    </a:p>
-                  </a:txBody>
-                  <a:tcPr marL="7697" marR="7697" marT="7697" marB="0" anchor="b"/>
-                </a:tc>
-                <a:tc>
-                  <a:txBody>
-                    <a:bodyPr/>
-                    <a:lstStyle/>
-                    <a:p>
-                      <a:pPr algn="ctr" fontAlgn="b"/>
-                      <a:r>
-                        <a:rPr lang="en-US" sz="1000" u="none" strike="noStrike">
-                          <a:effectLst/>
-                        </a:rPr>
-                        <a:t> </a:t>
-                      </a:r>
-                      <a:endParaRPr lang="en-US" sz="1000" b="0" i="0" u="none" strike="noStrike">
-                        <a:solidFill>
-                          <a:srgbClr val="000000"/>
-                        </a:solidFill>
-                        <a:effectLst/>
-                        <a:latin typeface="Calibri"/>
-                      </a:endParaRPr>
-                    </a:p>
-                  </a:txBody>
-                  <a:tcPr marL="7697" marR="7697" marT="7697" marB="0" anchor="b"/>
-                </a:tc>
-                <a:tc>
-                  <a:txBody>
-                    <a:bodyPr/>
-                    <a:lstStyle/>
-                    <a:p>
-                      <a:pPr algn="ctr" fontAlgn="b"/>
-                      <a:r>
-                        <a:rPr lang="en-US" sz="1000" u="none" strike="noStrike">
-                          <a:effectLst/>
-                        </a:rPr>
-                        <a:t>X</a:t>
-                      </a:r>
-                      <a:endParaRPr lang="en-US" sz="1000" b="0" i="0" u="none" strike="noStrike">
-                        <a:solidFill>
-                          <a:srgbClr val="000000"/>
-                        </a:solidFill>
-                        <a:effectLst/>
-                        <a:latin typeface="Calibri"/>
-                      </a:endParaRPr>
-                    </a:p>
-                  </a:txBody>
-                  <a:tcPr marL="7697" marR="7697" marT="7697" marB="0" anchor="b"/>
-                </a:tc>
-                <a:tc>
-                  <a:txBody>
-                    <a:bodyPr/>
-                    <a:lstStyle/>
-                    <a:p>
-                      <a:pPr algn="ctr" fontAlgn="b"/>
-                      <a:r>
-                        <a:rPr lang="en-US" sz="1000" u="none" strike="noStrike">
-                          <a:effectLst/>
-                        </a:rPr>
-                        <a:t> </a:t>
-                      </a:r>
-                      <a:endParaRPr lang="en-US" sz="1000" b="0" i="0" u="none" strike="noStrike">
-                        <a:solidFill>
-                          <a:srgbClr val="000000"/>
-                        </a:solidFill>
-                        <a:effectLst/>
-                        <a:latin typeface="Calibri"/>
-                      </a:endParaRPr>
-                    </a:p>
-                  </a:txBody>
-                  <a:tcPr marL="7697" marR="7697" marT="7697" marB="0" anchor="b"/>
-                </a:tc>
-              </a:tr>
-              <a:tr h="161642">
-                <a:tc>
-                  <a:txBody>
-                    <a:bodyPr/>
-                    <a:lstStyle/>
-                    <a:p>
-                      <a:pPr algn="l" fontAlgn="b"/>
-                      <a:r>
-                        <a:rPr lang="en-US" sz="1000" u="none" strike="noStrike">
-                          <a:effectLst/>
-                        </a:rPr>
-                        <a:t>  Modifizierbarkeit</a:t>
-                      </a:r>
-                      <a:endParaRPr lang="en-US" sz="1000" b="0" i="0" u="none" strike="noStrike">
-                        <a:solidFill>
-                          <a:srgbClr val="000000"/>
-                        </a:solidFill>
-                        <a:effectLst/>
-                        <a:latin typeface="Calibri"/>
-                      </a:endParaRPr>
-                    </a:p>
-                  </a:txBody>
-                  <a:tcPr marL="7697" marR="7697" marT="7697" marB="0" anchor="b"/>
-                </a:tc>
-                <a:tc>
-                  <a:txBody>
-                    <a:bodyPr/>
-                    <a:lstStyle/>
-                    <a:p>
-                      <a:pPr algn="ctr" fontAlgn="b"/>
-                      <a:r>
-                        <a:rPr lang="en-US" sz="1000" u="none" strike="noStrike">
-                          <a:effectLst/>
-                        </a:rPr>
-                        <a:t> </a:t>
-                      </a:r>
-                      <a:endParaRPr lang="en-US" sz="1000" b="0" i="0" u="none" strike="noStrike">
-                        <a:solidFill>
-                          <a:srgbClr val="000000"/>
-                        </a:solidFill>
-                        <a:effectLst/>
-                        <a:latin typeface="Calibri"/>
-                      </a:endParaRPr>
-                    </a:p>
-                  </a:txBody>
-                  <a:tcPr marL="7697" marR="7697" marT="7697" marB="0" anchor="b"/>
-                </a:tc>
-                <a:tc>
-                  <a:txBody>
-                    <a:bodyPr/>
-                    <a:lstStyle/>
-                    <a:p>
-                      <a:pPr algn="ctr" fontAlgn="b"/>
-                      <a:r>
-                        <a:rPr lang="en-US" sz="1000" u="none" strike="noStrike">
-                          <a:effectLst/>
-                        </a:rPr>
-                        <a:t> </a:t>
-                      </a:r>
-                      <a:endParaRPr lang="en-US" sz="1000" b="0" i="0" u="none" strike="noStrike">
-                        <a:solidFill>
-                          <a:srgbClr val="000000"/>
-                        </a:solidFill>
-                        <a:effectLst/>
-                        <a:latin typeface="Calibri"/>
-                      </a:endParaRPr>
-                    </a:p>
-                  </a:txBody>
-                  <a:tcPr marL="7697" marR="7697" marT="7697" marB="0" anchor="b"/>
-                </a:tc>
-                <a:tc>
-                  <a:txBody>
-                    <a:bodyPr/>
-                    <a:lstStyle/>
-                    <a:p>
-                      <a:pPr algn="ctr" fontAlgn="b"/>
-                      <a:r>
-                        <a:rPr lang="en-US" sz="1000" u="none" strike="noStrike">
-                          <a:effectLst/>
-                        </a:rPr>
-                        <a:t> </a:t>
-                      </a:r>
-                      <a:endParaRPr lang="en-US" sz="1000" b="0" i="0" u="none" strike="noStrike">
-                        <a:solidFill>
-                          <a:srgbClr val="000000"/>
-                        </a:solidFill>
-                        <a:effectLst/>
-                        <a:latin typeface="Calibri"/>
-                      </a:endParaRPr>
-                    </a:p>
-                  </a:txBody>
-                  <a:tcPr marL="7697" marR="7697" marT="7697" marB="0" anchor="b"/>
-                </a:tc>
-                <a:tc>
-                  <a:txBody>
-                    <a:bodyPr/>
-                    <a:lstStyle/>
-                    <a:p>
-                      <a:pPr algn="ctr" fontAlgn="b"/>
-                      <a:r>
-                        <a:rPr lang="en-US" sz="1000" u="none" strike="noStrike">
-                          <a:effectLst/>
-                        </a:rPr>
-                        <a:t>X</a:t>
-                      </a:r>
-                      <a:endParaRPr lang="en-US" sz="1000" b="0" i="0" u="none" strike="noStrike">
-                        <a:solidFill>
-                          <a:srgbClr val="000000"/>
-                        </a:solidFill>
-                        <a:effectLst/>
-                        <a:latin typeface="Calibri"/>
-                      </a:endParaRPr>
-                    </a:p>
-                  </a:txBody>
-                  <a:tcPr marL="7697" marR="7697" marT="7697" marB="0" anchor="b"/>
-                </a:tc>
-              </a:tr>
-              <a:tr h="161642">
-                <a:tc>
-                  <a:txBody>
-                    <a:bodyPr/>
-                    <a:lstStyle/>
-                    <a:p>
-                      <a:pPr algn="l" fontAlgn="b"/>
-                      <a:r>
-                        <a:rPr lang="en-US" sz="1000" u="none" strike="noStrike">
-                          <a:effectLst/>
-                        </a:rPr>
-                        <a:t>  Stabilität</a:t>
-                      </a:r>
-                      <a:endParaRPr lang="en-US" sz="1000" b="0" i="0" u="none" strike="noStrike">
-                        <a:solidFill>
-                          <a:srgbClr val="000000"/>
-                        </a:solidFill>
-                        <a:effectLst/>
-                        <a:latin typeface="Calibri"/>
-                      </a:endParaRPr>
-                    </a:p>
-                  </a:txBody>
-                  <a:tcPr marL="7697" marR="7697" marT="7697" marB="0" anchor="b"/>
-                </a:tc>
-                <a:tc>
-                  <a:txBody>
-                    <a:bodyPr/>
-                    <a:lstStyle/>
-                    <a:p>
-                      <a:pPr algn="ctr" fontAlgn="b"/>
-                      <a:r>
-                        <a:rPr lang="en-US" sz="1000" u="none" strike="noStrike">
-                          <a:effectLst/>
-                        </a:rPr>
-                        <a:t> </a:t>
-                      </a:r>
-                      <a:endParaRPr lang="en-US" sz="1000" b="0" i="0" u="none" strike="noStrike">
-                        <a:solidFill>
-                          <a:srgbClr val="000000"/>
-                        </a:solidFill>
-                        <a:effectLst/>
-                        <a:latin typeface="Calibri"/>
-                      </a:endParaRPr>
-                    </a:p>
-                  </a:txBody>
-                  <a:tcPr marL="7697" marR="7697" marT="7697" marB="0" anchor="b"/>
-                </a:tc>
-                <a:tc>
-                  <a:txBody>
-                    <a:bodyPr/>
-                    <a:lstStyle/>
-                    <a:p>
-                      <a:pPr algn="ctr" fontAlgn="b"/>
-                      <a:r>
-                        <a:rPr lang="en-US" sz="1000" u="none" strike="noStrike">
-                          <a:effectLst/>
-                        </a:rPr>
-                        <a:t> </a:t>
-                      </a:r>
-                      <a:endParaRPr lang="en-US" sz="1000" b="0" i="0" u="none" strike="noStrike">
-                        <a:solidFill>
-                          <a:srgbClr val="000000"/>
-                        </a:solidFill>
-                        <a:effectLst/>
-                        <a:latin typeface="Calibri"/>
-                      </a:endParaRPr>
-                    </a:p>
-                  </a:txBody>
-                  <a:tcPr marL="7697" marR="7697" marT="7697" marB="0" anchor="b"/>
-                </a:tc>
-                <a:tc>
-                  <a:txBody>
-                    <a:bodyPr/>
-                    <a:lstStyle/>
-                    <a:p>
-                      <a:pPr algn="ctr" fontAlgn="b"/>
-                      <a:r>
-                        <a:rPr lang="en-US" sz="1000" u="none" strike="noStrike">
-                          <a:effectLst/>
-                        </a:rPr>
-                        <a:t>X</a:t>
-                      </a:r>
-                      <a:endParaRPr lang="en-US" sz="1000" b="0" i="0" u="none" strike="noStrike">
-                        <a:solidFill>
-                          <a:srgbClr val="000000"/>
-                        </a:solidFill>
-                        <a:effectLst/>
-                        <a:latin typeface="Calibri"/>
-                      </a:endParaRPr>
-                    </a:p>
-                  </a:txBody>
-                  <a:tcPr marL="7697" marR="7697" marT="7697" marB="0" anchor="b"/>
-                </a:tc>
-                <a:tc>
-                  <a:txBody>
-                    <a:bodyPr/>
-                    <a:lstStyle/>
-                    <a:p>
-                      <a:pPr algn="ctr" fontAlgn="b"/>
-                      <a:r>
-                        <a:rPr lang="en-US" sz="1000" u="none" strike="noStrike">
-                          <a:effectLst/>
-                        </a:rPr>
-                        <a:t> </a:t>
-                      </a:r>
-                      <a:endParaRPr lang="en-US" sz="1000" b="0" i="0" u="none" strike="noStrike">
-                        <a:solidFill>
-                          <a:srgbClr val="000000"/>
-                        </a:solidFill>
-                        <a:effectLst/>
-                        <a:latin typeface="Calibri"/>
-                      </a:endParaRPr>
-                    </a:p>
-                  </a:txBody>
-                  <a:tcPr marL="7697" marR="7697" marT="7697" marB="0" anchor="b"/>
-                </a:tc>
-              </a:tr>
-              <a:tr h="161642">
-                <a:tc>
-                  <a:txBody>
-                    <a:bodyPr/>
-                    <a:lstStyle/>
-                    <a:p>
-                      <a:pPr algn="l" fontAlgn="b"/>
-                      <a:r>
-                        <a:rPr lang="en-US" sz="1000" u="none" strike="noStrike">
-                          <a:effectLst/>
-                        </a:rPr>
-                        <a:t>  Prüfbarkeit</a:t>
-                      </a:r>
-                      <a:endParaRPr lang="en-US" sz="1000" b="0" i="0" u="none" strike="noStrike">
-                        <a:solidFill>
-                          <a:srgbClr val="000000"/>
-                        </a:solidFill>
-                        <a:effectLst/>
-                        <a:latin typeface="Calibri"/>
-                      </a:endParaRPr>
-                    </a:p>
-                  </a:txBody>
-                  <a:tcPr marL="7697" marR="7697" marT="7697" marB="0" anchor="b"/>
-                </a:tc>
-                <a:tc>
-                  <a:txBody>
-                    <a:bodyPr/>
-                    <a:lstStyle/>
-                    <a:p>
-                      <a:pPr algn="ctr" fontAlgn="b"/>
-                      <a:r>
-                        <a:rPr lang="en-US" sz="1000" u="none" strike="noStrike">
-                          <a:effectLst/>
-                        </a:rPr>
-                        <a:t> </a:t>
-                      </a:r>
-                      <a:endParaRPr lang="en-US" sz="1000" b="0" i="0" u="none" strike="noStrike">
-                        <a:solidFill>
-                          <a:srgbClr val="000000"/>
-                        </a:solidFill>
-                        <a:effectLst/>
-                        <a:latin typeface="Calibri"/>
-                      </a:endParaRPr>
-                    </a:p>
-                  </a:txBody>
-                  <a:tcPr marL="7697" marR="7697" marT="7697" marB="0" anchor="b"/>
-                </a:tc>
-                <a:tc>
-                  <a:txBody>
-                    <a:bodyPr/>
-                    <a:lstStyle/>
-                    <a:p>
-                      <a:pPr algn="ctr" fontAlgn="b"/>
-                      <a:r>
-                        <a:rPr lang="en-US" sz="1000" u="none" strike="noStrike">
-                          <a:effectLst/>
-                        </a:rPr>
-                        <a:t> </a:t>
-                      </a:r>
-                      <a:endParaRPr lang="en-US" sz="1000" b="0" i="0" u="none" strike="noStrike">
-                        <a:solidFill>
-                          <a:srgbClr val="000000"/>
-                        </a:solidFill>
-                        <a:effectLst/>
-                        <a:latin typeface="Calibri"/>
-                      </a:endParaRPr>
-                    </a:p>
-                  </a:txBody>
-                  <a:tcPr marL="7697" marR="7697" marT="7697" marB="0" anchor="b"/>
-                </a:tc>
-                <a:tc>
-                  <a:txBody>
-                    <a:bodyPr/>
-                    <a:lstStyle/>
-                    <a:p>
-                      <a:pPr algn="ctr" fontAlgn="b"/>
-                      <a:r>
-                        <a:rPr lang="en-US" sz="1000" u="none" strike="noStrike">
-                          <a:effectLst/>
-                        </a:rPr>
-                        <a:t>X</a:t>
-                      </a:r>
-                      <a:endParaRPr lang="en-US" sz="1000" b="0" i="0" u="none" strike="noStrike">
-                        <a:solidFill>
-                          <a:srgbClr val="000000"/>
-                        </a:solidFill>
-                        <a:effectLst/>
-                        <a:latin typeface="Calibri"/>
-                      </a:endParaRPr>
-                    </a:p>
-                  </a:txBody>
-                  <a:tcPr marL="7697" marR="7697" marT="7697" marB="0" anchor="b"/>
-                </a:tc>
-                <a:tc>
-                  <a:txBody>
-                    <a:bodyPr/>
-                    <a:lstStyle/>
-                    <a:p>
-                      <a:pPr algn="ctr" fontAlgn="b"/>
-                      <a:r>
-                        <a:rPr lang="en-US" sz="1000" u="none" strike="noStrike">
-                          <a:effectLst/>
-                        </a:rPr>
-                        <a:t> </a:t>
-                      </a:r>
-                      <a:endParaRPr lang="en-US" sz="1000" b="0" i="0" u="none" strike="noStrike">
-                        <a:solidFill>
-                          <a:srgbClr val="000000"/>
-                        </a:solidFill>
-                        <a:effectLst/>
-                        <a:latin typeface="Calibri"/>
-                      </a:endParaRPr>
-                    </a:p>
-                  </a:txBody>
-                  <a:tcPr marL="7697" marR="7697" marT="7697" marB="0" anchor="b"/>
-                </a:tc>
-              </a:tr>
-              <a:tr h="161642">
-                <a:tc gridSpan="5">
-                  <a:txBody>
-                    <a:bodyPr/>
-                    <a:lstStyle/>
-                    <a:p>
-                      <a:pPr algn="l" fontAlgn="b"/>
-                      <a:r>
-                        <a:rPr lang="en-US" sz="1000" b="1" u="none" strike="noStrike" dirty="0" err="1">
-                          <a:effectLst/>
-                        </a:rPr>
-                        <a:t>Übertragbarkeit</a:t>
-                      </a:r>
-                      <a:endParaRPr lang="en-US" sz="1000" b="1" i="0" u="none" strike="noStrike" dirty="0">
-                        <a:solidFill>
-                          <a:srgbClr val="000000"/>
-                        </a:solidFill>
-                        <a:effectLst/>
-                        <a:latin typeface="Calibri"/>
-                      </a:endParaRPr>
-                    </a:p>
-                  </a:txBody>
-                  <a:tcPr marL="7697" marR="7697" marT="7697" marB="0" anchor="b"/>
-                </a:tc>
-                <a:tc hMerge="1">
-                  <a:txBody>
-                    <a:bodyPr/>
-                    <a:lstStyle/>
-                    <a:p>
-                      <a:endParaRPr lang="en-US"/>
-                    </a:p>
-                  </a:txBody>
-                  <a:tcPr/>
-                </a:tc>
-                <a:tc hMerge="1">
-                  <a:txBody>
-                    <a:bodyPr/>
-                    <a:lstStyle/>
-                    <a:p>
-                      <a:endParaRPr lang="en-US"/>
-                    </a:p>
-                  </a:txBody>
-                  <a:tcPr/>
-                </a:tc>
-                <a:tc hMerge="1">
-                  <a:txBody>
-                    <a:bodyPr/>
-                    <a:lstStyle/>
-                    <a:p>
-                      <a:endParaRPr lang="en-US"/>
-                    </a:p>
-                  </a:txBody>
-                  <a:tcPr/>
-                </a:tc>
-                <a:tc hMerge="1">
-                  <a:txBody>
-                    <a:bodyPr/>
-                    <a:lstStyle/>
-                    <a:p>
-                      <a:endParaRPr lang="en-US"/>
-                    </a:p>
-                  </a:txBody>
-                  <a:tcPr/>
-                </a:tc>
-              </a:tr>
-              <a:tr h="161642">
-                <a:tc>
-                  <a:txBody>
-                    <a:bodyPr/>
-                    <a:lstStyle/>
-                    <a:p>
-                      <a:pPr algn="l" fontAlgn="b"/>
-                      <a:r>
-                        <a:rPr lang="en-US" sz="1000" u="none" strike="noStrike">
-                          <a:effectLst/>
-                        </a:rPr>
-                        <a:t>  Anpassbarkeit</a:t>
-                      </a:r>
-                      <a:endParaRPr lang="en-US" sz="1000" b="0" i="0" u="none" strike="noStrike">
-                        <a:solidFill>
-                          <a:srgbClr val="000000"/>
-                        </a:solidFill>
-                        <a:effectLst/>
-                        <a:latin typeface="Calibri"/>
-                      </a:endParaRPr>
-                    </a:p>
-                  </a:txBody>
-                  <a:tcPr marL="7697" marR="7697" marT="7697" marB="0" anchor="b"/>
-                </a:tc>
-                <a:tc>
-                  <a:txBody>
-                    <a:bodyPr/>
-                    <a:lstStyle/>
-                    <a:p>
-                      <a:pPr algn="ctr" fontAlgn="b"/>
-                      <a:r>
-                        <a:rPr lang="en-US" sz="1000" u="none" strike="noStrike">
-                          <a:effectLst/>
-                        </a:rPr>
-                        <a:t> </a:t>
-                      </a:r>
-                      <a:endParaRPr lang="en-US" sz="1000" b="0" i="0" u="none" strike="noStrike">
-                        <a:solidFill>
-                          <a:srgbClr val="000000"/>
-                        </a:solidFill>
-                        <a:effectLst/>
-                        <a:latin typeface="Calibri"/>
-                      </a:endParaRPr>
-                    </a:p>
-                  </a:txBody>
-                  <a:tcPr marL="7697" marR="7697" marT="7697" marB="0" anchor="b"/>
-                </a:tc>
-                <a:tc>
-                  <a:txBody>
-                    <a:bodyPr/>
-                    <a:lstStyle/>
-                    <a:p>
-                      <a:pPr algn="ctr" fontAlgn="b"/>
-                      <a:r>
-                        <a:rPr lang="en-US" sz="1000" u="none" strike="noStrike">
-                          <a:effectLst/>
-                        </a:rPr>
-                        <a:t> </a:t>
-                      </a:r>
-                      <a:endParaRPr lang="en-US" sz="1000" b="0" i="0" u="none" strike="noStrike">
-                        <a:solidFill>
-                          <a:srgbClr val="000000"/>
-                        </a:solidFill>
-                        <a:effectLst/>
-                        <a:latin typeface="Calibri"/>
-                      </a:endParaRPr>
-                    </a:p>
-                  </a:txBody>
-                  <a:tcPr marL="7697" marR="7697" marT="7697" marB="0" anchor="b"/>
-                </a:tc>
-                <a:tc>
-                  <a:txBody>
-                    <a:bodyPr/>
-                    <a:lstStyle/>
-                    <a:p>
-                      <a:pPr algn="ctr" fontAlgn="b"/>
-                      <a:r>
-                        <a:rPr lang="en-US" sz="1000" u="none" strike="noStrike">
-                          <a:effectLst/>
-                        </a:rPr>
-                        <a:t> </a:t>
-                      </a:r>
-                      <a:endParaRPr lang="en-US" sz="1000" b="0" i="0" u="none" strike="noStrike">
-                        <a:solidFill>
-                          <a:srgbClr val="000000"/>
-                        </a:solidFill>
-                        <a:effectLst/>
-                        <a:latin typeface="Calibri"/>
-                      </a:endParaRPr>
-                    </a:p>
-                  </a:txBody>
-                  <a:tcPr marL="7697" marR="7697" marT="7697" marB="0" anchor="b"/>
-                </a:tc>
-                <a:tc>
-                  <a:txBody>
-                    <a:bodyPr/>
-                    <a:lstStyle/>
-                    <a:p>
-                      <a:pPr algn="ctr" fontAlgn="b"/>
-                      <a:r>
-                        <a:rPr lang="en-US" sz="1000" u="none" strike="noStrike">
-                          <a:effectLst/>
-                        </a:rPr>
-                        <a:t>X</a:t>
-                      </a:r>
-                      <a:endParaRPr lang="en-US" sz="1000" b="0" i="0" u="none" strike="noStrike">
-                        <a:solidFill>
-                          <a:srgbClr val="000000"/>
-                        </a:solidFill>
-                        <a:effectLst/>
-                        <a:latin typeface="Calibri"/>
-                      </a:endParaRPr>
-                    </a:p>
-                  </a:txBody>
-                  <a:tcPr marL="7697" marR="7697" marT="7697" marB="0" anchor="b"/>
-                </a:tc>
-              </a:tr>
-              <a:tr h="161642">
-                <a:tc>
-                  <a:txBody>
-                    <a:bodyPr/>
-                    <a:lstStyle/>
-                    <a:p>
-                      <a:pPr algn="l" fontAlgn="b"/>
-                      <a:r>
-                        <a:rPr lang="en-US" sz="1000" u="none" strike="noStrike">
-                          <a:effectLst/>
-                        </a:rPr>
-                        <a:t>  Installierbarkeit</a:t>
-                      </a:r>
-                      <a:endParaRPr lang="en-US" sz="1000" b="0" i="0" u="none" strike="noStrike">
-                        <a:solidFill>
-                          <a:srgbClr val="000000"/>
-                        </a:solidFill>
-                        <a:effectLst/>
-                        <a:latin typeface="Calibri"/>
-                      </a:endParaRPr>
-                    </a:p>
-                  </a:txBody>
-                  <a:tcPr marL="7697" marR="7697" marT="7697" marB="0" anchor="b"/>
-                </a:tc>
-                <a:tc>
-                  <a:txBody>
-                    <a:bodyPr/>
-                    <a:lstStyle/>
-                    <a:p>
-                      <a:pPr algn="ctr" fontAlgn="b"/>
-                      <a:r>
-                        <a:rPr lang="en-US" sz="1000" u="none" strike="noStrike">
-                          <a:effectLst/>
-                        </a:rPr>
-                        <a:t> </a:t>
-                      </a:r>
-                      <a:endParaRPr lang="en-US" sz="1000" b="0" i="0" u="none" strike="noStrike">
-                        <a:solidFill>
-                          <a:srgbClr val="000000"/>
-                        </a:solidFill>
-                        <a:effectLst/>
-                        <a:latin typeface="Calibri"/>
-                      </a:endParaRPr>
-                    </a:p>
-                  </a:txBody>
-                  <a:tcPr marL="7697" marR="7697" marT="7697" marB="0" anchor="b"/>
-                </a:tc>
-                <a:tc>
-                  <a:txBody>
-                    <a:bodyPr/>
-                    <a:lstStyle/>
-                    <a:p>
-                      <a:pPr algn="ctr" fontAlgn="b"/>
-                      <a:r>
-                        <a:rPr lang="en-US" sz="1000" u="none" strike="noStrike">
-                          <a:effectLst/>
-                        </a:rPr>
-                        <a:t> </a:t>
-                      </a:r>
-                      <a:endParaRPr lang="en-US" sz="1000" b="0" i="0" u="none" strike="noStrike">
-                        <a:solidFill>
-                          <a:srgbClr val="000000"/>
-                        </a:solidFill>
-                        <a:effectLst/>
-                        <a:latin typeface="Calibri"/>
-                      </a:endParaRPr>
-                    </a:p>
-                  </a:txBody>
-                  <a:tcPr marL="7697" marR="7697" marT="7697" marB="0" anchor="b"/>
-                </a:tc>
-                <a:tc>
-                  <a:txBody>
-                    <a:bodyPr/>
-                    <a:lstStyle/>
-                    <a:p>
-                      <a:pPr algn="ctr" fontAlgn="b"/>
-                      <a:r>
-                        <a:rPr lang="en-US" sz="1000" u="none" strike="noStrike">
-                          <a:effectLst/>
-                        </a:rPr>
-                        <a:t> </a:t>
-                      </a:r>
-                      <a:endParaRPr lang="en-US" sz="1000" b="0" i="0" u="none" strike="noStrike">
-                        <a:solidFill>
-                          <a:srgbClr val="000000"/>
-                        </a:solidFill>
-                        <a:effectLst/>
-                        <a:latin typeface="Calibri"/>
-                      </a:endParaRPr>
-                    </a:p>
-                  </a:txBody>
-                  <a:tcPr marL="7697" marR="7697" marT="7697" marB="0" anchor="b"/>
-                </a:tc>
-                <a:tc>
-                  <a:txBody>
-                    <a:bodyPr/>
-                    <a:lstStyle/>
-                    <a:p>
-                      <a:pPr algn="ctr" fontAlgn="b"/>
-                      <a:r>
-                        <a:rPr lang="en-US" sz="1000" u="none" strike="noStrike">
-                          <a:effectLst/>
-                        </a:rPr>
-                        <a:t>X</a:t>
-                      </a:r>
-                      <a:endParaRPr lang="en-US" sz="1000" b="0" i="0" u="none" strike="noStrike">
-                        <a:solidFill>
-                          <a:srgbClr val="000000"/>
-                        </a:solidFill>
-                        <a:effectLst/>
-                        <a:latin typeface="Calibri"/>
-                      </a:endParaRPr>
-                    </a:p>
-                  </a:txBody>
-                  <a:tcPr marL="7697" marR="7697" marT="7697" marB="0" anchor="b"/>
-                </a:tc>
-              </a:tr>
-              <a:tr h="161642">
-                <a:tc>
-                  <a:txBody>
-                    <a:bodyPr/>
-                    <a:lstStyle/>
-                    <a:p>
-                      <a:pPr algn="l" fontAlgn="b"/>
-                      <a:r>
-                        <a:rPr lang="en-US" sz="1000" u="none" strike="noStrike">
-                          <a:effectLst/>
-                        </a:rPr>
-                        <a:t>  Konformität</a:t>
-                      </a:r>
-                      <a:endParaRPr lang="en-US" sz="1000" b="0" i="0" u="none" strike="noStrike">
-                        <a:solidFill>
-                          <a:srgbClr val="000000"/>
-                        </a:solidFill>
-                        <a:effectLst/>
-                        <a:latin typeface="Calibri"/>
-                      </a:endParaRPr>
-                    </a:p>
-                  </a:txBody>
-                  <a:tcPr marL="7697" marR="7697" marT="7697" marB="0" anchor="b"/>
-                </a:tc>
-                <a:tc>
-                  <a:txBody>
-                    <a:bodyPr/>
-                    <a:lstStyle/>
-                    <a:p>
-                      <a:pPr algn="ctr" fontAlgn="b"/>
-                      <a:r>
-                        <a:rPr lang="en-US" sz="1000" u="none" strike="noStrike">
-                          <a:effectLst/>
-                        </a:rPr>
-                        <a:t> </a:t>
-                      </a:r>
-                      <a:endParaRPr lang="en-US" sz="1000" b="0" i="0" u="none" strike="noStrike">
-                        <a:solidFill>
-                          <a:srgbClr val="000000"/>
-                        </a:solidFill>
-                        <a:effectLst/>
-                        <a:latin typeface="Calibri"/>
-                      </a:endParaRPr>
-                    </a:p>
-                  </a:txBody>
-                  <a:tcPr marL="7697" marR="7697" marT="7697" marB="0" anchor="b"/>
-                </a:tc>
-                <a:tc>
-                  <a:txBody>
-                    <a:bodyPr/>
-                    <a:lstStyle/>
-                    <a:p>
-                      <a:pPr algn="ctr" fontAlgn="b"/>
-                      <a:r>
-                        <a:rPr lang="en-US" sz="1000" u="none" strike="noStrike">
-                          <a:effectLst/>
-                        </a:rPr>
-                        <a:t> </a:t>
-                      </a:r>
-                      <a:endParaRPr lang="en-US" sz="1000" b="0" i="0" u="none" strike="noStrike">
-                        <a:solidFill>
-                          <a:srgbClr val="000000"/>
-                        </a:solidFill>
-                        <a:effectLst/>
-                        <a:latin typeface="Calibri"/>
-                      </a:endParaRPr>
-                    </a:p>
-                  </a:txBody>
-                  <a:tcPr marL="7697" marR="7697" marT="7697" marB="0" anchor="b"/>
-                </a:tc>
-                <a:tc>
-                  <a:txBody>
-                    <a:bodyPr/>
-                    <a:lstStyle/>
-                    <a:p>
-                      <a:pPr algn="ctr" fontAlgn="b"/>
-                      <a:r>
-                        <a:rPr lang="en-US" sz="1000" u="none" strike="noStrike">
-                          <a:effectLst/>
-                        </a:rPr>
-                        <a:t>X</a:t>
-                      </a:r>
-                      <a:endParaRPr lang="en-US" sz="1000" b="0" i="0" u="none" strike="noStrike">
-                        <a:solidFill>
-                          <a:srgbClr val="000000"/>
-                        </a:solidFill>
-                        <a:effectLst/>
-                        <a:latin typeface="Calibri"/>
-                      </a:endParaRPr>
-                    </a:p>
-                  </a:txBody>
-                  <a:tcPr marL="7697" marR="7697" marT="7697" marB="0" anchor="b"/>
-                </a:tc>
-                <a:tc>
-                  <a:txBody>
-                    <a:bodyPr/>
-                    <a:lstStyle/>
-                    <a:p>
-                      <a:pPr algn="ctr" fontAlgn="b"/>
-                      <a:r>
-                        <a:rPr lang="en-US" sz="1000" u="none" strike="noStrike">
-                          <a:effectLst/>
-                        </a:rPr>
-                        <a:t> </a:t>
-                      </a:r>
-                      <a:endParaRPr lang="en-US" sz="1000" b="0" i="0" u="none" strike="noStrike">
-                        <a:solidFill>
-                          <a:srgbClr val="000000"/>
-                        </a:solidFill>
-                        <a:effectLst/>
-                        <a:latin typeface="Calibri"/>
-                      </a:endParaRPr>
-                    </a:p>
-                  </a:txBody>
-                  <a:tcPr marL="7697" marR="7697" marT="7697" marB="0" anchor="b"/>
-                </a:tc>
-              </a:tr>
-              <a:tr h="161642">
-                <a:tc>
-                  <a:txBody>
-                    <a:bodyPr/>
-                    <a:lstStyle/>
-                    <a:p>
-                      <a:pPr algn="l" fontAlgn="b"/>
-                      <a:r>
-                        <a:rPr lang="en-US" sz="1000" u="none" strike="noStrike">
-                          <a:effectLst/>
-                        </a:rPr>
-                        <a:t>  Austauschbarkeit</a:t>
-                      </a:r>
-                      <a:endParaRPr lang="en-US" sz="1000" b="0" i="0" u="none" strike="noStrike">
-                        <a:solidFill>
-                          <a:srgbClr val="000000"/>
-                        </a:solidFill>
-                        <a:effectLst/>
-                        <a:latin typeface="Calibri"/>
-                      </a:endParaRPr>
-                    </a:p>
-                  </a:txBody>
-                  <a:tcPr marL="7697" marR="7697" marT="7697" marB="0" anchor="b"/>
-                </a:tc>
-                <a:tc>
-                  <a:txBody>
-                    <a:bodyPr/>
-                    <a:lstStyle/>
-                    <a:p>
-                      <a:pPr algn="ctr" fontAlgn="b"/>
-                      <a:r>
-                        <a:rPr lang="en-US" sz="1000" u="none" strike="noStrike">
-                          <a:effectLst/>
-                        </a:rPr>
-                        <a:t> </a:t>
-                      </a:r>
-                      <a:endParaRPr lang="en-US" sz="1000" b="0" i="0" u="none" strike="noStrike">
-                        <a:solidFill>
-                          <a:srgbClr val="000000"/>
-                        </a:solidFill>
-                        <a:effectLst/>
-                        <a:latin typeface="Calibri"/>
-                      </a:endParaRPr>
-                    </a:p>
-                  </a:txBody>
-                  <a:tcPr marL="7697" marR="7697" marT="7697" marB="0" anchor="b"/>
-                </a:tc>
-                <a:tc>
-                  <a:txBody>
-                    <a:bodyPr/>
-                    <a:lstStyle/>
-                    <a:p>
-                      <a:pPr algn="ctr" fontAlgn="b"/>
-                      <a:r>
-                        <a:rPr lang="en-US" sz="1000" u="none" strike="noStrike">
-                          <a:effectLst/>
-                        </a:rPr>
-                        <a:t> </a:t>
-                      </a:r>
-                      <a:endParaRPr lang="en-US" sz="1000" b="0" i="0" u="none" strike="noStrike">
-                        <a:solidFill>
-                          <a:srgbClr val="000000"/>
-                        </a:solidFill>
-                        <a:effectLst/>
-                        <a:latin typeface="Calibri"/>
-                      </a:endParaRPr>
-                    </a:p>
-                  </a:txBody>
-                  <a:tcPr marL="7697" marR="7697" marT="7697" marB="0" anchor="b"/>
-                </a:tc>
-                <a:tc>
-                  <a:txBody>
-                    <a:bodyPr/>
-                    <a:lstStyle/>
-                    <a:p>
-                      <a:pPr algn="ctr" fontAlgn="b"/>
-                      <a:r>
-                        <a:rPr lang="en-US" sz="1000" u="none" strike="noStrike">
-                          <a:effectLst/>
-                        </a:rPr>
-                        <a:t> </a:t>
-                      </a:r>
-                      <a:endParaRPr lang="en-US" sz="1000" b="0" i="0" u="none" strike="noStrike">
-                        <a:solidFill>
-                          <a:srgbClr val="000000"/>
-                        </a:solidFill>
-                        <a:effectLst/>
-                        <a:latin typeface="Calibri"/>
-                      </a:endParaRPr>
-                    </a:p>
-                  </a:txBody>
-                  <a:tcPr marL="7697" marR="7697" marT="7697" marB="0" anchor="b"/>
-                </a:tc>
-                <a:tc>
-                  <a:txBody>
-                    <a:bodyPr/>
-                    <a:lstStyle/>
-                    <a:p>
-                      <a:pPr algn="ctr" fontAlgn="b"/>
-                      <a:r>
-                        <a:rPr lang="en-US" sz="1000" u="none" strike="noStrike" dirty="0">
-                          <a:effectLst/>
-                        </a:rPr>
-                        <a:t>X</a:t>
-                      </a:r>
-                      <a:endParaRPr lang="en-US" sz="1000" b="0" i="0" u="none" strike="noStrike" dirty="0">
-                        <a:solidFill>
-                          <a:srgbClr val="000000"/>
-                        </a:solidFill>
-                        <a:effectLst/>
-                        <a:latin typeface="Calibri"/>
-                      </a:endParaRPr>
-                    </a:p>
-                  </a:txBody>
-                  <a:tcPr marL="7697" marR="7697" marT="7697" marB="0" anchor="b"/>
-                </a:tc>
-              </a:tr>
-            </a:tbl>
-          </a:graphicData>
-        </a:graphic>
-      </p:graphicFrame>
+      <p:pic>
+        <p:nvPicPr>
+          <p:cNvPr id="6" name="Picture 5"/>
+          <p:cNvPicPr>
+            <a:picLocks noChangeAspect="1"/>
+          </p:cNvPicPr>
+          <p:nvPr/>
+        </p:nvPicPr>
+        <p:blipFill>
+          <a:blip r:embed="rId2">
+            <a:extLst>
+              <a:ext uri="{28A0092B-C50C-407E-A947-70E740481C1C}">
+                <a14:useLocalDpi xmlns:a14="http://schemas.microsoft.com/office/drawing/2010/main" val="0"/>
+              </a:ext>
+            </a:extLst>
+          </a:blip>
+          <a:stretch>
+            <a:fillRect/>
+          </a:stretch>
+        </p:blipFill>
+        <p:spPr>
+          <a:xfrm>
+            <a:off x="539552" y="1195747"/>
+            <a:ext cx="8388424" cy="5584905"/>
+          </a:xfrm>
+          <a:prstGeom prst="rect">
+            <a:avLst/>
+          </a:prstGeom>
+        </p:spPr>
+      </p:pic>
     </p:spTree>
     <p:extLst>
       <p:ext uri="{BB962C8B-B14F-4D97-AF65-F5344CB8AC3E}">
-        <p14:creationId xmlns:p14="http://schemas.microsoft.com/office/powerpoint/2010/main" val="4257276316"/>
+        <p14:creationId xmlns:p14="http://schemas.microsoft.com/office/powerpoint/2010/main" val="805082132"/>
       </p:ext>
     </p:extLst>
   </p:cSld>
@@ -6736,6 +3750,3083 @@
           <a:p>
             <a:r>
               <a:rPr lang="de-DE" dirty="0" smtClean="0"/>
+              <a:t>Qualitätsanforderung</a:t>
+            </a:r>
+            <a:endParaRPr lang="en-US" dirty="0"/>
+          </a:p>
+        </p:txBody>
+      </p:sp>
+      <p:graphicFrame>
+        <p:nvGraphicFramePr>
+          <p:cNvPr id="6" name="Table 5"/>
+          <p:cNvGraphicFramePr>
+            <a:graphicFrameLocks noGrp="1"/>
+          </p:cNvGraphicFramePr>
+          <p:nvPr>
+            <p:extLst>
+              <p:ext uri="{D42A27DB-BD31-4B8C-83A1-F6EECF244321}">
+                <p14:modId xmlns:p14="http://schemas.microsoft.com/office/powerpoint/2010/main" val="3504304885"/>
+              </p:ext>
+            </p:extLst>
+          </p:nvPr>
+        </p:nvGraphicFramePr>
+        <p:xfrm>
+          <a:off x="2580986" y="1524766"/>
+          <a:ext cx="3982027" cy="4676831"/>
+        </p:xfrm>
+        <a:graphic>
+          <a:graphicData uri="http://schemas.openxmlformats.org/drawingml/2006/table">
+            <a:tbl>
+              <a:tblPr>
+                <a:tableStyleId>{5C22544A-7EE6-4342-B048-85BDC9FD1C3A}</a:tableStyleId>
+              </a:tblPr>
+              <a:tblGrid>
+                <a:gridCol w="1180240"/>
+                <a:gridCol w="677355"/>
+                <a:gridCol w="677355"/>
+                <a:gridCol w="677355"/>
+                <a:gridCol w="769722"/>
+              </a:tblGrid>
+              <a:tr h="161642">
+                <a:tc>
+                  <a:txBody>
+                    <a:bodyPr/>
+                    <a:lstStyle/>
+                    <a:p>
+                      <a:pPr algn="l" fontAlgn="b"/>
+                      <a:r>
+                        <a:rPr lang="en-US" sz="1000" b="1" u="none" strike="noStrike" dirty="0" err="1">
+                          <a:effectLst/>
+                        </a:rPr>
+                        <a:t>Produktqualität</a:t>
+                      </a:r>
+                      <a:endParaRPr lang="en-US" sz="1000" b="1" i="0" u="none" strike="noStrike" dirty="0">
+                        <a:solidFill>
+                          <a:srgbClr val="FFFFFF"/>
+                        </a:solidFill>
+                        <a:effectLst/>
+                        <a:latin typeface="Calibri"/>
+                      </a:endParaRPr>
+                    </a:p>
+                  </a:txBody>
+                  <a:tcPr marL="7697" marR="7697" marT="7697" marB="0" anchor="b"/>
+                </a:tc>
+                <a:tc>
+                  <a:txBody>
+                    <a:bodyPr/>
+                    <a:lstStyle/>
+                    <a:p>
+                      <a:pPr algn="ctr" fontAlgn="b"/>
+                      <a:r>
+                        <a:rPr lang="en-US" sz="1000" b="1" u="none" strike="noStrike" dirty="0" err="1">
+                          <a:effectLst/>
+                        </a:rPr>
+                        <a:t>sehr</a:t>
+                      </a:r>
+                      <a:r>
+                        <a:rPr lang="en-US" sz="1000" b="1" u="none" strike="noStrike" dirty="0">
+                          <a:effectLst/>
+                        </a:rPr>
+                        <a:t> gut</a:t>
+                      </a:r>
+                      <a:endParaRPr lang="en-US" sz="1000" b="1" i="0" u="none" strike="noStrike" dirty="0">
+                        <a:solidFill>
+                          <a:srgbClr val="FFFFFF"/>
+                        </a:solidFill>
+                        <a:effectLst/>
+                        <a:latin typeface="Calibri"/>
+                      </a:endParaRPr>
+                    </a:p>
+                  </a:txBody>
+                  <a:tcPr marL="7697" marR="7697" marT="7697" marB="0" anchor="b"/>
+                </a:tc>
+                <a:tc>
+                  <a:txBody>
+                    <a:bodyPr/>
+                    <a:lstStyle/>
+                    <a:p>
+                      <a:pPr algn="ctr" fontAlgn="b"/>
+                      <a:r>
+                        <a:rPr lang="en-US" sz="1000" b="1" u="none" strike="noStrike" dirty="0">
+                          <a:effectLst/>
+                        </a:rPr>
+                        <a:t>gut</a:t>
+                      </a:r>
+                      <a:endParaRPr lang="en-US" sz="1000" b="1" i="0" u="none" strike="noStrike" dirty="0">
+                        <a:solidFill>
+                          <a:srgbClr val="FFFFFF"/>
+                        </a:solidFill>
+                        <a:effectLst/>
+                        <a:latin typeface="Calibri"/>
+                      </a:endParaRPr>
+                    </a:p>
+                  </a:txBody>
+                  <a:tcPr marL="7697" marR="7697" marT="7697" marB="0" anchor="b"/>
+                </a:tc>
+                <a:tc>
+                  <a:txBody>
+                    <a:bodyPr/>
+                    <a:lstStyle/>
+                    <a:p>
+                      <a:pPr algn="ctr" fontAlgn="b"/>
+                      <a:r>
+                        <a:rPr lang="en-US" sz="1000" b="1" u="none" strike="noStrike" dirty="0">
+                          <a:effectLst/>
+                        </a:rPr>
+                        <a:t>normal</a:t>
+                      </a:r>
+                      <a:endParaRPr lang="en-US" sz="1000" b="1" i="0" u="none" strike="noStrike" dirty="0">
+                        <a:solidFill>
+                          <a:srgbClr val="FFFFFF"/>
+                        </a:solidFill>
+                        <a:effectLst/>
+                        <a:latin typeface="Calibri"/>
+                      </a:endParaRPr>
+                    </a:p>
+                  </a:txBody>
+                  <a:tcPr marL="7697" marR="7697" marT="7697" marB="0" anchor="b"/>
+                </a:tc>
+                <a:tc>
+                  <a:txBody>
+                    <a:bodyPr/>
+                    <a:lstStyle/>
+                    <a:p>
+                      <a:pPr algn="ctr" fontAlgn="b"/>
+                      <a:r>
+                        <a:rPr lang="en-US" sz="1000" b="1" u="none" strike="noStrike" dirty="0" err="1">
+                          <a:effectLst/>
+                        </a:rPr>
+                        <a:t>nicht</a:t>
+                      </a:r>
+                      <a:r>
+                        <a:rPr lang="en-US" sz="1000" b="1" u="none" strike="noStrike" dirty="0">
+                          <a:effectLst/>
+                        </a:rPr>
+                        <a:t> relevant</a:t>
+                      </a:r>
+                      <a:endParaRPr lang="en-US" sz="1000" b="1" i="0" u="none" strike="noStrike" dirty="0">
+                        <a:solidFill>
+                          <a:srgbClr val="FFFFFF"/>
+                        </a:solidFill>
+                        <a:effectLst/>
+                        <a:latin typeface="Calibri"/>
+                      </a:endParaRPr>
+                    </a:p>
+                  </a:txBody>
+                  <a:tcPr marL="7697" marR="7697" marT="7697" marB="0" anchor="b"/>
+                </a:tc>
+              </a:tr>
+              <a:tr h="161642">
+                <a:tc gridSpan="5">
+                  <a:txBody>
+                    <a:bodyPr/>
+                    <a:lstStyle/>
+                    <a:p>
+                      <a:pPr algn="l" fontAlgn="b"/>
+                      <a:r>
+                        <a:rPr lang="en-US" sz="1000" b="1" u="none" strike="noStrike" dirty="0" err="1" smtClean="0">
+                          <a:effectLst/>
+                        </a:rPr>
+                        <a:t>Funktionalität</a:t>
+                      </a:r>
+                      <a:endParaRPr lang="en-US" sz="1000" b="1" i="0" u="none" strike="noStrike" dirty="0">
+                        <a:solidFill>
+                          <a:srgbClr val="000000"/>
+                        </a:solidFill>
+                        <a:effectLst/>
+                        <a:latin typeface="Calibri"/>
+                      </a:endParaRPr>
+                    </a:p>
+                  </a:txBody>
+                  <a:tcPr marL="7697" marR="7697" marT="7697" marB="0" anchor="b"/>
+                </a:tc>
+                <a:tc hMerge="1">
+                  <a:txBody>
+                    <a:bodyPr/>
+                    <a:lstStyle/>
+                    <a:p>
+                      <a:endParaRPr lang="en-US"/>
+                    </a:p>
+                  </a:txBody>
+                  <a:tcPr/>
+                </a:tc>
+                <a:tc hMerge="1">
+                  <a:txBody>
+                    <a:bodyPr/>
+                    <a:lstStyle/>
+                    <a:p>
+                      <a:endParaRPr lang="en-US"/>
+                    </a:p>
+                  </a:txBody>
+                  <a:tcPr/>
+                </a:tc>
+                <a:tc hMerge="1">
+                  <a:txBody>
+                    <a:bodyPr/>
+                    <a:lstStyle/>
+                    <a:p>
+                      <a:endParaRPr lang="en-US"/>
+                    </a:p>
+                  </a:txBody>
+                  <a:tcPr/>
+                </a:tc>
+                <a:tc hMerge="1">
+                  <a:txBody>
+                    <a:bodyPr/>
+                    <a:lstStyle/>
+                    <a:p>
+                      <a:endParaRPr lang="en-US"/>
+                    </a:p>
+                  </a:txBody>
+                  <a:tcPr/>
+                </a:tc>
+              </a:tr>
+              <a:tr h="161642">
+                <a:tc>
+                  <a:txBody>
+                    <a:bodyPr/>
+                    <a:lstStyle/>
+                    <a:p>
+                      <a:pPr algn="l" fontAlgn="b"/>
+                      <a:r>
+                        <a:rPr lang="en-US" sz="1000" u="none" strike="noStrike">
+                          <a:effectLst/>
+                        </a:rPr>
+                        <a:t>  Angemessenheit</a:t>
+                      </a:r>
+                      <a:endParaRPr lang="en-US" sz="1000" b="0" i="0" u="none" strike="noStrike">
+                        <a:solidFill>
+                          <a:srgbClr val="000000"/>
+                        </a:solidFill>
+                        <a:effectLst/>
+                        <a:latin typeface="Calibri"/>
+                      </a:endParaRPr>
+                    </a:p>
+                  </a:txBody>
+                  <a:tcPr marL="7697" marR="7697" marT="7697" marB="0" anchor="b"/>
+                </a:tc>
+                <a:tc>
+                  <a:txBody>
+                    <a:bodyPr/>
+                    <a:lstStyle/>
+                    <a:p>
+                      <a:pPr algn="ctr" fontAlgn="b"/>
+                      <a:r>
+                        <a:rPr lang="en-US" sz="1000" u="none" strike="noStrike">
+                          <a:effectLst/>
+                        </a:rPr>
+                        <a:t> </a:t>
+                      </a:r>
+                      <a:endParaRPr lang="en-US" sz="1000" b="0" i="0" u="none" strike="noStrike">
+                        <a:solidFill>
+                          <a:srgbClr val="000000"/>
+                        </a:solidFill>
+                        <a:effectLst/>
+                        <a:latin typeface="Calibri"/>
+                      </a:endParaRPr>
+                    </a:p>
+                  </a:txBody>
+                  <a:tcPr marL="7697" marR="7697" marT="7697" marB="0" anchor="b"/>
+                </a:tc>
+                <a:tc>
+                  <a:txBody>
+                    <a:bodyPr/>
+                    <a:lstStyle/>
+                    <a:p>
+                      <a:pPr algn="ctr" fontAlgn="b"/>
+                      <a:r>
+                        <a:rPr lang="en-US" sz="1000" u="none" strike="noStrike">
+                          <a:effectLst/>
+                        </a:rPr>
+                        <a:t> </a:t>
+                      </a:r>
+                      <a:endParaRPr lang="en-US" sz="1000" b="0" i="0" u="none" strike="noStrike">
+                        <a:solidFill>
+                          <a:srgbClr val="000000"/>
+                        </a:solidFill>
+                        <a:effectLst/>
+                        <a:latin typeface="Calibri"/>
+                      </a:endParaRPr>
+                    </a:p>
+                  </a:txBody>
+                  <a:tcPr marL="7697" marR="7697" marT="7697" marB="0" anchor="b"/>
+                </a:tc>
+                <a:tc>
+                  <a:txBody>
+                    <a:bodyPr/>
+                    <a:lstStyle/>
+                    <a:p>
+                      <a:pPr algn="ctr" fontAlgn="b"/>
+                      <a:r>
+                        <a:rPr lang="en-US" sz="1000" u="none" strike="noStrike">
+                          <a:effectLst/>
+                        </a:rPr>
+                        <a:t>X</a:t>
+                      </a:r>
+                      <a:endParaRPr lang="en-US" sz="1000" b="0" i="0" u="none" strike="noStrike">
+                        <a:solidFill>
+                          <a:srgbClr val="000000"/>
+                        </a:solidFill>
+                        <a:effectLst/>
+                        <a:latin typeface="Calibri"/>
+                      </a:endParaRPr>
+                    </a:p>
+                  </a:txBody>
+                  <a:tcPr marL="7697" marR="7697" marT="7697" marB="0" anchor="b"/>
+                </a:tc>
+                <a:tc>
+                  <a:txBody>
+                    <a:bodyPr/>
+                    <a:lstStyle/>
+                    <a:p>
+                      <a:pPr algn="ctr" fontAlgn="b"/>
+                      <a:r>
+                        <a:rPr lang="en-US" sz="1000" u="none" strike="noStrike">
+                          <a:effectLst/>
+                        </a:rPr>
+                        <a:t> </a:t>
+                      </a:r>
+                      <a:endParaRPr lang="en-US" sz="1000" b="0" i="0" u="none" strike="noStrike">
+                        <a:solidFill>
+                          <a:srgbClr val="000000"/>
+                        </a:solidFill>
+                        <a:effectLst/>
+                        <a:latin typeface="Calibri"/>
+                      </a:endParaRPr>
+                    </a:p>
+                  </a:txBody>
+                  <a:tcPr marL="7697" marR="7697" marT="7697" marB="0" anchor="b"/>
+                </a:tc>
+              </a:tr>
+              <a:tr h="161642">
+                <a:tc>
+                  <a:txBody>
+                    <a:bodyPr/>
+                    <a:lstStyle/>
+                    <a:p>
+                      <a:pPr algn="l" fontAlgn="b"/>
+                      <a:r>
+                        <a:rPr lang="en-US" sz="1000" u="none" strike="noStrike">
+                          <a:effectLst/>
+                        </a:rPr>
+                        <a:t>  Richtigkeit</a:t>
+                      </a:r>
+                      <a:endParaRPr lang="en-US" sz="1000" b="0" i="0" u="none" strike="noStrike">
+                        <a:solidFill>
+                          <a:srgbClr val="000000"/>
+                        </a:solidFill>
+                        <a:effectLst/>
+                        <a:latin typeface="Calibri"/>
+                      </a:endParaRPr>
+                    </a:p>
+                  </a:txBody>
+                  <a:tcPr marL="7697" marR="7697" marT="7697" marB="0" anchor="b"/>
+                </a:tc>
+                <a:tc>
+                  <a:txBody>
+                    <a:bodyPr/>
+                    <a:lstStyle/>
+                    <a:p>
+                      <a:pPr algn="ctr" fontAlgn="b"/>
+                      <a:r>
+                        <a:rPr lang="en-US" sz="1000" u="none" strike="noStrike">
+                          <a:effectLst/>
+                        </a:rPr>
+                        <a:t> </a:t>
+                      </a:r>
+                      <a:endParaRPr lang="en-US" sz="1000" b="0" i="0" u="none" strike="noStrike">
+                        <a:solidFill>
+                          <a:srgbClr val="000000"/>
+                        </a:solidFill>
+                        <a:effectLst/>
+                        <a:latin typeface="Calibri"/>
+                      </a:endParaRPr>
+                    </a:p>
+                  </a:txBody>
+                  <a:tcPr marL="7697" marR="7697" marT="7697" marB="0" anchor="b"/>
+                </a:tc>
+                <a:tc>
+                  <a:txBody>
+                    <a:bodyPr/>
+                    <a:lstStyle/>
+                    <a:p>
+                      <a:pPr algn="ctr" fontAlgn="b"/>
+                      <a:r>
+                        <a:rPr lang="en-US" sz="1000" u="none" strike="noStrike">
+                          <a:effectLst/>
+                        </a:rPr>
+                        <a:t>X</a:t>
+                      </a:r>
+                      <a:endParaRPr lang="en-US" sz="1000" b="0" i="0" u="none" strike="noStrike">
+                        <a:solidFill>
+                          <a:srgbClr val="000000"/>
+                        </a:solidFill>
+                        <a:effectLst/>
+                        <a:latin typeface="Calibri"/>
+                      </a:endParaRPr>
+                    </a:p>
+                  </a:txBody>
+                  <a:tcPr marL="7697" marR="7697" marT="7697" marB="0" anchor="b"/>
+                </a:tc>
+                <a:tc>
+                  <a:txBody>
+                    <a:bodyPr/>
+                    <a:lstStyle/>
+                    <a:p>
+                      <a:pPr algn="ctr" fontAlgn="b"/>
+                      <a:r>
+                        <a:rPr lang="en-US" sz="1000" u="none" strike="noStrike">
+                          <a:effectLst/>
+                        </a:rPr>
+                        <a:t> </a:t>
+                      </a:r>
+                      <a:endParaRPr lang="en-US" sz="1000" b="0" i="0" u="none" strike="noStrike">
+                        <a:solidFill>
+                          <a:srgbClr val="000000"/>
+                        </a:solidFill>
+                        <a:effectLst/>
+                        <a:latin typeface="Calibri"/>
+                      </a:endParaRPr>
+                    </a:p>
+                  </a:txBody>
+                  <a:tcPr marL="7697" marR="7697" marT="7697" marB="0" anchor="b"/>
+                </a:tc>
+                <a:tc>
+                  <a:txBody>
+                    <a:bodyPr/>
+                    <a:lstStyle/>
+                    <a:p>
+                      <a:pPr algn="ctr" fontAlgn="b"/>
+                      <a:r>
+                        <a:rPr lang="en-US" sz="1000" u="none" strike="noStrike">
+                          <a:effectLst/>
+                        </a:rPr>
+                        <a:t> </a:t>
+                      </a:r>
+                      <a:endParaRPr lang="en-US" sz="1000" b="0" i="0" u="none" strike="noStrike">
+                        <a:solidFill>
+                          <a:srgbClr val="000000"/>
+                        </a:solidFill>
+                        <a:effectLst/>
+                        <a:latin typeface="Calibri"/>
+                      </a:endParaRPr>
+                    </a:p>
+                  </a:txBody>
+                  <a:tcPr marL="7697" marR="7697" marT="7697" marB="0" anchor="b"/>
+                </a:tc>
+              </a:tr>
+              <a:tr h="161642">
+                <a:tc>
+                  <a:txBody>
+                    <a:bodyPr/>
+                    <a:lstStyle/>
+                    <a:p>
+                      <a:pPr algn="l" fontAlgn="b"/>
+                      <a:r>
+                        <a:rPr lang="en-US" sz="1000" u="none" strike="noStrike">
+                          <a:effectLst/>
+                        </a:rPr>
+                        <a:t>  Interoperabilität</a:t>
+                      </a:r>
+                      <a:endParaRPr lang="en-US" sz="1000" b="0" i="0" u="none" strike="noStrike">
+                        <a:solidFill>
+                          <a:srgbClr val="000000"/>
+                        </a:solidFill>
+                        <a:effectLst/>
+                        <a:latin typeface="Calibri"/>
+                      </a:endParaRPr>
+                    </a:p>
+                  </a:txBody>
+                  <a:tcPr marL="7697" marR="7697" marT="7697" marB="0" anchor="b"/>
+                </a:tc>
+                <a:tc>
+                  <a:txBody>
+                    <a:bodyPr/>
+                    <a:lstStyle/>
+                    <a:p>
+                      <a:pPr algn="ctr" fontAlgn="b"/>
+                      <a:r>
+                        <a:rPr lang="en-US" sz="1000" u="none" strike="noStrike">
+                          <a:effectLst/>
+                        </a:rPr>
+                        <a:t> </a:t>
+                      </a:r>
+                      <a:endParaRPr lang="en-US" sz="1000" b="0" i="0" u="none" strike="noStrike">
+                        <a:solidFill>
+                          <a:srgbClr val="000000"/>
+                        </a:solidFill>
+                        <a:effectLst/>
+                        <a:latin typeface="Calibri"/>
+                      </a:endParaRPr>
+                    </a:p>
+                  </a:txBody>
+                  <a:tcPr marL="7697" marR="7697" marT="7697" marB="0" anchor="b"/>
+                </a:tc>
+                <a:tc>
+                  <a:txBody>
+                    <a:bodyPr/>
+                    <a:lstStyle/>
+                    <a:p>
+                      <a:pPr algn="ctr" fontAlgn="b"/>
+                      <a:r>
+                        <a:rPr lang="en-US" sz="1000" u="none" strike="noStrike">
+                          <a:effectLst/>
+                        </a:rPr>
+                        <a:t> </a:t>
+                      </a:r>
+                      <a:endParaRPr lang="en-US" sz="1000" b="0" i="0" u="none" strike="noStrike">
+                        <a:solidFill>
+                          <a:srgbClr val="000000"/>
+                        </a:solidFill>
+                        <a:effectLst/>
+                        <a:latin typeface="Calibri"/>
+                      </a:endParaRPr>
+                    </a:p>
+                  </a:txBody>
+                  <a:tcPr marL="7697" marR="7697" marT="7697" marB="0" anchor="b"/>
+                </a:tc>
+                <a:tc>
+                  <a:txBody>
+                    <a:bodyPr/>
+                    <a:lstStyle/>
+                    <a:p>
+                      <a:pPr algn="ctr" fontAlgn="b"/>
+                      <a:r>
+                        <a:rPr lang="en-US" sz="1000" u="none" strike="noStrike">
+                          <a:effectLst/>
+                        </a:rPr>
+                        <a:t>X</a:t>
+                      </a:r>
+                      <a:endParaRPr lang="en-US" sz="1000" b="0" i="0" u="none" strike="noStrike">
+                        <a:solidFill>
+                          <a:srgbClr val="000000"/>
+                        </a:solidFill>
+                        <a:effectLst/>
+                        <a:latin typeface="Calibri"/>
+                      </a:endParaRPr>
+                    </a:p>
+                  </a:txBody>
+                  <a:tcPr marL="7697" marR="7697" marT="7697" marB="0" anchor="b"/>
+                </a:tc>
+                <a:tc>
+                  <a:txBody>
+                    <a:bodyPr/>
+                    <a:lstStyle/>
+                    <a:p>
+                      <a:pPr algn="ctr" fontAlgn="b"/>
+                      <a:r>
+                        <a:rPr lang="en-US" sz="1000" u="none" strike="noStrike">
+                          <a:effectLst/>
+                        </a:rPr>
+                        <a:t> </a:t>
+                      </a:r>
+                      <a:endParaRPr lang="en-US" sz="1000" b="0" i="0" u="none" strike="noStrike">
+                        <a:solidFill>
+                          <a:srgbClr val="000000"/>
+                        </a:solidFill>
+                        <a:effectLst/>
+                        <a:latin typeface="Calibri"/>
+                      </a:endParaRPr>
+                    </a:p>
+                  </a:txBody>
+                  <a:tcPr marL="7697" marR="7697" marT="7697" marB="0" anchor="b"/>
+                </a:tc>
+              </a:tr>
+              <a:tr h="161642">
+                <a:tc>
+                  <a:txBody>
+                    <a:bodyPr/>
+                    <a:lstStyle/>
+                    <a:p>
+                      <a:pPr algn="l" fontAlgn="b"/>
+                      <a:r>
+                        <a:rPr lang="en-US" sz="1000" u="none" strike="noStrike">
+                          <a:effectLst/>
+                        </a:rPr>
+                        <a:t>  Ordnungsmäßigkeit</a:t>
+                      </a:r>
+                      <a:endParaRPr lang="en-US" sz="1000" b="0" i="0" u="none" strike="noStrike">
+                        <a:solidFill>
+                          <a:srgbClr val="000000"/>
+                        </a:solidFill>
+                        <a:effectLst/>
+                        <a:latin typeface="Calibri"/>
+                      </a:endParaRPr>
+                    </a:p>
+                  </a:txBody>
+                  <a:tcPr marL="7697" marR="7697" marT="7697" marB="0" anchor="b"/>
+                </a:tc>
+                <a:tc>
+                  <a:txBody>
+                    <a:bodyPr/>
+                    <a:lstStyle/>
+                    <a:p>
+                      <a:pPr algn="ctr" fontAlgn="b"/>
+                      <a:r>
+                        <a:rPr lang="en-US" sz="1000" u="none" strike="noStrike">
+                          <a:effectLst/>
+                        </a:rPr>
+                        <a:t> </a:t>
+                      </a:r>
+                      <a:endParaRPr lang="en-US" sz="1000" b="0" i="0" u="none" strike="noStrike">
+                        <a:solidFill>
+                          <a:srgbClr val="000000"/>
+                        </a:solidFill>
+                        <a:effectLst/>
+                        <a:latin typeface="Calibri"/>
+                      </a:endParaRPr>
+                    </a:p>
+                  </a:txBody>
+                  <a:tcPr marL="7697" marR="7697" marT="7697" marB="0" anchor="b"/>
+                </a:tc>
+                <a:tc>
+                  <a:txBody>
+                    <a:bodyPr/>
+                    <a:lstStyle/>
+                    <a:p>
+                      <a:pPr algn="ctr" fontAlgn="b"/>
+                      <a:r>
+                        <a:rPr lang="en-US" sz="1000" u="none" strike="noStrike">
+                          <a:effectLst/>
+                        </a:rPr>
+                        <a:t>X</a:t>
+                      </a:r>
+                      <a:endParaRPr lang="en-US" sz="1000" b="0" i="0" u="none" strike="noStrike">
+                        <a:solidFill>
+                          <a:srgbClr val="000000"/>
+                        </a:solidFill>
+                        <a:effectLst/>
+                        <a:latin typeface="Calibri"/>
+                      </a:endParaRPr>
+                    </a:p>
+                  </a:txBody>
+                  <a:tcPr marL="7697" marR="7697" marT="7697" marB="0" anchor="b"/>
+                </a:tc>
+                <a:tc>
+                  <a:txBody>
+                    <a:bodyPr/>
+                    <a:lstStyle/>
+                    <a:p>
+                      <a:pPr algn="ctr" fontAlgn="b"/>
+                      <a:r>
+                        <a:rPr lang="en-US" sz="1000" u="none" strike="noStrike">
+                          <a:effectLst/>
+                        </a:rPr>
+                        <a:t> </a:t>
+                      </a:r>
+                      <a:endParaRPr lang="en-US" sz="1000" b="0" i="0" u="none" strike="noStrike">
+                        <a:solidFill>
+                          <a:srgbClr val="000000"/>
+                        </a:solidFill>
+                        <a:effectLst/>
+                        <a:latin typeface="Calibri"/>
+                      </a:endParaRPr>
+                    </a:p>
+                  </a:txBody>
+                  <a:tcPr marL="7697" marR="7697" marT="7697" marB="0" anchor="b"/>
+                </a:tc>
+                <a:tc>
+                  <a:txBody>
+                    <a:bodyPr/>
+                    <a:lstStyle/>
+                    <a:p>
+                      <a:pPr algn="ctr" fontAlgn="b"/>
+                      <a:r>
+                        <a:rPr lang="en-US" sz="1000" u="none" strike="noStrike">
+                          <a:effectLst/>
+                        </a:rPr>
+                        <a:t> </a:t>
+                      </a:r>
+                      <a:endParaRPr lang="en-US" sz="1000" b="0" i="0" u="none" strike="noStrike">
+                        <a:solidFill>
+                          <a:srgbClr val="000000"/>
+                        </a:solidFill>
+                        <a:effectLst/>
+                        <a:latin typeface="Calibri"/>
+                      </a:endParaRPr>
+                    </a:p>
+                  </a:txBody>
+                  <a:tcPr marL="7697" marR="7697" marT="7697" marB="0" anchor="b"/>
+                </a:tc>
+              </a:tr>
+              <a:tr h="161642">
+                <a:tc>
+                  <a:txBody>
+                    <a:bodyPr/>
+                    <a:lstStyle/>
+                    <a:p>
+                      <a:pPr algn="l" fontAlgn="b"/>
+                      <a:r>
+                        <a:rPr lang="en-US" sz="1000" u="none" strike="noStrike">
+                          <a:effectLst/>
+                        </a:rPr>
+                        <a:t>  Sicherheit</a:t>
+                      </a:r>
+                      <a:endParaRPr lang="en-US" sz="1000" b="0" i="0" u="none" strike="noStrike">
+                        <a:solidFill>
+                          <a:srgbClr val="000000"/>
+                        </a:solidFill>
+                        <a:effectLst/>
+                        <a:latin typeface="Calibri"/>
+                      </a:endParaRPr>
+                    </a:p>
+                  </a:txBody>
+                  <a:tcPr marL="7697" marR="7697" marT="7697" marB="0" anchor="b"/>
+                </a:tc>
+                <a:tc>
+                  <a:txBody>
+                    <a:bodyPr/>
+                    <a:lstStyle/>
+                    <a:p>
+                      <a:pPr algn="ctr" fontAlgn="b"/>
+                      <a:r>
+                        <a:rPr lang="en-US" sz="1000" u="none" strike="noStrike">
+                          <a:effectLst/>
+                        </a:rPr>
+                        <a:t> </a:t>
+                      </a:r>
+                      <a:endParaRPr lang="en-US" sz="1000" b="0" i="0" u="none" strike="noStrike">
+                        <a:solidFill>
+                          <a:srgbClr val="000000"/>
+                        </a:solidFill>
+                        <a:effectLst/>
+                        <a:latin typeface="Calibri"/>
+                      </a:endParaRPr>
+                    </a:p>
+                  </a:txBody>
+                  <a:tcPr marL="7697" marR="7697" marT="7697" marB="0" anchor="b"/>
+                </a:tc>
+                <a:tc>
+                  <a:txBody>
+                    <a:bodyPr/>
+                    <a:lstStyle/>
+                    <a:p>
+                      <a:pPr algn="ctr" fontAlgn="b"/>
+                      <a:r>
+                        <a:rPr lang="en-US" sz="1000" u="none" strike="noStrike">
+                          <a:effectLst/>
+                        </a:rPr>
+                        <a:t>X</a:t>
+                      </a:r>
+                      <a:endParaRPr lang="en-US" sz="1000" b="0" i="0" u="none" strike="noStrike">
+                        <a:solidFill>
+                          <a:srgbClr val="000000"/>
+                        </a:solidFill>
+                        <a:effectLst/>
+                        <a:latin typeface="Calibri"/>
+                      </a:endParaRPr>
+                    </a:p>
+                  </a:txBody>
+                  <a:tcPr marL="7697" marR="7697" marT="7697" marB="0" anchor="b"/>
+                </a:tc>
+                <a:tc>
+                  <a:txBody>
+                    <a:bodyPr/>
+                    <a:lstStyle/>
+                    <a:p>
+                      <a:pPr algn="ctr" fontAlgn="b"/>
+                      <a:r>
+                        <a:rPr lang="en-US" sz="1000" u="none" strike="noStrike">
+                          <a:effectLst/>
+                        </a:rPr>
+                        <a:t> </a:t>
+                      </a:r>
+                      <a:endParaRPr lang="en-US" sz="1000" b="0" i="0" u="none" strike="noStrike">
+                        <a:solidFill>
+                          <a:srgbClr val="000000"/>
+                        </a:solidFill>
+                        <a:effectLst/>
+                        <a:latin typeface="Calibri"/>
+                      </a:endParaRPr>
+                    </a:p>
+                  </a:txBody>
+                  <a:tcPr marL="7697" marR="7697" marT="7697" marB="0" anchor="b"/>
+                </a:tc>
+                <a:tc>
+                  <a:txBody>
+                    <a:bodyPr/>
+                    <a:lstStyle/>
+                    <a:p>
+                      <a:pPr algn="ctr" fontAlgn="b"/>
+                      <a:r>
+                        <a:rPr lang="en-US" sz="1000" u="none" strike="noStrike">
+                          <a:effectLst/>
+                        </a:rPr>
+                        <a:t> </a:t>
+                      </a:r>
+                      <a:endParaRPr lang="en-US" sz="1000" b="0" i="0" u="none" strike="noStrike">
+                        <a:solidFill>
+                          <a:srgbClr val="000000"/>
+                        </a:solidFill>
+                        <a:effectLst/>
+                        <a:latin typeface="Calibri"/>
+                      </a:endParaRPr>
+                    </a:p>
+                  </a:txBody>
+                  <a:tcPr marL="7697" marR="7697" marT="7697" marB="0" anchor="b"/>
+                </a:tc>
+              </a:tr>
+              <a:tr h="161642">
+                <a:tc gridSpan="5">
+                  <a:txBody>
+                    <a:bodyPr/>
+                    <a:lstStyle/>
+                    <a:p>
+                      <a:pPr algn="l" fontAlgn="b"/>
+                      <a:r>
+                        <a:rPr lang="en-US" sz="1000" u="none" strike="noStrike">
+                          <a:effectLst/>
+                        </a:rPr>
+                        <a:t>Zuverlässigkeit</a:t>
+                      </a:r>
+                      <a:endParaRPr lang="en-US" sz="1000" b="1" i="0" u="none" strike="noStrike">
+                        <a:solidFill>
+                          <a:srgbClr val="000000"/>
+                        </a:solidFill>
+                        <a:effectLst/>
+                        <a:latin typeface="Calibri"/>
+                      </a:endParaRPr>
+                    </a:p>
+                  </a:txBody>
+                  <a:tcPr marL="7697" marR="7697" marT="7697" marB="0" anchor="b"/>
+                </a:tc>
+                <a:tc hMerge="1">
+                  <a:txBody>
+                    <a:bodyPr/>
+                    <a:lstStyle/>
+                    <a:p>
+                      <a:endParaRPr lang="en-US"/>
+                    </a:p>
+                  </a:txBody>
+                  <a:tcPr/>
+                </a:tc>
+                <a:tc hMerge="1">
+                  <a:txBody>
+                    <a:bodyPr/>
+                    <a:lstStyle/>
+                    <a:p>
+                      <a:endParaRPr lang="en-US"/>
+                    </a:p>
+                  </a:txBody>
+                  <a:tcPr/>
+                </a:tc>
+                <a:tc hMerge="1">
+                  <a:txBody>
+                    <a:bodyPr/>
+                    <a:lstStyle/>
+                    <a:p>
+                      <a:endParaRPr lang="en-US"/>
+                    </a:p>
+                  </a:txBody>
+                  <a:tcPr/>
+                </a:tc>
+                <a:tc hMerge="1">
+                  <a:txBody>
+                    <a:bodyPr/>
+                    <a:lstStyle/>
+                    <a:p>
+                      <a:endParaRPr lang="en-US"/>
+                    </a:p>
+                  </a:txBody>
+                  <a:tcPr/>
+                </a:tc>
+              </a:tr>
+              <a:tr h="161642">
+                <a:tc>
+                  <a:txBody>
+                    <a:bodyPr/>
+                    <a:lstStyle/>
+                    <a:p>
+                      <a:pPr algn="l" fontAlgn="b"/>
+                      <a:r>
+                        <a:rPr lang="en-US" sz="1000" u="none" strike="noStrike">
+                          <a:effectLst/>
+                        </a:rPr>
+                        <a:t>  Reife</a:t>
+                      </a:r>
+                      <a:endParaRPr lang="en-US" sz="1000" b="0" i="0" u="none" strike="noStrike">
+                        <a:solidFill>
+                          <a:srgbClr val="000000"/>
+                        </a:solidFill>
+                        <a:effectLst/>
+                        <a:latin typeface="Calibri"/>
+                      </a:endParaRPr>
+                    </a:p>
+                  </a:txBody>
+                  <a:tcPr marL="7697" marR="7697" marT="7697" marB="0" anchor="b"/>
+                </a:tc>
+                <a:tc>
+                  <a:txBody>
+                    <a:bodyPr/>
+                    <a:lstStyle/>
+                    <a:p>
+                      <a:pPr algn="ctr" fontAlgn="b"/>
+                      <a:r>
+                        <a:rPr lang="en-US" sz="1000" u="none" strike="noStrike">
+                          <a:effectLst/>
+                        </a:rPr>
+                        <a:t> </a:t>
+                      </a:r>
+                      <a:endParaRPr lang="en-US" sz="1000" b="0" i="0" u="none" strike="noStrike">
+                        <a:solidFill>
+                          <a:srgbClr val="000000"/>
+                        </a:solidFill>
+                        <a:effectLst/>
+                        <a:latin typeface="Calibri"/>
+                      </a:endParaRPr>
+                    </a:p>
+                  </a:txBody>
+                  <a:tcPr marL="7697" marR="7697" marT="7697" marB="0" anchor="b"/>
+                </a:tc>
+                <a:tc>
+                  <a:txBody>
+                    <a:bodyPr/>
+                    <a:lstStyle/>
+                    <a:p>
+                      <a:pPr algn="ctr" fontAlgn="b"/>
+                      <a:r>
+                        <a:rPr lang="en-US" sz="1000" u="none" strike="noStrike">
+                          <a:effectLst/>
+                        </a:rPr>
+                        <a:t>X</a:t>
+                      </a:r>
+                      <a:endParaRPr lang="en-US" sz="1000" b="0" i="0" u="none" strike="noStrike">
+                        <a:solidFill>
+                          <a:srgbClr val="000000"/>
+                        </a:solidFill>
+                        <a:effectLst/>
+                        <a:latin typeface="Calibri"/>
+                      </a:endParaRPr>
+                    </a:p>
+                  </a:txBody>
+                  <a:tcPr marL="7697" marR="7697" marT="7697" marB="0" anchor="b"/>
+                </a:tc>
+                <a:tc>
+                  <a:txBody>
+                    <a:bodyPr/>
+                    <a:lstStyle/>
+                    <a:p>
+                      <a:pPr algn="ctr" fontAlgn="b"/>
+                      <a:r>
+                        <a:rPr lang="en-US" sz="1000" u="none" strike="noStrike">
+                          <a:effectLst/>
+                        </a:rPr>
+                        <a:t> </a:t>
+                      </a:r>
+                      <a:endParaRPr lang="en-US" sz="1000" b="0" i="0" u="none" strike="noStrike">
+                        <a:solidFill>
+                          <a:srgbClr val="000000"/>
+                        </a:solidFill>
+                        <a:effectLst/>
+                        <a:latin typeface="Calibri"/>
+                      </a:endParaRPr>
+                    </a:p>
+                  </a:txBody>
+                  <a:tcPr marL="7697" marR="7697" marT="7697" marB="0" anchor="b"/>
+                </a:tc>
+                <a:tc>
+                  <a:txBody>
+                    <a:bodyPr/>
+                    <a:lstStyle/>
+                    <a:p>
+                      <a:pPr algn="ctr" fontAlgn="b"/>
+                      <a:r>
+                        <a:rPr lang="en-US" sz="1000" u="none" strike="noStrike">
+                          <a:effectLst/>
+                        </a:rPr>
+                        <a:t> </a:t>
+                      </a:r>
+                      <a:endParaRPr lang="en-US" sz="1000" b="0" i="0" u="none" strike="noStrike">
+                        <a:solidFill>
+                          <a:srgbClr val="000000"/>
+                        </a:solidFill>
+                        <a:effectLst/>
+                        <a:latin typeface="Calibri"/>
+                      </a:endParaRPr>
+                    </a:p>
+                  </a:txBody>
+                  <a:tcPr marL="7697" marR="7697" marT="7697" marB="0" anchor="b"/>
+                </a:tc>
+              </a:tr>
+              <a:tr h="161642">
+                <a:tc>
+                  <a:txBody>
+                    <a:bodyPr/>
+                    <a:lstStyle/>
+                    <a:p>
+                      <a:pPr algn="l" fontAlgn="b"/>
+                      <a:r>
+                        <a:rPr lang="en-US" sz="1000" u="none" strike="noStrike">
+                          <a:effectLst/>
+                        </a:rPr>
+                        <a:t>  Fehlertolleranz</a:t>
+                      </a:r>
+                      <a:endParaRPr lang="en-US" sz="1000" b="0" i="0" u="none" strike="noStrike">
+                        <a:solidFill>
+                          <a:srgbClr val="000000"/>
+                        </a:solidFill>
+                        <a:effectLst/>
+                        <a:latin typeface="Calibri"/>
+                      </a:endParaRPr>
+                    </a:p>
+                  </a:txBody>
+                  <a:tcPr marL="7697" marR="7697" marT="7697" marB="0" anchor="b"/>
+                </a:tc>
+                <a:tc>
+                  <a:txBody>
+                    <a:bodyPr/>
+                    <a:lstStyle/>
+                    <a:p>
+                      <a:pPr algn="ctr" fontAlgn="b"/>
+                      <a:r>
+                        <a:rPr lang="en-US" sz="1000" u="none" strike="noStrike">
+                          <a:effectLst/>
+                        </a:rPr>
+                        <a:t> </a:t>
+                      </a:r>
+                      <a:endParaRPr lang="en-US" sz="1000" b="0" i="0" u="none" strike="noStrike">
+                        <a:solidFill>
+                          <a:srgbClr val="000000"/>
+                        </a:solidFill>
+                        <a:effectLst/>
+                        <a:latin typeface="Calibri"/>
+                      </a:endParaRPr>
+                    </a:p>
+                  </a:txBody>
+                  <a:tcPr marL="7697" marR="7697" marT="7697" marB="0" anchor="b"/>
+                </a:tc>
+                <a:tc>
+                  <a:txBody>
+                    <a:bodyPr/>
+                    <a:lstStyle/>
+                    <a:p>
+                      <a:pPr algn="ctr" fontAlgn="b"/>
+                      <a:r>
+                        <a:rPr lang="en-US" sz="1000" u="none" strike="noStrike">
+                          <a:effectLst/>
+                        </a:rPr>
+                        <a:t> </a:t>
+                      </a:r>
+                      <a:endParaRPr lang="en-US" sz="1000" b="0" i="0" u="none" strike="noStrike">
+                        <a:solidFill>
+                          <a:srgbClr val="000000"/>
+                        </a:solidFill>
+                        <a:effectLst/>
+                        <a:latin typeface="Calibri"/>
+                      </a:endParaRPr>
+                    </a:p>
+                  </a:txBody>
+                  <a:tcPr marL="7697" marR="7697" marT="7697" marB="0" anchor="b"/>
+                </a:tc>
+                <a:tc>
+                  <a:txBody>
+                    <a:bodyPr/>
+                    <a:lstStyle/>
+                    <a:p>
+                      <a:pPr algn="ctr" fontAlgn="b"/>
+                      <a:r>
+                        <a:rPr lang="en-US" sz="1000" u="none" strike="noStrike">
+                          <a:effectLst/>
+                        </a:rPr>
+                        <a:t>X</a:t>
+                      </a:r>
+                      <a:endParaRPr lang="en-US" sz="1000" b="0" i="0" u="none" strike="noStrike">
+                        <a:solidFill>
+                          <a:srgbClr val="000000"/>
+                        </a:solidFill>
+                        <a:effectLst/>
+                        <a:latin typeface="Calibri"/>
+                      </a:endParaRPr>
+                    </a:p>
+                  </a:txBody>
+                  <a:tcPr marL="7697" marR="7697" marT="7697" marB="0" anchor="b"/>
+                </a:tc>
+                <a:tc>
+                  <a:txBody>
+                    <a:bodyPr/>
+                    <a:lstStyle/>
+                    <a:p>
+                      <a:pPr algn="ctr" fontAlgn="b"/>
+                      <a:r>
+                        <a:rPr lang="en-US" sz="1000" u="none" strike="noStrike">
+                          <a:effectLst/>
+                        </a:rPr>
+                        <a:t> </a:t>
+                      </a:r>
+                      <a:endParaRPr lang="en-US" sz="1000" b="0" i="0" u="none" strike="noStrike">
+                        <a:solidFill>
+                          <a:srgbClr val="000000"/>
+                        </a:solidFill>
+                        <a:effectLst/>
+                        <a:latin typeface="Calibri"/>
+                      </a:endParaRPr>
+                    </a:p>
+                  </a:txBody>
+                  <a:tcPr marL="7697" marR="7697" marT="7697" marB="0" anchor="b"/>
+                </a:tc>
+              </a:tr>
+              <a:tr h="161642">
+                <a:tc>
+                  <a:txBody>
+                    <a:bodyPr/>
+                    <a:lstStyle/>
+                    <a:p>
+                      <a:pPr algn="l" fontAlgn="b"/>
+                      <a:r>
+                        <a:rPr lang="en-US" sz="1000" u="none" strike="noStrike">
+                          <a:effectLst/>
+                        </a:rPr>
+                        <a:t>  Wiederherstellbarkeit</a:t>
+                      </a:r>
+                      <a:endParaRPr lang="en-US" sz="1000" b="0" i="0" u="none" strike="noStrike">
+                        <a:solidFill>
+                          <a:srgbClr val="000000"/>
+                        </a:solidFill>
+                        <a:effectLst/>
+                        <a:latin typeface="Calibri"/>
+                      </a:endParaRPr>
+                    </a:p>
+                  </a:txBody>
+                  <a:tcPr marL="7697" marR="7697" marT="7697" marB="0" anchor="b"/>
+                </a:tc>
+                <a:tc>
+                  <a:txBody>
+                    <a:bodyPr/>
+                    <a:lstStyle/>
+                    <a:p>
+                      <a:pPr algn="ctr" fontAlgn="b"/>
+                      <a:r>
+                        <a:rPr lang="en-US" sz="1000" u="none" strike="noStrike">
+                          <a:effectLst/>
+                        </a:rPr>
+                        <a:t> </a:t>
+                      </a:r>
+                      <a:endParaRPr lang="en-US" sz="1000" b="0" i="0" u="none" strike="noStrike">
+                        <a:solidFill>
+                          <a:srgbClr val="000000"/>
+                        </a:solidFill>
+                        <a:effectLst/>
+                        <a:latin typeface="Calibri"/>
+                      </a:endParaRPr>
+                    </a:p>
+                  </a:txBody>
+                  <a:tcPr marL="7697" marR="7697" marT="7697" marB="0" anchor="b"/>
+                </a:tc>
+                <a:tc>
+                  <a:txBody>
+                    <a:bodyPr/>
+                    <a:lstStyle/>
+                    <a:p>
+                      <a:pPr algn="ctr" fontAlgn="b"/>
+                      <a:r>
+                        <a:rPr lang="en-US" sz="1000" u="none" strike="noStrike">
+                          <a:effectLst/>
+                        </a:rPr>
+                        <a:t> </a:t>
+                      </a:r>
+                      <a:endParaRPr lang="en-US" sz="1000" b="0" i="0" u="none" strike="noStrike">
+                        <a:solidFill>
+                          <a:srgbClr val="000000"/>
+                        </a:solidFill>
+                        <a:effectLst/>
+                        <a:latin typeface="Calibri"/>
+                      </a:endParaRPr>
+                    </a:p>
+                  </a:txBody>
+                  <a:tcPr marL="7697" marR="7697" marT="7697" marB="0" anchor="b"/>
+                </a:tc>
+                <a:tc>
+                  <a:txBody>
+                    <a:bodyPr/>
+                    <a:lstStyle/>
+                    <a:p>
+                      <a:pPr algn="ctr" fontAlgn="b"/>
+                      <a:r>
+                        <a:rPr lang="en-US" sz="1000" u="none" strike="noStrike">
+                          <a:effectLst/>
+                        </a:rPr>
+                        <a:t>X</a:t>
+                      </a:r>
+                      <a:endParaRPr lang="en-US" sz="1000" b="0" i="0" u="none" strike="noStrike">
+                        <a:solidFill>
+                          <a:srgbClr val="000000"/>
+                        </a:solidFill>
+                        <a:effectLst/>
+                        <a:latin typeface="Calibri"/>
+                      </a:endParaRPr>
+                    </a:p>
+                  </a:txBody>
+                  <a:tcPr marL="7697" marR="7697" marT="7697" marB="0" anchor="b"/>
+                </a:tc>
+                <a:tc>
+                  <a:txBody>
+                    <a:bodyPr/>
+                    <a:lstStyle/>
+                    <a:p>
+                      <a:pPr algn="ctr" fontAlgn="b"/>
+                      <a:r>
+                        <a:rPr lang="en-US" sz="1000" u="none" strike="noStrike">
+                          <a:effectLst/>
+                        </a:rPr>
+                        <a:t> </a:t>
+                      </a:r>
+                      <a:endParaRPr lang="en-US" sz="1000" b="0" i="0" u="none" strike="noStrike">
+                        <a:solidFill>
+                          <a:srgbClr val="000000"/>
+                        </a:solidFill>
+                        <a:effectLst/>
+                        <a:latin typeface="Calibri"/>
+                      </a:endParaRPr>
+                    </a:p>
+                  </a:txBody>
+                  <a:tcPr marL="7697" marR="7697" marT="7697" marB="0" anchor="b"/>
+                </a:tc>
+              </a:tr>
+              <a:tr h="161642">
+                <a:tc gridSpan="5">
+                  <a:txBody>
+                    <a:bodyPr/>
+                    <a:lstStyle/>
+                    <a:p>
+                      <a:pPr algn="l" fontAlgn="b"/>
+                      <a:r>
+                        <a:rPr lang="en-US" sz="1000" b="1" u="none" strike="noStrike" dirty="0" err="1">
+                          <a:effectLst/>
+                        </a:rPr>
+                        <a:t>Benutzbarkeit</a:t>
+                      </a:r>
+                      <a:endParaRPr lang="en-US" sz="1000" b="1" i="0" u="none" strike="noStrike" dirty="0">
+                        <a:solidFill>
+                          <a:srgbClr val="000000"/>
+                        </a:solidFill>
+                        <a:effectLst/>
+                        <a:latin typeface="Calibri"/>
+                      </a:endParaRPr>
+                    </a:p>
+                  </a:txBody>
+                  <a:tcPr marL="7697" marR="7697" marT="7697" marB="0" anchor="b"/>
+                </a:tc>
+                <a:tc hMerge="1">
+                  <a:txBody>
+                    <a:bodyPr/>
+                    <a:lstStyle/>
+                    <a:p>
+                      <a:endParaRPr lang="en-US"/>
+                    </a:p>
+                  </a:txBody>
+                  <a:tcPr/>
+                </a:tc>
+                <a:tc hMerge="1">
+                  <a:txBody>
+                    <a:bodyPr/>
+                    <a:lstStyle/>
+                    <a:p>
+                      <a:endParaRPr lang="en-US"/>
+                    </a:p>
+                  </a:txBody>
+                  <a:tcPr/>
+                </a:tc>
+                <a:tc hMerge="1">
+                  <a:txBody>
+                    <a:bodyPr/>
+                    <a:lstStyle/>
+                    <a:p>
+                      <a:endParaRPr lang="en-US"/>
+                    </a:p>
+                  </a:txBody>
+                  <a:tcPr/>
+                </a:tc>
+                <a:tc hMerge="1">
+                  <a:txBody>
+                    <a:bodyPr/>
+                    <a:lstStyle/>
+                    <a:p>
+                      <a:endParaRPr lang="en-US"/>
+                    </a:p>
+                  </a:txBody>
+                  <a:tcPr/>
+                </a:tc>
+              </a:tr>
+              <a:tr h="161642">
+                <a:tc>
+                  <a:txBody>
+                    <a:bodyPr/>
+                    <a:lstStyle/>
+                    <a:p>
+                      <a:pPr algn="l" fontAlgn="b"/>
+                      <a:r>
+                        <a:rPr lang="en-US" sz="1000" u="none" strike="noStrike">
+                          <a:effectLst/>
+                        </a:rPr>
+                        <a:t>  Verständlichkeit</a:t>
+                      </a:r>
+                      <a:endParaRPr lang="en-US" sz="1000" b="0" i="0" u="none" strike="noStrike">
+                        <a:solidFill>
+                          <a:srgbClr val="000000"/>
+                        </a:solidFill>
+                        <a:effectLst/>
+                        <a:latin typeface="Calibri"/>
+                      </a:endParaRPr>
+                    </a:p>
+                  </a:txBody>
+                  <a:tcPr marL="7697" marR="7697" marT="7697" marB="0" anchor="b"/>
+                </a:tc>
+                <a:tc>
+                  <a:txBody>
+                    <a:bodyPr/>
+                    <a:lstStyle/>
+                    <a:p>
+                      <a:pPr algn="ctr" fontAlgn="b"/>
+                      <a:r>
+                        <a:rPr lang="en-US" sz="1000" u="none" strike="noStrike">
+                          <a:effectLst/>
+                        </a:rPr>
+                        <a:t>X</a:t>
+                      </a:r>
+                      <a:endParaRPr lang="en-US" sz="1000" b="0" i="0" u="none" strike="noStrike">
+                        <a:solidFill>
+                          <a:srgbClr val="000000"/>
+                        </a:solidFill>
+                        <a:effectLst/>
+                        <a:latin typeface="Calibri"/>
+                      </a:endParaRPr>
+                    </a:p>
+                  </a:txBody>
+                  <a:tcPr marL="7697" marR="7697" marT="7697" marB="0" anchor="b"/>
+                </a:tc>
+                <a:tc>
+                  <a:txBody>
+                    <a:bodyPr/>
+                    <a:lstStyle/>
+                    <a:p>
+                      <a:pPr algn="ctr" fontAlgn="b"/>
+                      <a:r>
+                        <a:rPr lang="en-US" sz="1000" u="none" strike="noStrike">
+                          <a:effectLst/>
+                        </a:rPr>
+                        <a:t> </a:t>
+                      </a:r>
+                      <a:endParaRPr lang="en-US" sz="1000" b="0" i="0" u="none" strike="noStrike">
+                        <a:solidFill>
+                          <a:srgbClr val="000000"/>
+                        </a:solidFill>
+                        <a:effectLst/>
+                        <a:latin typeface="Calibri"/>
+                      </a:endParaRPr>
+                    </a:p>
+                  </a:txBody>
+                  <a:tcPr marL="7697" marR="7697" marT="7697" marB="0" anchor="b"/>
+                </a:tc>
+                <a:tc>
+                  <a:txBody>
+                    <a:bodyPr/>
+                    <a:lstStyle/>
+                    <a:p>
+                      <a:pPr algn="ctr" fontAlgn="b"/>
+                      <a:r>
+                        <a:rPr lang="en-US" sz="1000" u="none" strike="noStrike">
+                          <a:effectLst/>
+                        </a:rPr>
+                        <a:t> </a:t>
+                      </a:r>
+                      <a:endParaRPr lang="en-US" sz="1000" b="0" i="0" u="none" strike="noStrike">
+                        <a:solidFill>
+                          <a:srgbClr val="000000"/>
+                        </a:solidFill>
+                        <a:effectLst/>
+                        <a:latin typeface="Calibri"/>
+                      </a:endParaRPr>
+                    </a:p>
+                  </a:txBody>
+                  <a:tcPr marL="7697" marR="7697" marT="7697" marB="0" anchor="b"/>
+                </a:tc>
+                <a:tc>
+                  <a:txBody>
+                    <a:bodyPr/>
+                    <a:lstStyle/>
+                    <a:p>
+                      <a:pPr algn="ctr" fontAlgn="b"/>
+                      <a:r>
+                        <a:rPr lang="en-US" sz="1000" u="none" strike="noStrike">
+                          <a:effectLst/>
+                        </a:rPr>
+                        <a:t> </a:t>
+                      </a:r>
+                      <a:endParaRPr lang="en-US" sz="1000" b="0" i="0" u="none" strike="noStrike">
+                        <a:solidFill>
+                          <a:srgbClr val="000000"/>
+                        </a:solidFill>
+                        <a:effectLst/>
+                        <a:latin typeface="Calibri"/>
+                      </a:endParaRPr>
+                    </a:p>
+                  </a:txBody>
+                  <a:tcPr marL="7697" marR="7697" marT="7697" marB="0" anchor="b"/>
+                </a:tc>
+              </a:tr>
+              <a:tr h="161642">
+                <a:tc>
+                  <a:txBody>
+                    <a:bodyPr/>
+                    <a:lstStyle/>
+                    <a:p>
+                      <a:pPr algn="l" fontAlgn="b"/>
+                      <a:r>
+                        <a:rPr lang="en-US" sz="1000" u="none" strike="noStrike">
+                          <a:effectLst/>
+                        </a:rPr>
+                        <a:t>  Erlernbarkeit</a:t>
+                      </a:r>
+                      <a:endParaRPr lang="en-US" sz="1000" b="0" i="0" u="none" strike="noStrike">
+                        <a:solidFill>
+                          <a:srgbClr val="000000"/>
+                        </a:solidFill>
+                        <a:effectLst/>
+                        <a:latin typeface="Calibri"/>
+                      </a:endParaRPr>
+                    </a:p>
+                  </a:txBody>
+                  <a:tcPr marL="7697" marR="7697" marT="7697" marB="0" anchor="b"/>
+                </a:tc>
+                <a:tc>
+                  <a:txBody>
+                    <a:bodyPr/>
+                    <a:lstStyle/>
+                    <a:p>
+                      <a:pPr algn="ctr" fontAlgn="b"/>
+                      <a:r>
+                        <a:rPr lang="en-US" sz="1000" u="none" strike="noStrike">
+                          <a:effectLst/>
+                        </a:rPr>
+                        <a:t>X</a:t>
+                      </a:r>
+                      <a:endParaRPr lang="en-US" sz="1000" b="0" i="0" u="none" strike="noStrike">
+                        <a:solidFill>
+                          <a:srgbClr val="000000"/>
+                        </a:solidFill>
+                        <a:effectLst/>
+                        <a:latin typeface="Calibri"/>
+                      </a:endParaRPr>
+                    </a:p>
+                  </a:txBody>
+                  <a:tcPr marL="7697" marR="7697" marT="7697" marB="0" anchor="b"/>
+                </a:tc>
+                <a:tc>
+                  <a:txBody>
+                    <a:bodyPr/>
+                    <a:lstStyle/>
+                    <a:p>
+                      <a:pPr algn="ctr" fontAlgn="b"/>
+                      <a:r>
+                        <a:rPr lang="en-US" sz="1000" u="none" strike="noStrike">
+                          <a:effectLst/>
+                        </a:rPr>
+                        <a:t> </a:t>
+                      </a:r>
+                      <a:endParaRPr lang="en-US" sz="1000" b="0" i="0" u="none" strike="noStrike">
+                        <a:solidFill>
+                          <a:srgbClr val="000000"/>
+                        </a:solidFill>
+                        <a:effectLst/>
+                        <a:latin typeface="Calibri"/>
+                      </a:endParaRPr>
+                    </a:p>
+                  </a:txBody>
+                  <a:tcPr marL="7697" marR="7697" marT="7697" marB="0" anchor="b"/>
+                </a:tc>
+                <a:tc>
+                  <a:txBody>
+                    <a:bodyPr/>
+                    <a:lstStyle/>
+                    <a:p>
+                      <a:pPr algn="ctr" fontAlgn="b"/>
+                      <a:r>
+                        <a:rPr lang="en-US" sz="1000" u="none" strike="noStrike">
+                          <a:effectLst/>
+                        </a:rPr>
+                        <a:t> </a:t>
+                      </a:r>
+                      <a:endParaRPr lang="en-US" sz="1000" b="0" i="0" u="none" strike="noStrike">
+                        <a:solidFill>
+                          <a:srgbClr val="000000"/>
+                        </a:solidFill>
+                        <a:effectLst/>
+                        <a:latin typeface="Calibri"/>
+                      </a:endParaRPr>
+                    </a:p>
+                  </a:txBody>
+                  <a:tcPr marL="7697" marR="7697" marT="7697" marB="0" anchor="b"/>
+                </a:tc>
+                <a:tc>
+                  <a:txBody>
+                    <a:bodyPr/>
+                    <a:lstStyle/>
+                    <a:p>
+                      <a:pPr algn="ctr" fontAlgn="b"/>
+                      <a:r>
+                        <a:rPr lang="en-US" sz="1000" u="none" strike="noStrike">
+                          <a:effectLst/>
+                        </a:rPr>
+                        <a:t> </a:t>
+                      </a:r>
+                      <a:endParaRPr lang="en-US" sz="1000" b="0" i="0" u="none" strike="noStrike">
+                        <a:solidFill>
+                          <a:srgbClr val="000000"/>
+                        </a:solidFill>
+                        <a:effectLst/>
+                        <a:latin typeface="Calibri"/>
+                      </a:endParaRPr>
+                    </a:p>
+                  </a:txBody>
+                  <a:tcPr marL="7697" marR="7697" marT="7697" marB="0" anchor="b"/>
+                </a:tc>
+              </a:tr>
+              <a:tr h="161642">
+                <a:tc>
+                  <a:txBody>
+                    <a:bodyPr/>
+                    <a:lstStyle/>
+                    <a:p>
+                      <a:pPr algn="l" fontAlgn="b"/>
+                      <a:r>
+                        <a:rPr lang="en-US" sz="1000" u="none" strike="noStrike">
+                          <a:effectLst/>
+                        </a:rPr>
+                        <a:t>  Bedienbarkeit</a:t>
+                      </a:r>
+                      <a:endParaRPr lang="en-US" sz="1000" b="0" i="0" u="none" strike="noStrike">
+                        <a:solidFill>
+                          <a:srgbClr val="000000"/>
+                        </a:solidFill>
+                        <a:effectLst/>
+                        <a:latin typeface="Calibri"/>
+                      </a:endParaRPr>
+                    </a:p>
+                  </a:txBody>
+                  <a:tcPr marL="7697" marR="7697" marT="7697" marB="0" anchor="b"/>
+                </a:tc>
+                <a:tc>
+                  <a:txBody>
+                    <a:bodyPr/>
+                    <a:lstStyle/>
+                    <a:p>
+                      <a:pPr algn="ctr" fontAlgn="b"/>
+                      <a:r>
+                        <a:rPr lang="en-US" sz="1000" u="none" strike="noStrike">
+                          <a:effectLst/>
+                        </a:rPr>
+                        <a:t>X</a:t>
+                      </a:r>
+                      <a:endParaRPr lang="en-US" sz="1000" b="0" i="0" u="none" strike="noStrike">
+                        <a:solidFill>
+                          <a:srgbClr val="000000"/>
+                        </a:solidFill>
+                        <a:effectLst/>
+                        <a:latin typeface="Calibri"/>
+                      </a:endParaRPr>
+                    </a:p>
+                  </a:txBody>
+                  <a:tcPr marL="7697" marR="7697" marT="7697" marB="0" anchor="b"/>
+                </a:tc>
+                <a:tc>
+                  <a:txBody>
+                    <a:bodyPr/>
+                    <a:lstStyle/>
+                    <a:p>
+                      <a:pPr algn="ctr" fontAlgn="b"/>
+                      <a:r>
+                        <a:rPr lang="en-US" sz="1000" u="none" strike="noStrike">
+                          <a:effectLst/>
+                        </a:rPr>
+                        <a:t> </a:t>
+                      </a:r>
+                      <a:endParaRPr lang="en-US" sz="1000" b="0" i="0" u="none" strike="noStrike">
+                        <a:solidFill>
+                          <a:srgbClr val="000000"/>
+                        </a:solidFill>
+                        <a:effectLst/>
+                        <a:latin typeface="Calibri"/>
+                      </a:endParaRPr>
+                    </a:p>
+                  </a:txBody>
+                  <a:tcPr marL="7697" marR="7697" marT="7697" marB="0" anchor="b"/>
+                </a:tc>
+                <a:tc>
+                  <a:txBody>
+                    <a:bodyPr/>
+                    <a:lstStyle/>
+                    <a:p>
+                      <a:pPr algn="ctr" fontAlgn="b"/>
+                      <a:r>
+                        <a:rPr lang="en-US" sz="1000" u="none" strike="noStrike">
+                          <a:effectLst/>
+                        </a:rPr>
+                        <a:t> </a:t>
+                      </a:r>
+                      <a:endParaRPr lang="en-US" sz="1000" b="0" i="0" u="none" strike="noStrike">
+                        <a:solidFill>
+                          <a:srgbClr val="000000"/>
+                        </a:solidFill>
+                        <a:effectLst/>
+                        <a:latin typeface="Calibri"/>
+                      </a:endParaRPr>
+                    </a:p>
+                  </a:txBody>
+                  <a:tcPr marL="7697" marR="7697" marT="7697" marB="0" anchor="b"/>
+                </a:tc>
+                <a:tc>
+                  <a:txBody>
+                    <a:bodyPr/>
+                    <a:lstStyle/>
+                    <a:p>
+                      <a:pPr algn="ctr" fontAlgn="b"/>
+                      <a:r>
+                        <a:rPr lang="en-US" sz="1000" u="none" strike="noStrike">
+                          <a:effectLst/>
+                        </a:rPr>
+                        <a:t> </a:t>
+                      </a:r>
+                      <a:endParaRPr lang="en-US" sz="1000" b="0" i="0" u="none" strike="noStrike">
+                        <a:solidFill>
+                          <a:srgbClr val="000000"/>
+                        </a:solidFill>
+                        <a:effectLst/>
+                        <a:latin typeface="Calibri"/>
+                      </a:endParaRPr>
+                    </a:p>
+                  </a:txBody>
+                  <a:tcPr marL="7697" marR="7697" marT="7697" marB="0" anchor="b"/>
+                </a:tc>
+              </a:tr>
+              <a:tr h="161642">
+                <a:tc gridSpan="5">
+                  <a:txBody>
+                    <a:bodyPr/>
+                    <a:lstStyle/>
+                    <a:p>
+                      <a:pPr algn="l" fontAlgn="b"/>
+                      <a:r>
+                        <a:rPr lang="en-US" sz="1000" b="1" u="none" strike="noStrike" dirty="0" err="1">
+                          <a:effectLst/>
+                        </a:rPr>
+                        <a:t>Effizienz</a:t>
+                      </a:r>
+                      <a:endParaRPr lang="en-US" sz="1000" b="1" i="0" u="none" strike="noStrike" dirty="0">
+                        <a:solidFill>
+                          <a:srgbClr val="000000"/>
+                        </a:solidFill>
+                        <a:effectLst/>
+                        <a:latin typeface="Calibri"/>
+                      </a:endParaRPr>
+                    </a:p>
+                  </a:txBody>
+                  <a:tcPr marL="7697" marR="7697" marT="7697" marB="0" anchor="b"/>
+                </a:tc>
+                <a:tc hMerge="1">
+                  <a:txBody>
+                    <a:bodyPr/>
+                    <a:lstStyle/>
+                    <a:p>
+                      <a:endParaRPr lang="en-US"/>
+                    </a:p>
+                  </a:txBody>
+                  <a:tcPr/>
+                </a:tc>
+                <a:tc hMerge="1">
+                  <a:txBody>
+                    <a:bodyPr/>
+                    <a:lstStyle/>
+                    <a:p>
+                      <a:endParaRPr lang="en-US"/>
+                    </a:p>
+                  </a:txBody>
+                  <a:tcPr/>
+                </a:tc>
+                <a:tc hMerge="1">
+                  <a:txBody>
+                    <a:bodyPr/>
+                    <a:lstStyle/>
+                    <a:p>
+                      <a:endParaRPr lang="en-US"/>
+                    </a:p>
+                  </a:txBody>
+                  <a:tcPr/>
+                </a:tc>
+                <a:tc hMerge="1">
+                  <a:txBody>
+                    <a:bodyPr/>
+                    <a:lstStyle/>
+                    <a:p>
+                      <a:endParaRPr lang="en-US"/>
+                    </a:p>
+                  </a:txBody>
+                  <a:tcPr/>
+                </a:tc>
+              </a:tr>
+              <a:tr h="161642">
+                <a:tc>
+                  <a:txBody>
+                    <a:bodyPr/>
+                    <a:lstStyle/>
+                    <a:p>
+                      <a:pPr algn="l" fontAlgn="b"/>
+                      <a:r>
+                        <a:rPr lang="en-US" sz="1000" u="none" strike="noStrike" dirty="0" smtClean="0">
+                          <a:effectLst/>
+                        </a:rPr>
+                        <a:t>  </a:t>
+                      </a:r>
+                      <a:r>
+                        <a:rPr lang="en-US" sz="1000" u="none" strike="noStrike" dirty="0" err="1" smtClean="0">
+                          <a:effectLst/>
+                        </a:rPr>
+                        <a:t>Zeitverhalten</a:t>
+                      </a:r>
+                      <a:endParaRPr lang="en-US" sz="1000" b="0" i="0" u="none" strike="noStrike" dirty="0">
+                        <a:solidFill>
+                          <a:srgbClr val="000000"/>
+                        </a:solidFill>
+                        <a:effectLst/>
+                        <a:latin typeface="Calibri"/>
+                      </a:endParaRPr>
+                    </a:p>
+                  </a:txBody>
+                  <a:tcPr marL="7697" marR="7697" marT="7697" marB="0" anchor="b"/>
+                </a:tc>
+                <a:tc>
+                  <a:txBody>
+                    <a:bodyPr/>
+                    <a:lstStyle/>
+                    <a:p>
+                      <a:pPr algn="ctr" fontAlgn="b"/>
+                      <a:r>
+                        <a:rPr lang="en-US" sz="1000" u="none" strike="noStrike">
+                          <a:effectLst/>
+                        </a:rPr>
+                        <a:t> </a:t>
+                      </a:r>
+                      <a:endParaRPr lang="en-US" sz="1000" b="0" i="0" u="none" strike="noStrike">
+                        <a:solidFill>
+                          <a:srgbClr val="000000"/>
+                        </a:solidFill>
+                        <a:effectLst/>
+                        <a:latin typeface="Calibri"/>
+                      </a:endParaRPr>
+                    </a:p>
+                  </a:txBody>
+                  <a:tcPr marL="7697" marR="7697" marT="7697" marB="0" anchor="b"/>
+                </a:tc>
+                <a:tc>
+                  <a:txBody>
+                    <a:bodyPr/>
+                    <a:lstStyle/>
+                    <a:p>
+                      <a:pPr algn="ctr" fontAlgn="b"/>
+                      <a:r>
+                        <a:rPr lang="en-US" sz="1000" u="none" strike="noStrike">
+                          <a:effectLst/>
+                        </a:rPr>
+                        <a:t> </a:t>
+                      </a:r>
+                      <a:endParaRPr lang="en-US" sz="1000" b="0" i="0" u="none" strike="noStrike">
+                        <a:solidFill>
+                          <a:srgbClr val="000000"/>
+                        </a:solidFill>
+                        <a:effectLst/>
+                        <a:latin typeface="Calibri"/>
+                      </a:endParaRPr>
+                    </a:p>
+                  </a:txBody>
+                  <a:tcPr marL="7697" marR="7697" marT="7697" marB="0" anchor="b"/>
+                </a:tc>
+                <a:tc>
+                  <a:txBody>
+                    <a:bodyPr/>
+                    <a:lstStyle/>
+                    <a:p>
+                      <a:pPr algn="ctr" fontAlgn="b"/>
+                      <a:r>
+                        <a:rPr lang="en-US" sz="1000" u="none" strike="noStrike">
+                          <a:effectLst/>
+                        </a:rPr>
+                        <a:t> </a:t>
+                      </a:r>
+                      <a:endParaRPr lang="en-US" sz="1000" b="0" i="0" u="none" strike="noStrike">
+                        <a:solidFill>
+                          <a:srgbClr val="000000"/>
+                        </a:solidFill>
+                        <a:effectLst/>
+                        <a:latin typeface="Calibri"/>
+                      </a:endParaRPr>
+                    </a:p>
+                  </a:txBody>
+                  <a:tcPr marL="7697" marR="7697" marT="7697" marB="0" anchor="b"/>
+                </a:tc>
+                <a:tc>
+                  <a:txBody>
+                    <a:bodyPr/>
+                    <a:lstStyle/>
+                    <a:p>
+                      <a:pPr algn="ctr" fontAlgn="b"/>
+                      <a:r>
+                        <a:rPr lang="en-US" sz="1000" u="none" strike="noStrike">
+                          <a:effectLst/>
+                        </a:rPr>
+                        <a:t>X</a:t>
+                      </a:r>
+                      <a:endParaRPr lang="en-US" sz="1000" b="0" i="0" u="none" strike="noStrike">
+                        <a:solidFill>
+                          <a:srgbClr val="000000"/>
+                        </a:solidFill>
+                        <a:effectLst/>
+                        <a:latin typeface="Calibri"/>
+                      </a:endParaRPr>
+                    </a:p>
+                  </a:txBody>
+                  <a:tcPr marL="7697" marR="7697" marT="7697" marB="0" anchor="b"/>
+                </a:tc>
+              </a:tr>
+              <a:tr h="161642">
+                <a:tc>
+                  <a:txBody>
+                    <a:bodyPr/>
+                    <a:lstStyle/>
+                    <a:p>
+                      <a:pPr algn="l" fontAlgn="b"/>
+                      <a:r>
+                        <a:rPr lang="en-US" sz="1000" u="none" strike="noStrike">
+                          <a:effectLst/>
+                        </a:rPr>
+                        <a:t>  Verbrauchsverhalten</a:t>
+                      </a:r>
+                      <a:endParaRPr lang="en-US" sz="1000" b="0" i="0" u="none" strike="noStrike">
+                        <a:solidFill>
+                          <a:srgbClr val="000000"/>
+                        </a:solidFill>
+                        <a:effectLst/>
+                        <a:latin typeface="Calibri"/>
+                      </a:endParaRPr>
+                    </a:p>
+                  </a:txBody>
+                  <a:tcPr marL="7697" marR="7697" marT="7697" marB="0" anchor="b"/>
+                </a:tc>
+                <a:tc>
+                  <a:txBody>
+                    <a:bodyPr/>
+                    <a:lstStyle/>
+                    <a:p>
+                      <a:pPr algn="ctr" fontAlgn="b"/>
+                      <a:r>
+                        <a:rPr lang="en-US" sz="1000" u="none" strike="noStrike">
+                          <a:effectLst/>
+                        </a:rPr>
+                        <a:t> </a:t>
+                      </a:r>
+                      <a:endParaRPr lang="en-US" sz="1000" b="0" i="0" u="none" strike="noStrike">
+                        <a:solidFill>
+                          <a:srgbClr val="000000"/>
+                        </a:solidFill>
+                        <a:effectLst/>
+                        <a:latin typeface="Calibri"/>
+                      </a:endParaRPr>
+                    </a:p>
+                  </a:txBody>
+                  <a:tcPr marL="7697" marR="7697" marT="7697" marB="0" anchor="b"/>
+                </a:tc>
+                <a:tc>
+                  <a:txBody>
+                    <a:bodyPr/>
+                    <a:lstStyle/>
+                    <a:p>
+                      <a:pPr algn="ctr" fontAlgn="b"/>
+                      <a:r>
+                        <a:rPr lang="en-US" sz="1000" u="none" strike="noStrike">
+                          <a:effectLst/>
+                        </a:rPr>
+                        <a:t> </a:t>
+                      </a:r>
+                      <a:endParaRPr lang="en-US" sz="1000" b="0" i="0" u="none" strike="noStrike">
+                        <a:solidFill>
+                          <a:srgbClr val="000000"/>
+                        </a:solidFill>
+                        <a:effectLst/>
+                        <a:latin typeface="Calibri"/>
+                      </a:endParaRPr>
+                    </a:p>
+                  </a:txBody>
+                  <a:tcPr marL="7697" marR="7697" marT="7697" marB="0" anchor="b"/>
+                </a:tc>
+                <a:tc>
+                  <a:txBody>
+                    <a:bodyPr/>
+                    <a:lstStyle/>
+                    <a:p>
+                      <a:pPr algn="ctr" fontAlgn="b"/>
+                      <a:r>
+                        <a:rPr lang="en-US" sz="1000" u="none" strike="noStrike">
+                          <a:effectLst/>
+                        </a:rPr>
+                        <a:t>X</a:t>
+                      </a:r>
+                      <a:endParaRPr lang="en-US" sz="1000" b="0" i="0" u="none" strike="noStrike">
+                        <a:solidFill>
+                          <a:srgbClr val="000000"/>
+                        </a:solidFill>
+                        <a:effectLst/>
+                        <a:latin typeface="Calibri"/>
+                      </a:endParaRPr>
+                    </a:p>
+                  </a:txBody>
+                  <a:tcPr marL="7697" marR="7697" marT="7697" marB="0" anchor="b"/>
+                </a:tc>
+                <a:tc>
+                  <a:txBody>
+                    <a:bodyPr/>
+                    <a:lstStyle/>
+                    <a:p>
+                      <a:pPr algn="ctr" fontAlgn="b"/>
+                      <a:r>
+                        <a:rPr lang="en-US" sz="1000" u="none" strike="noStrike">
+                          <a:effectLst/>
+                        </a:rPr>
+                        <a:t> </a:t>
+                      </a:r>
+                      <a:endParaRPr lang="en-US" sz="1000" b="0" i="0" u="none" strike="noStrike">
+                        <a:solidFill>
+                          <a:srgbClr val="000000"/>
+                        </a:solidFill>
+                        <a:effectLst/>
+                        <a:latin typeface="Calibri"/>
+                      </a:endParaRPr>
+                    </a:p>
+                  </a:txBody>
+                  <a:tcPr marL="7697" marR="7697" marT="7697" marB="0" anchor="b"/>
+                </a:tc>
+              </a:tr>
+              <a:tr h="161642">
+                <a:tc gridSpan="5">
+                  <a:txBody>
+                    <a:bodyPr/>
+                    <a:lstStyle/>
+                    <a:p>
+                      <a:pPr algn="l" fontAlgn="b"/>
+                      <a:r>
+                        <a:rPr lang="en-US" sz="1000" u="none" strike="noStrike">
+                          <a:effectLst/>
+                        </a:rPr>
+                        <a:t>Änderbarkeit</a:t>
+                      </a:r>
+                      <a:endParaRPr lang="en-US" sz="1000" b="1" i="0" u="none" strike="noStrike">
+                        <a:solidFill>
+                          <a:srgbClr val="000000"/>
+                        </a:solidFill>
+                        <a:effectLst/>
+                        <a:latin typeface="Calibri"/>
+                      </a:endParaRPr>
+                    </a:p>
+                  </a:txBody>
+                  <a:tcPr marL="7697" marR="7697" marT="7697" marB="0" anchor="b"/>
+                </a:tc>
+                <a:tc hMerge="1">
+                  <a:txBody>
+                    <a:bodyPr/>
+                    <a:lstStyle/>
+                    <a:p>
+                      <a:endParaRPr lang="en-US"/>
+                    </a:p>
+                  </a:txBody>
+                  <a:tcPr/>
+                </a:tc>
+                <a:tc hMerge="1">
+                  <a:txBody>
+                    <a:bodyPr/>
+                    <a:lstStyle/>
+                    <a:p>
+                      <a:endParaRPr lang="en-US"/>
+                    </a:p>
+                  </a:txBody>
+                  <a:tcPr/>
+                </a:tc>
+                <a:tc hMerge="1">
+                  <a:txBody>
+                    <a:bodyPr/>
+                    <a:lstStyle/>
+                    <a:p>
+                      <a:endParaRPr lang="en-US"/>
+                    </a:p>
+                  </a:txBody>
+                  <a:tcPr/>
+                </a:tc>
+                <a:tc hMerge="1">
+                  <a:txBody>
+                    <a:bodyPr/>
+                    <a:lstStyle/>
+                    <a:p>
+                      <a:endParaRPr lang="en-US"/>
+                    </a:p>
+                  </a:txBody>
+                  <a:tcPr/>
+                </a:tc>
+              </a:tr>
+              <a:tr h="161642">
+                <a:tc>
+                  <a:txBody>
+                    <a:bodyPr/>
+                    <a:lstStyle/>
+                    <a:p>
+                      <a:pPr algn="l" fontAlgn="b"/>
+                      <a:r>
+                        <a:rPr lang="en-US" sz="1000" u="none" strike="noStrike">
+                          <a:effectLst/>
+                        </a:rPr>
+                        <a:t>  Analysierbarkeit</a:t>
+                      </a:r>
+                      <a:endParaRPr lang="en-US" sz="1000" b="0" i="0" u="none" strike="noStrike">
+                        <a:solidFill>
+                          <a:srgbClr val="000000"/>
+                        </a:solidFill>
+                        <a:effectLst/>
+                        <a:latin typeface="Calibri"/>
+                      </a:endParaRPr>
+                    </a:p>
+                  </a:txBody>
+                  <a:tcPr marL="7697" marR="7697" marT="7697" marB="0" anchor="b"/>
+                </a:tc>
+                <a:tc>
+                  <a:txBody>
+                    <a:bodyPr/>
+                    <a:lstStyle/>
+                    <a:p>
+                      <a:pPr algn="ctr" fontAlgn="b"/>
+                      <a:r>
+                        <a:rPr lang="en-US" sz="1000" u="none" strike="noStrike">
+                          <a:effectLst/>
+                        </a:rPr>
+                        <a:t> </a:t>
+                      </a:r>
+                      <a:endParaRPr lang="en-US" sz="1000" b="0" i="0" u="none" strike="noStrike">
+                        <a:solidFill>
+                          <a:srgbClr val="000000"/>
+                        </a:solidFill>
+                        <a:effectLst/>
+                        <a:latin typeface="Calibri"/>
+                      </a:endParaRPr>
+                    </a:p>
+                  </a:txBody>
+                  <a:tcPr marL="7697" marR="7697" marT="7697" marB="0" anchor="b"/>
+                </a:tc>
+                <a:tc>
+                  <a:txBody>
+                    <a:bodyPr/>
+                    <a:lstStyle/>
+                    <a:p>
+                      <a:pPr algn="ctr" fontAlgn="b"/>
+                      <a:r>
+                        <a:rPr lang="en-US" sz="1000" u="none" strike="noStrike">
+                          <a:effectLst/>
+                        </a:rPr>
+                        <a:t> </a:t>
+                      </a:r>
+                      <a:endParaRPr lang="en-US" sz="1000" b="0" i="0" u="none" strike="noStrike">
+                        <a:solidFill>
+                          <a:srgbClr val="000000"/>
+                        </a:solidFill>
+                        <a:effectLst/>
+                        <a:latin typeface="Calibri"/>
+                      </a:endParaRPr>
+                    </a:p>
+                  </a:txBody>
+                  <a:tcPr marL="7697" marR="7697" marT="7697" marB="0" anchor="b"/>
+                </a:tc>
+                <a:tc>
+                  <a:txBody>
+                    <a:bodyPr/>
+                    <a:lstStyle/>
+                    <a:p>
+                      <a:pPr algn="ctr" fontAlgn="b"/>
+                      <a:r>
+                        <a:rPr lang="en-US" sz="1000" u="none" strike="noStrike">
+                          <a:effectLst/>
+                        </a:rPr>
+                        <a:t>X</a:t>
+                      </a:r>
+                      <a:endParaRPr lang="en-US" sz="1000" b="0" i="0" u="none" strike="noStrike">
+                        <a:solidFill>
+                          <a:srgbClr val="000000"/>
+                        </a:solidFill>
+                        <a:effectLst/>
+                        <a:latin typeface="Calibri"/>
+                      </a:endParaRPr>
+                    </a:p>
+                  </a:txBody>
+                  <a:tcPr marL="7697" marR="7697" marT="7697" marB="0" anchor="b"/>
+                </a:tc>
+                <a:tc>
+                  <a:txBody>
+                    <a:bodyPr/>
+                    <a:lstStyle/>
+                    <a:p>
+                      <a:pPr algn="ctr" fontAlgn="b"/>
+                      <a:r>
+                        <a:rPr lang="en-US" sz="1000" u="none" strike="noStrike">
+                          <a:effectLst/>
+                        </a:rPr>
+                        <a:t> </a:t>
+                      </a:r>
+                      <a:endParaRPr lang="en-US" sz="1000" b="0" i="0" u="none" strike="noStrike">
+                        <a:solidFill>
+                          <a:srgbClr val="000000"/>
+                        </a:solidFill>
+                        <a:effectLst/>
+                        <a:latin typeface="Calibri"/>
+                      </a:endParaRPr>
+                    </a:p>
+                  </a:txBody>
+                  <a:tcPr marL="7697" marR="7697" marT="7697" marB="0" anchor="b"/>
+                </a:tc>
+              </a:tr>
+              <a:tr h="161642">
+                <a:tc>
+                  <a:txBody>
+                    <a:bodyPr/>
+                    <a:lstStyle/>
+                    <a:p>
+                      <a:pPr algn="l" fontAlgn="b"/>
+                      <a:r>
+                        <a:rPr lang="en-US" sz="1000" u="none" strike="noStrike">
+                          <a:effectLst/>
+                        </a:rPr>
+                        <a:t>  Modifizierbarkeit</a:t>
+                      </a:r>
+                      <a:endParaRPr lang="en-US" sz="1000" b="0" i="0" u="none" strike="noStrike">
+                        <a:solidFill>
+                          <a:srgbClr val="000000"/>
+                        </a:solidFill>
+                        <a:effectLst/>
+                        <a:latin typeface="Calibri"/>
+                      </a:endParaRPr>
+                    </a:p>
+                  </a:txBody>
+                  <a:tcPr marL="7697" marR="7697" marT="7697" marB="0" anchor="b"/>
+                </a:tc>
+                <a:tc>
+                  <a:txBody>
+                    <a:bodyPr/>
+                    <a:lstStyle/>
+                    <a:p>
+                      <a:pPr algn="ctr" fontAlgn="b"/>
+                      <a:r>
+                        <a:rPr lang="en-US" sz="1000" u="none" strike="noStrike">
+                          <a:effectLst/>
+                        </a:rPr>
+                        <a:t> </a:t>
+                      </a:r>
+                      <a:endParaRPr lang="en-US" sz="1000" b="0" i="0" u="none" strike="noStrike">
+                        <a:solidFill>
+                          <a:srgbClr val="000000"/>
+                        </a:solidFill>
+                        <a:effectLst/>
+                        <a:latin typeface="Calibri"/>
+                      </a:endParaRPr>
+                    </a:p>
+                  </a:txBody>
+                  <a:tcPr marL="7697" marR="7697" marT="7697" marB="0" anchor="b"/>
+                </a:tc>
+                <a:tc>
+                  <a:txBody>
+                    <a:bodyPr/>
+                    <a:lstStyle/>
+                    <a:p>
+                      <a:pPr algn="ctr" fontAlgn="b"/>
+                      <a:r>
+                        <a:rPr lang="en-US" sz="1000" u="none" strike="noStrike">
+                          <a:effectLst/>
+                        </a:rPr>
+                        <a:t> </a:t>
+                      </a:r>
+                      <a:endParaRPr lang="en-US" sz="1000" b="0" i="0" u="none" strike="noStrike">
+                        <a:solidFill>
+                          <a:srgbClr val="000000"/>
+                        </a:solidFill>
+                        <a:effectLst/>
+                        <a:latin typeface="Calibri"/>
+                      </a:endParaRPr>
+                    </a:p>
+                  </a:txBody>
+                  <a:tcPr marL="7697" marR="7697" marT="7697" marB="0" anchor="b"/>
+                </a:tc>
+                <a:tc>
+                  <a:txBody>
+                    <a:bodyPr/>
+                    <a:lstStyle/>
+                    <a:p>
+                      <a:pPr algn="ctr" fontAlgn="b"/>
+                      <a:r>
+                        <a:rPr lang="en-US" sz="1000" u="none" strike="noStrike">
+                          <a:effectLst/>
+                        </a:rPr>
+                        <a:t> </a:t>
+                      </a:r>
+                      <a:endParaRPr lang="en-US" sz="1000" b="0" i="0" u="none" strike="noStrike">
+                        <a:solidFill>
+                          <a:srgbClr val="000000"/>
+                        </a:solidFill>
+                        <a:effectLst/>
+                        <a:latin typeface="Calibri"/>
+                      </a:endParaRPr>
+                    </a:p>
+                  </a:txBody>
+                  <a:tcPr marL="7697" marR="7697" marT="7697" marB="0" anchor="b"/>
+                </a:tc>
+                <a:tc>
+                  <a:txBody>
+                    <a:bodyPr/>
+                    <a:lstStyle/>
+                    <a:p>
+                      <a:pPr algn="ctr" fontAlgn="b"/>
+                      <a:r>
+                        <a:rPr lang="en-US" sz="1000" u="none" strike="noStrike">
+                          <a:effectLst/>
+                        </a:rPr>
+                        <a:t>X</a:t>
+                      </a:r>
+                      <a:endParaRPr lang="en-US" sz="1000" b="0" i="0" u="none" strike="noStrike">
+                        <a:solidFill>
+                          <a:srgbClr val="000000"/>
+                        </a:solidFill>
+                        <a:effectLst/>
+                        <a:latin typeface="Calibri"/>
+                      </a:endParaRPr>
+                    </a:p>
+                  </a:txBody>
+                  <a:tcPr marL="7697" marR="7697" marT="7697" marB="0" anchor="b"/>
+                </a:tc>
+              </a:tr>
+              <a:tr h="161642">
+                <a:tc>
+                  <a:txBody>
+                    <a:bodyPr/>
+                    <a:lstStyle/>
+                    <a:p>
+                      <a:pPr algn="l" fontAlgn="b"/>
+                      <a:r>
+                        <a:rPr lang="en-US" sz="1000" u="none" strike="noStrike">
+                          <a:effectLst/>
+                        </a:rPr>
+                        <a:t>  Stabilität</a:t>
+                      </a:r>
+                      <a:endParaRPr lang="en-US" sz="1000" b="0" i="0" u="none" strike="noStrike">
+                        <a:solidFill>
+                          <a:srgbClr val="000000"/>
+                        </a:solidFill>
+                        <a:effectLst/>
+                        <a:latin typeface="Calibri"/>
+                      </a:endParaRPr>
+                    </a:p>
+                  </a:txBody>
+                  <a:tcPr marL="7697" marR="7697" marT="7697" marB="0" anchor="b"/>
+                </a:tc>
+                <a:tc>
+                  <a:txBody>
+                    <a:bodyPr/>
+                    <a:lstStyle/>
+                    <a:p>
+                      <a:pPr algn="ctr" fontAlgn="b"/>
+                      <a:r>
+                        <a:rPr lang="en-US" sz="1000" u="none" strike="noStrike">
+                          <a:effectLst/>
+                        </a:rPr>
+                        <a:t> </a:t>
+                      </a:r>
+                      <a:endParaRPr lang="en-US" sz="1000" b="0" i="0" u="none" strike="noStrike">
+                        <a:solidFill>
+                          <a:srgbClr val="000000"/>
+                        </a:solidFill>
+                        <a:effectLst/>
+                        <a:latin typeface="Calibri"/>
+                      </a:endParaRPr>
+                    </a:p>
+                  </a:txBody>
+                  <a:tcPr marL="7697" marR="7697" marT="7697" marB="0" anchor="b"/>
+                </a:tc>
+                <a:tc>
+                  <a:txBody>
+                    <a:bodyPr/>
+                    <a:lstStyle/>
+                    <a:p>
+                      <a:pPr algn="ctr" fontAlgn="b"/>
+                      <a:r>
+                        <a:rPr lang="en-US" sz="1000" u="none" strike="noStrike">
+                          <a:effectLst/>
+                        </a:rPr>
+                        <a:t> </a:t>
+                      </a:r>
+                      <a:endParaRPr lang="en-US" sz="1000" b="0" i="0" u="none" strike="noStrike">
+                        <a:solidFill>
+                          <a:srgbClr val="000000"/>
+                        </a:solidFill>
+                        <a:effectLst/>
+                        <a:latin typeface="Calibri"/>
+                      </a:endParaRPr>
+                    </a:p>
+                  </a:txBody>
+                  <a:tcPr marL="7697" marR="7697" marT="7697" marB="0" anchor="b"/>
+                </a:tc>
+                <a:tc>
+                  <a:txBody>
+                    <a:bodyPr/>
+                    <a:lstStyle/>
+                    <a:p>
+                      <a:pPr algn="ctr" fontAlgn="b"/>
+                      <a:r>
+                        <a:rPr lang="en-US" sz="1000" u="none" strike="noStrike">
+                          <a:effectLst/>
+                        </a:rPr>
+                        <a:t>X</a:t>
+                      </a:r>
+                      <a:endParaRPr lang="en-US" sz="1000" b="0" i="0" u="none" strike="noStrike">
+                        <a:solidFill>
+                          <a:srgbClr val="000000"/>
+                        </a:solidFill>
+                        <a:effectLst/>
+                        <a:latin typeface="Calibri"/>
+                      </a:endParaRPr>
+                    </a:p>
+                  </a:txBody>
+                  <a:tcPr marL="7697" marR="7697" marT="7697" marB="0" anchor="b"/>
+                </a:tc>
+                <a:tc>
+                  <a:txBody>
+                    <a:bodyPr/>
+                    <a:lstStyle/>
+                    <a:p>
+                      <a:pPr algn="ctr" fontAlgn="b"/>
+                      <a:r>
+                        <a:rPr lang="en-US" sz="1000" u="none" strike="noStrike">
+                          <a:effectLst/>
+                        </a:rPr>
+                        <a:t> </a:t>
+                      </a:r>
+                      <a:endParaRPr lang="en-US" sz="1000" b="0" i="0" u="none" strike="noStrike">
+                        <a:solidFill>
+                          <a:srgbClr val="000000"/>
+                        </a:solidFill>
+                        <a:effectLst/>
+                        <a:latin typeface="Calibri"/>
+                      </a:endParaRPr>
+                    </a:p>
+                  </a:txBody>
+                  <a:tcPr marL="7697" marR="7697" marT="7697" marB="0" anchor="b"/>
+                </a:tc>
+              </a:tr>
+              <a:tr h="161642">
+                <a:tc>
+                  <a:txBody>
+                    <a:bodyPr/>
+                    <a:lstStyle/>
+                    <a:p>
+                      <a:pPr algn="l" fontAlgn="b"/>
+                      <a:r>
+                        <a:rPr lang="en-US" sz="1000" u="none" strike="noStrike">
+                          <a:effectLst/>
+                        </a:rPr>
+                        <a:t>  Prüfbarkeit</a:t>
+                      </a:r>
+                      <a:endParaRPr lang="en-US" sz="1000" b="0" i="0" u="none" strike="noStrike">
+                        <a:solidFill>
+                          <a:srgbClr val="000000"/>
+                        </a:solidFill>
+                        <a:effectLst/>
+                        <a:latin typeface="Calibri"/>
+                      </a:endParaRPr>
+                    </a:p>
+                  </a:txBody>
+                  <a:tcPr marL="7697" marR="7697" marT="7697" marB="0" anchor="b"/>
+                </a:tc>
+                <a:tc>
+                  <a:txBody>
+                    <a:bodyPr/>
+                    <a:lstStyle/>
+                    <a:p>
+                      <a:pPr algn="ctr" fontAlgn="b"/>
+                      <a:r>
+                        <a:rPr lang="en-US" sz="1000" u="none" strike="noStrike">
+                          <a:effectLst/>
+                        </a:rPr>
+                        <a:t> </a:t>
+                      </a:r>
+                      <a:endParaRPr lang="en-US" sz="1000" b="0" i="0" u="none" strike="noStrike">
+                        <a:solidFill>
+                          <a:srgbClr val="000000"/>
+                        </a:solidFill>
+                        <a:effectLst/>
+                        <a:latin typeface="Calibri"/>
+                      </a:endParaRPr>
+                    </a:p>
+                  </a:txBody>
+                  <a:tcPr marL="7697" marR="7697" marT="7697" marB="0" anchor="b"/>
+                </a:tc>
+                <a:tc>
+                  <a:txBody>
+                    <a:bodyPr/>
+                    <a:lstStyle/>
+                    <a:p>
+                      <a:pPr algn="ctr" fontAlgn="b"/>
+                      <a:r>
+                        <a:rPr lang="en-US" sz="1000" u="none" strike="noStrike">
+                          <a:effectLst/>
+                        </a:rPr>
+                        <a:t> </a:t>
+                      </a:r>
+                      <a:endParaRPr lang="en-US" sz="1000" b="0" i="0" u="none" strike="noStrike">
+                        <a:solidFill>
+                          <a:srgbClr val="000000"/>
+                        </a:solidFill>
+                        <a:effectLst/>
+                        <a:latin typeface="Calibri"/>
+                      </a:endParaRPr>
+                    </a:p>
+                  </a:txBody>
+                  <a:tcPr marL="7697" marR="7697" marT="7697" marB="0" anchor="b"/>
+                </a:tc>
+                <a:tc>
+                  <a:txBody>
+                    <a:bodyPr/>
+                    <a:lstStyle/>
+                    <a:p>
+                      <a:pPr algn="ctr" fontAlgn="b"/>
+                      <a:r>
+                        <a:rPr lang="en-US" sz="1000" u="none" strike="noStrike">
+                          <a:effectLst/>
+                        </a:rPr>
+                        <a:t>X</a:t>
+                      </a:r>
+                      <a:endParaRPr lang="en-US" sz="1000" b="0" i="0" u="none" strike="noStrike">
+                        <a:solidFill>
+                          <a:srgbClr val="000000"/>
+                        </a:solidFill>
+                        <a:effectLst/>
+                        <a:latin typeface="Calibri"/>
+                      </a:endParaRPr>
+                    </a:p>
+                  </a:txBody>
+                  <a:tcPr marL="7697" marR="7697" marT="7697" marB="0" anchor="b"/>
+                </a:tc>
+                <a:tc>
+                  <a:txBody>
+                    <a:bodyPr/>
+                    <a:lstStyle/>
+                    <a:p>
+                      <a:pPr algn="ctr" fontAlgn="b"/>
+                      <a:r>
+                        <a:rPr lang="en-US" sz="1000" u="none" strike="noStrike">
+                          <a:effectLst/>
+                        </a:rPr>
+                        <a:t> </a:t>
+                      </a:r>
+                      <a:endParaRPr lang="en-US" sz="1000" b="0" i="0" u="none" strike="noStrike">
+                        <a:solidFill>
+                          <a:srgbClr val="000000"/>
+                        </a:solidFill>
+                        <a:effectLst/>
+                        <a:latin typeface="Calibri"/>
+                      </a:endParaRPr>
+                    </a:p>
+                  </a:txBody>
+                  <a:tcPr marL="7697" marR="7697" marT="7697" marB="0" anchor="b"/>
+                </a:tc>
+              </a:tr>
+              <a:tr h="161642">
+                <a:tc gridSpan="5">
+                  <a:txBody>
+                    <a:bodyPr/>
+                    <a:lstStyle/>
+                    <a:p>
+                      <a:pPr algn="l" fontAlgn="b"/>
+                      <a:r>
+                        <a:rPr lang="en-US" sz="1000" b="1" u="none" strike="noStrike" dirty="0" err="1">
+                          <a:effectLst/>
+                        </a:rPr>
+                        <a:t>Übertragbarkeit</a:t>
+                      </a:r>
+                      <a:endParaRPr lang="en-US" sz="1000" b="1" i="0" u="none" strike="noStrike" dirty="0">
+                        <a:solidFill>
+                          <a:srgbClr val="000000"/>
+                        </a:solidFill>
+                        <a:effectLst/>
+                        <a:latin typeface="Calibri"/>
+                      </a:endParaRPr>
+                    </a:p>
+                  </a:txBody>
+                  <a:tcPr marL="7697" marR="7697" marT="7697" marB="0" anchor="b"/>
+                </a:tc>
+                <a:tc hMerge="1">
+                  <a:txBody>
+                    <a:bodyPr/>
+                    <a:lstStyle/>
+                    <a:p>
+                      <a:endParaRPr lang="en-US"/>
+                    </a:p>
+                  </a:txBody>
+                  <a:tcPr/>
+                </a:tc>
+                <a:tc hMerge="1">
+                  <a:txBody>
+                    <a:bodyPr/>
+                    <a:lstStyle/>
+                    <a:p>
+                      <a:endParaRPr lang="en-US"/>
+                    </a:p>
+                  </a:txBody>
+                  <a:tcPr/>
+                </a:tc>
+                <a:tc hMerge="1">
+                  <a:txBody>
+                    <a:bodyPr/>
+                    <a:lstStyle/>
+                    <a:p>
+                      <a:endParaRPr lang="en-US"/>
+                    </a:p>
+                  </a:txBody>
+                  <a:tcPr/>
+                </a:tc>
+                <a:tc hMerge="1">
+                  <a:txBody>
+                    <a:bodyPr/>
+                    <a:lstStyle/>
+                    <a:p>
+                      <a:endParaRPr lang="en-US"/>
+                    </a:p>
+                  </a:txBody>
+                  <a:tcPr/>
+                </a:tc>
+              </a:tr>
+              <a:tr h="161642">
+                <a:tc>
+                  <a:txBody>
+                    <a:bodyPr/>
+                    <a:lstStyle/>
+                    <a:p>
+                      <a:pPr algn="l" fontAlgn="b"/>
+                      <a:r>
+                        <a:rPr lang="en-US" sz="1000" u="none" strike="noStrike">
+                          <a:effectLst/>
+                        </a:rPr>
+                        <a:t>  Anpassbarkeit</a:t>
+                      </a:r>
+                      <a:endParaRPr lang="en-US" sz="1000" b="0" i="0" u="none" strike="noStrike">
+                        <a:solidFill>
+                          <a:srgbClr val="000000"/>
+                        </a:solidFill>
+                        <a:effectLst/>
+                        <a:latin typeface="Calibri"/>
+                      </a:endParaRPr>
+                    </a:p>
+                  </a:txBody>
+                  <a:tcPr marL="7697" marR="7697" marT="7697" marB="0" anchor="b"/>
+                </a:tc>
+                <a:tc>
+                  <a:txBody>
+                    <a:bodyPr/>
+                    <a:lstStyle/>
+                    <a:p>
+                      <a:pPr algn="ctr" fontAlgn="b"/>
+                      <a:r>
+                        <a:rPr lang="en-US" sz="1000" u="none" strike="noStrike">
+                          <a:effectLst/>
+                        </a:rPr>
+                        <a:t> </a:t>
+                      </a:r>
+                      <a:endParaRPr lang="en-US" sz="1000" b="0" i="0" u="none" strike="noStrike">
+                        <a:solidFill>
+                          <a:srgbClr val="000000"/>
+                        </a:solidFill>
+                        <a:effectLst/>
+                        <a:latin typeface="Calibri"/>
+                      </a:endParaRPr>
+                    </a:p>
+                  </a:txBody>
+                  <a:tcPr marL="7697" marR="7697" marT="7697" marB="0" anchor="b"/>
+                </a:tc>
+                <a:tc>
+                  <a:txBody>
+                    <a:bodyPr/>
+                    <a:lstStyle/>
+                    <a:p>
+                      <a:pPr algn="ctr" fontAlgn="b"/>
+                      <a:r>
+                        <a:rPr lang="en-US" sz="1000" u="none" strike="noStrike">
+                          <a:effectLst/>
+                        </a:rPr>
+                        <a:t> </a:t>
+                      </a:r>
+                      <a:endParaRPr lang="en-US" sz="1000" b="0" i="0" u="none" strike="noStrike">
+                        <a:solidFill>
+                          <a:srgbClr val="000000"/>
+                        </a:solidFill>
+                        <a:effectLst/>
+                        <a:latin typeface="Calibri"/>
+                      </a:endParaRPr>
+                    </a:p>
+                  </a:txBody>
+                  <a:tcPr marL="7697" marR="7697" marT="7697" marB="0" anchor="b"/>
+                </a:tc>
+                <a:tc>
+                  <a:txBody>
+                    <a:bodyPr/>
+                    <a:lstStyle/>
+                    <a:p>
+                      <a:pPr algn="ctr" fontAlgn="b"/>
+                      <a:r>
+                        <a:rPr lang="en-US" sz="1000" u="none" strike="noStrike">
+                          <a:effectLst/>
+                        </a:rPr>
+                        <a:t> </a:t>
+                      </a:r>
+                      <a:endParaRPr lang="en-US" sz="1000" b="0" i="0" u="none" strike="noStrike">
+                        <a:solidFill>
+                          <a:srgbClr val="000000"/>
+                        </a:solidFill>
+                        <a:effectLst/>
+                        <a:latin typeface="Calibri"/>
+                      </a:endParaRPr>
+                    </a:p>
+                  </a:txBody>
+                  <a:tcPr marL="7697" marR="7697" marT="7697" marB="0" anchor="b"/>
+                </a:tc>
+                <a:tc>
+                  <a:txBody>
+                    <a:bodyPr/>
+                    <a:lstStyle/>
+                    <a:p>
+                      <a:pPr algn="ctr" fontAlgn="b"/>
+                      <a:r>
+                        <a:rPr lang="en-US" sz="1000" u="none" strike="noStrike">
+                          <a:effectLst/>
+                        </a:rPr>
+                        <a:t>X</a:t>
+                      </a:r>
+                      <a:endParaRPr lang="en-US" sz="1000" b="0" i="0" u="none" strike="noStrike">
+                        <a:solidFill>
+                          <a:srgbClr val="000000"/>
+                        </a:solidFill>
+                        <a:effectLst/>
+                        <a:latin typeface="Calibri"/>
+                      </a:endParaRPr>
+                    </a:p>
+                  </a:txBody>
+                  <a:tcPr marL="7697" marR="7697" marT="7697" marB="0" anchor="b"/>
+                </a:tc>
+              </a:tr>
+              <a:tr h="161642">
+                <a:tc>
+                  <a:txBody>
+                    <a:bodyPr/>
+                    <a:lstStyle/>
+                    <a:p>
+                      <a:pPr algn="l" fontAlgn="b"/>
+                      <a:r>
+                        <a:rPr lang="en-US" sz="1000" u="none" strike="noStrike">
+                          <a:effectLst/>
+                        </a:rPr>
+                        <a:t>  Installierbarkeit</a:t>
+                      </a:r>
+                      <a:endParaRPr lang="en-US" sz="1000" b="0" i="0" u="none" strike="noStrike">
+                        <a:solidFill>
+                          <a:srgbClr val="000000"/>
+                        </a:solidFill>
+                        <a:effectLst/>
+                        <a:latin typeface="Calibri"/>
+                      </a:endParaRPr>
+                    </a:p>
+                  </a:txBody>
+                  <a:tcPr marL="7697" marR="7697" marT="7697" marB="0" anchor="b"/>
+                </a:tc>
+                <a:tc>
+                  <a:txBody>
+                    <a:bodyPr/>
+                    <a:lstStyle/>
+                    <a:p>
+                      <a:pPr algn="ctr" fontAlgn="b"/>
+                      <a:r>
+                        <a:rPr lang="en-US" sz="1000" u="none" strike="noStrike">
+                          <a:effectLst/>
+                        </a:rPr>
+                        <a:t> </a:t>
+                      </a:r>
+                      <a:endParaRPr lang="en-US" sz="1000" b="0" i="0" u="none" strike="noStrike">
+                        <a:solidFill>
+                          <a:srgbClr val="000000"/>
+                        </a:solidFill>
+                        <a:effectLst/>
+                        <a:latin typeface="Calibri"/>
+                      </a:endParaRPr>
+                    </a:p>
+                  </a:txBody>
+                  <a:tcPr marL="7697" marR="7697" marT="7697" marB="0" anchor="b"/>
+                </a:tc>
+                <a:tc>
+                  <a:txBody>
+                    <a:bodyPr/>
+                    <a:lstStyle/>
+                    <a:p>
+                      <a:pPr algn="ctr" fontAlgn="b"/>
+                      <a:r>
+                        <a:rPr lang="en-US" sz="1000" u="none" strike="noStrike">
+                          <a:effectLst/>
+                        </a:rPr>
+                        <a:t> </a:t>
+                      </a:r>
+                      <a:endParaRPr lang="en-US" sz="1000" b="0" i="0" u="none" strike="noStrike">
+                        <a:solidFill>
+                          <a:srgbClr val="000000"/>
+                        </a:solidFill>
+                        <a:effectLst/>
+                        <a:latin typeface="Calibri"/>
+                      </a:endParaRPr>
+                    </a:p>
+                  </a:txBody>
+                  <a:tcPr marL="7697" marR="7697" marT="7697" marB="0" anchor="b"/>
+                </a:tc>
+                <a:tc>
+                  <a:txBody>
+                    <a:bodyPr/>
+                    <a:lstStyle/>
+                    <a:p>
+                      <a:pPr algn="ctr" fontAlgn="b"/>
+                      <a:r>
+                        <a:rPr lang="en-US" sz="1000" u="none" strike="noStrike">
+                          <a:effectLst/>
+                        </a:rPr>
+                        <a:t> </a:t>
+                      </a:r>
+                      <a:endParaRPr lang="en-US" sz="1000" b="0" i="0" u="none" strike="noStrike">
+                        <a:solidFill>
+                          <a:srgbClr val="000000"/>
+                        </a:solidFill>
+                        <a:effectLst/>
+                        <a:latin typeface="Calibri"/>
+                      </a:endParaRPr>
+                    </a:p>
+                  </a:txBody>
+                  <a:tcPr marL="7697" marR="7697" marT="7697" marB="0" anchor="b"/>
+                </a:tc>
+                <a:tc>
+                  <a:txBody>
+                    <a:bodyPr/>
+                    <a:lstStyle/>
+                    <a:p>
+                      <a:pPr algn="ctr" fontAlgn="b"/>
+                      <a:r>
+                        <a:rPr lang="en-US" sz="1000" u="none" strike="noStrike">
+                          <a:effectLst/>
+                        </a:rPr>
+                        <a:t>X</a:t>
+                      </a:r>
+                      <a:endParaRPr lang="en-US" sz="1000" b="0" i="0" u="none" strike="noStrike">
+                        <a:solidFill>
+                          <a:srgbClr val="000000"/>
+                        </a:solidFill>
+                        <a:effectLst/>
+                        <a:latin typeface="Calibri"/>
+                      </a:endParaRPr>
+                    </a:p>
+                  </a:txBody>
+                  <a:tcPr marL="7697" marR="7697" marT="7697" marB="0" anchor="b"/>
+                </a:tc>
+              </a:tr>
+              <a:tr h="161642">
+                <a:tc>
+                  <a:txBody>
+                    <a:bodyPr/>
+                    <a:lstStyle/>
+                    <a:p>
+                      <a:pPr algn="l" fontAlgn="b"/>
+                      <a:r>
+                        <a:rPr lang="en-US" sz="1000" u="none" strike="noStrike">
+                          <a:effectLst/>
+                        </a:rPr>
+                        <a:t>  Konformität</a:t>
+                      </a:r>
+                      <a:endParaRPr lang="en-US" sz="1000" b="0" i="0" u="none" strike="noStrike">
+                        <a:solidFill>
+                          <a:srgbClr val="000000"/>
+                        </a:solidFill>
+                        <a:effectLst/>
+                        <a:latin typeface="Calibri"/>
+                      </a:endParaRPr>
+                    </a:p>
+                  </a:txBody>
+                  <a:tcPr marL="7697" marR="7697" marT="7697" marB="0" anchor="b"/>
+                </a:tc>
+                <a:tc>
+                  <a:txBody>
+                    <a:bodyPr/>
+                    <a:lstStyle/>
+                    <a:p>
+                      <a:pPr algn="ctr" fontAlgn="b"/>
+                      <a:r>
+                        <a:rPr lang="en-US" sz="1000" u="none" strike="noStrike">
+                          <a:effectLst/>
+                        </a:rPr>
+                        <a:t> </a:t>
+                      </a:r>
+                      <a:endParaRPr lang="en-US" sz="1000" b="0" i="0" u="none" strike="noStrike">
+                        <a:solidFill>
+                          <a:srgbClr val="000000"/>
+                        </a:solidFill>
+                        <a:effectLst/>
+                        <a:latin typeface="Calibri"/>
+                      </a:endParaRPr>
+                    </a:p>
+                  </a:txBody>
+                  <a:tcPr marL="7697" marR="7697" marT="7697" marB="0" anchor="b"/>
+                </a:tc>
+                <a:tc>
+                  <a:txBody>
+                    <a:bodyPr/>
+                    <a:lstStyle/>
+                    <a:p>
+                      <a:pPr algn="ctr" fontAlgn="b"/>
+                      <a:r>
+                        <a:rPr lang="en-US" sz="1000" u="none" strike="noStrike">
+                          <a:effectLst/>
+                        </a:rPr>
+                        <a:t> </a:t>
+                      </a:r>
+                      <a:endParaRPr lang="en-US" sz="1000" b="0" i="0" u="none" strike="noStrike">
+                        <a:solidFill>
+                          <a:srgbClr val="000000"/>
+                        </a:solidFill>
+                        <a:effectLst/>
+                        <a:latin typeface="Calibri"/>
+                      </a:endParaRPr>
+                    </a:p>
+                  </a:txBody>
+                  <a:tcPr marL="7697" marR="7697" marT="7697" marB="0" anchor="b"/>
+                </a:tc>
+                <a:tc>
+                  <a:txBody>
+                    <a:bodyPr/>
+                    <a:lstStyle/>
+                    <a:p>
+                      <a:pPr algn="ctr" fontAlgn="b"/>
+                      <a:r>
+                        <a:rPr lang="en-US" sz="1000" u="none" strike="noStrike">
+                          <a:effectLst/>
+                        </a:rPr>
+                        <a:t>X</a:t>
+                      </a:r>
+                      <a:endParaRPr lang="en-US" sz="1000" b="0" i="0" u="none" strike="noStrike">
+                        <a:solidFill>
+                          <a:srgbClr val="000000"/>
+                        </a:solidFill>
+                        <a:effectLst/>
+                        <a:latin typeface="Calibri"/>
+                      </a:endParaRPr>
+                    </a:p>
+                  </a:txBody>
+                  <a:tcPr marL="7697" marR="7697" marT="7697" marB="0" anchor="b"/>
+                </a:tc>
+                <a:tc>
+                  <a:txBody>
+                    <a:bodyPr/>
+                    <a:lstStyle/>
+                    <a:p>
+                      <a:pPr algn="ctr" fontAlgn="b"/>
+                      <a:r>
+                        <a:rPr lang="en-US" sz="1000" u="none" strike="noStrike">
+                          <a:effectLst/>
+                        </a:rPr>
+                        <a:t> </a:t>
+                      </a:r>
+                      <a:endParaRPr lang="en-US" sz="1000" b="0" i="0" u="none" strike="noStrike">
+                        <a:solidFill>
+                          <a:srgbClr val="000000"/>
+                        </a:solidFill>
+                        <a:effectLst/>
+                        <a:latin typeface="Calibri"/>
+                      </a:endParaRPr>
+                    </a:p>
+                  </a:txBody>
+                  <a:tcPr marL="7697" marR="7697" marT="7697" marB="0" anchor="b"/>
+                </a:tc>
+              </a:tr>
+              <a:tr h="161642">
+                <a:tc>
+                  <a:txBody>
+                    <a:bodyPr/>
+                    <a:lstStyle/>
+                    <a:p>
+                      <a:pPr algn="l" fontAlgn="b"/>
+                      <a:r>
+                        <a:rPr lang="en-US" sz="1000" u="none" strike="noStrike">
+                          <a:effectLst/>
+                        </a:rPr>
+                        <a:t>  Austauschbarkeit</a:t>
+                      </a:r>
+                      <a:endParaRPr lang="en-US" sz="1000" b="0" i="0" u="none" strike="noStrike">
+                        <a:solidFill>
+                          <a:srgbClr val="000000"/>
+                        </a:solidFill>
+                        <a:effectLst/>
+                        <a:latin typeface="Calibri"/>
+                      </a:endParaRPr>
+                    </a:p>
+                  </a:txBody>
+                  <a:tcPr marL="7697" marR="7697" marT="7697" marB="0" anchor="b"/>
+                </a:tc>
+                <a:tc>
+                  <a:txBody>
+                    <a:bodyPr/>
+                    <a:lstStyle/>
+                    <a:p>
+                      <a:pPr algn="ctr" fontAlgn="b"/>
+                      <a:r>
+                        <a:rPr lang="en-US" sz="1000" u="none" strike="noStrike">
+                          <a:effectLst/>
+                        </a:rPr>
+                        <a:t> </a:t>
+                      </a:r>
+                      <a:endParaRPr lang="en-US" sz="1000" b="0" i="0" u="none" strike="noStrike">
+                        <a:solidFill>
+                          <a:srgbClr val="000000"/>
+                        </a:solidFill>
+                        <a:effectLst/>
+                        <a:latin typeface="Calibri"/>
+                      </a:endParaRPr>
+                    </a:p>
+                  </a:txBody>
+                  <a:tcPr marL="7697" marR="7697" marT="7697" marB="0" anchor="b"/>
+                </a:tc>
+                <a:tc>
+                  <a:txBody>
+                    <a:bodyPr/>
+                    <a:lstStyle/>
+                    <a:p>
+                      <a:pPr algn="ctr" fontAlgn="b"/>
+                      <a:r>
+                        <a:rPr lang="en-US" sz="1000" u="none" strike="noStrike">
+                          <a:effectLst/>
+                        </a:rPr>
+                        <a:t> </a:t>
+                      </a:r>
+                      <a:endParaRPr lang="en-US" sz="1000" b="0" i="0" u="none" strike="noStrike">
+                        <a:solidFill>
+                          <a:srgbClr val="000000"/>
+                        </a:solidFill>
+                        <a:effectLst/>
+                        <a:latin typeface="Calibri"/>
+                      </a:endParaRPr>
+                    </a:p>
+                  </a:txBody>
+                  <a:tcPr marL="7697" marR="7697" marT="7697" marB="0" anchor="b"/>
+                </a:tc>
+                <a:tc>
+                  <a:txBody>
+                    <a:bodyPr/>
+                    <a:lstStyle/>
+                    <a:p>
+                      <a:pPr algn="ctr" fontAlgn="b"/>
+                      <a:r>
+                        <a:rPr lang="en-US" sz="1000" u="none" strike="noStrike">
+                          <a:effectLst/>
+                        </a:rPr>
+                        <a:t> </a:t>
+                      </a:r>
+                      <a:endParaRPr lang="en-US" sz="1000" b="0" i="0" u="none" strike="noStrike">
+                        <a:solidFill>
+                          <a:srgbClr val="000000"/>
+                        </a:solidFill>
+                        <a:effectLst/>
+                        <a:latin typeface="Calibri"/>
+                      </a:endParaRPr>
+                    </a:p>
+                  </a:txBody>
+                  <a:tcPr marL="7697" marR="7697" marT="7697" marB="0" anchor="b"/>
+                </a:tc>
+                <a:tc>
+                  <a:txBody>
+                    <a:bodyPr/>
+                    <a:lstStyle/>
+                    <a:p>
+                      <a:pPr algn="ctr" fontAlgn="b"/>
+                      <a:r>
+                        <a:rPr lang="en-US" sz="1000" u="none" strike="noStrike" dirty="0">
+                          <a:effectLst/>
+                        </a:rPr>
+                        <a:t>X</a:t>
+                      </a:r>
+                      <a:endParaRPr lang="en-US" sz="1000" b="0" i="0" u="none" strike="noStrike" dirty="0">
+                        <a:solidFill>
+                          <a:srgbClr val="000000"/>
+                        </a:solidFill>
+                        <a:effectLst/>
+                        <a:latin typeface="Calibri"/>
+                      </a:endParaRPr>
+                    </a:p>
+                  </a:txBody>
+                  <a:tcPr marL="7697" marR="7697" marT="7697" marB="0" anchor="b"/>
+                </a:tc>
+              </a:tr>
+            </a:tbl>
+          </a:graphicData>
+        </a:graphic>
+      </p:graphicFrame>
+    </p:spTree>
+    <p:extLst>
+      <p:ext uri="{BB962C8B-B14F-4D97-AF65-F5344CB8AC3E}">
+        <p14:creationId xmlns:p14="http://schemas.microsoft.com/office/powerpoint/2010/main" val="4257276316"/>
+      </p:ext>
+    </p:extLst>
+  </p:cSld>
+  <p:clrMapOvr>
+    <a:masterClrMapping/>
+  </p:clrMapOvr>
+  <p:timing>
+    <p:tnLst>
+      <p:par>
+        <p:cTn id="1" dur="indefinite" restart="never" nodeType="tmRoot"/>
+      </p:par>
+    </p:tnLst>
+  </p:timing>
+</p:sld>
+</file>
+
+<file path=ppt/slides/slide12.xml><?xml version="1.0" encoding="utf-8"?>
+<p:sld xmlns:a="http://schemas.openxmlformats.org/drawingml/2006/main" xmlns:r="http://schemas.openxmlformats.org/officeDocument/2006/relationships" xmlns:p="http://schemas.openxmlformats.org/presentationml/2006/main">
+  <p:cSld>
+    <p:spTree>
+      <p:nvGrpSpPr>
+        <p:cNvPr id="1" name=""/>
+        <p:cNvGrpSpPr/>
+        <p:nvPr/>
+      </p:nvGrpSpPr>
+      <p:grpSpPr>
+        <a:xfrm>
+          <a:off x="0" y="0"/>
+          <a:ext cx="0" cy="0"/>
+          <a:chOff x="0" y="0"/>
+          <a:chExt cx="0" cy="0"/>
+        </a:xfrm>
+      </p:grpSpPr>
+      <p:sp>
+        <p:nvSpPr>
+          <p:cNvPr id="2" name="Title 1"/>
+          <p:cNvSpPr>
+            <a:spLocks noGrp="1"/>
+          </p:cNvSpPr>
+          <p:nvPr>
+            <p:ph type="title"/>
+          </p:nvPr>
+        </p:nvSpPr>
+        <p:spPr/>
+        <p:txBody>
+          <a:bodyPr/>
+          <a:lstStyle/>
+          <a:p>
+            <a:r>
+              <a:rPr lang="de-DE" dirty="0" smtClean="0"/>
               <a:t>Hard-, Soft-, </a:t>
             </a:r>
             <a:r>
@@ -7103,7 +7194,7 @@
 </p:sld>
 </file>
 
-<file path=ppt/slides/slide12.xml><?xml version="1.0" encoding="utf-8"?>
+<file path=ppt/slides/slide13.xml><?xml version="1.0" encoding="utf-8"?>
 <p:sld xmlns:a="http://schemas.openxmlformats.org/drawingml/2006/main" xmlns:r="http://schemas.openxmlformats.org/officeDocument/2006/relationships" xmlns:p="http://schemas.openxmlformats.org/presentationml/2006/main">
   <p:cSld>
     <p:spTree>
@@ -7440,135 +7531,6 @@
           <a:p>
             <a:r>
               <a:rPr lang="de-DE" dirty="0" smtClean="0"/>
-              <a:t>1. Organisatorisches</a:t>
-            </a:r>
-            <a:endParaRPr lang="en-US" dirty="0"/>
-          </a:p>
-        </p:txBody>
-      </p:sp>
-      <p:sp>
-        <p:nvSpPr>
-          <p:cNvPr id="3" name="Content Placeholder 2"/>
-          <p:cNvSpPr>
-            <a:spLocks noGrp="1"/>
-          </p:cNvSpPr>
-          <p:nvPr>
-            <p:ph idx="1"/>
-          </p:nvPr>
-        </p:nvSpPr>
-        <p:spPr/>
-        <p:txBody>
-          <a:bodyPr>
-            <a:normAutofit/>
-          </a:bodyPr>
-          <a:lstStyle/>
-          <a:p>
-            <a:r>
-              <a:rPr lang="de-DE" sz="2400" dirty="0" smtClean="0"/>
-              <a:t>Ausschreiben der Aufgabe „Bewertungssystem“</a:t>
-            </a:r>
-          </a:p>
-          <a:p>
-            <a:endParaRPr lang="de-DE" sz="2400" dirty="0" smtClean="0"/>
-          </a:p>
-          <a:p>
-            <a:r>
-              <a:rPr lang="de-DE" sz="2400" dirty="0" smtClean="0"/>
-              <a:t>Grünes Licht vom Ministerium</a:t>
-            </a:r>
-          </a:p>
-          <a:p>
-            <a:endParaRPr lang="de-DE" sz="2400" dirty="0" smtClean="0"/>
-          </a:p>
-          <a:p>
-            <a:r>
-              <a:rPr lang="de-DE" sz="2400" dirty="0" smtClean="0"/>
-              <a:t>Finanzierung geklärt</a:t>
-            </a:r>
-          </a:p>
-          <a:p>
-            <a:endParaRPr lang="de-DE" sz="2400" dirty="0" smtClean="0"/>
-          </a:p>
-          <a:p>
-            <a:r>
-              <a:rPr lang="de-DE" sz="2400" dirty="0" smtClean="0"/>
-              <a:t>Personal-, Material- und Forschungskosten übernimmt die Hochschule</a:t>
-            </a:r>
-          </a:p>
-          <a:p>
-            <a:pPr marL="0" indent="0">
-              <a:buNone/>
-            </a:pPr>
-            <a:endParaRPr lang="de-DE" sz="2400" dirty="0" smtClean="0"/>
-          </a:p>
-          <a:p>
-            <a:r>
-              <a:rPr lang="de-DE" sz="2400" dirty="0" smtClean="0"/>
-              <a:t>Zeitfenster liegt innerhalb eines Jahres</a:t>
-            </a:r>
-          </a:p>
-          <a:p>
-            <a:pPr marL="0" indent="0">
-              <a:buNone/>
-            </a:pPr>
-            <a:endParaRPr lang="en-US" sz="2000" dirty="0"/>
-          </a:p>
-        </p:txBody>
-      </p:sp>
-    </p:spTree>
-    <p:extLst>
-      <p:ext uri="{BB962C8B-B14F-4D97-AF65-F5344CB8AC3E}">
-        <p14:creationId xmlns:p14="http://schemas.microsoft.com/office/powerpoint/2010/main" val="3587200055"/>
-      </p:ext>
-    </p:extLst>
-  </p:cSld>
-  <p:clrMapOvr>
-    <a:masterClrMapping/>
-  </p:clrMapOvr>
-  <p:timing>
-    <p:tnLst>
-      <p:par>
-        <p:cTn id="1" dur="indefinite" restart="never" nodeType="tmRoot"/>
-      </p:par>
-    </p:tnLst>
-  </p:timing>
-</p:sld>
-</file>
-
-<file path=ppt/slides/slide4.xml><?xml version="1.0" encoding="utf-8"?>
-<p:sld xmlns:a="http://schemas.openxmlformats.org/drawingml/2006/main" xmlns:r="http://schemas.openxmlformats.org/officeDocument/2006/relationships" xmlns:p="http://schemas.openxmlformats.org/presentationml/2006/main">
-  <p:cSld>
-    <p:spTree>
-      <p:nvGrpSpPr>
-        <p:cNvPr id="1" name=""/>
-        <p:cNvGrpSpPr/>
-        <p:nvPr/>
-      </p:nvGrpSpPr>
-      <p:grpSpPr>
-        <a:xfrm>
-          <a:off x="0" y="0"/>
-          <a:ext cx="0" cy="0"/>
-          <a:chOff x="0" y="0"/>
-          <a:chExt cx="0" cy="0"/>
-        </a:xfrm>
-      </p:grpSpPr>
-      <p:sp>
-        <p:nvSpPr>
-          <p:cNvPr id="2" name="Title 1"/>
-          <p:cNvSpPr>
-            <a:spLocks noGrp="1"/>
-          </p:cNvSpPr>
-          <p:nvPr>
-            <p:ph type="title"/>
-          </p:nvPr>
-        </p:nvSpPr>
-        <p:spPr/>
-        <p:txBody>
-          <a:bodyPr/>
-          <a:lstStyle/>
-          <a:p>
-            <a:r>
-              <a:rPr lang="de-DE" dirty="0" smtClean="0"/>
               <a:t>1. Auftrag</a:t>
             </a:r>
             <a:endParaRPr lang="en-US" dirty="0"/>
@@ -7653,7 +7615,7 @@
 </p:sld>
 </file>
 
-<file path=ppt/slides/slide5.xml><?xml version="1.0" encoding="utf-8"?>
+<file path=ppt/slides/slide4.xml><?xml version="1.0" encoding="utf-8"?>
 <p:sld xmlns:a="http://schemas.openxmlformats.org/drawingml/2006/main" xmlns:r="http://schemas.openxmlformats.org/officeDocument/2006/relationships" xmlns:p="http://schemas.openxmlformats.org/presentationml/2006/main">
   <p:cSld>
     <p:spTree>
@@ -7743,7 +7705,7 @@
 </p:sld>
 </file>
 
-<file path=ppt/slides/slide6.xml><?xml version="1.0" encoding="utf-8"?>
+<file path=ppt/slides/slide5.xml><?xml version="1.0" encoding="utf-8"?>
 <p:sld xmlns:a="http://schemas.openxmlformats.org/drawingml/2006/main" xmlns:r="http://schemas.openxmlformats.org/officeDocument/2006/relationships" xmlns:p="http://schemas.openxmlformats.org/presentationml/2006/main">
   <p:cSld>
     <p:spTree>
@@ -7785,13 +7747,11 @@
       </p:sp>
       <p:pic>
         <p:nvPicPr>
-          <p:cNvPr id="4" name="Content Placeholder 3"/>
+          <p:cNvPr id="9" name="Picture 8"/>
           <p:cNvPicPr>
-            <a:picLocks noGrp="1" noChangeAspect="1"/>
+            <a:picLocks noChangeAspect="1"/>
           </p:cNvPicPr>
-          <p:nvPr>
-            <p:ph idx="1"/>
-          </p:nvPr>
+          <p:nvPr/>
         </p:nvPicPr>
         <p:blipFill>
           <a:blip r:embed="rId2">
@@ -7807,45 +7767,55 @@
         </p:blipFill>
         <p:spPr>
           <a:xfrm>
-            <a:off x="4211960" y="2132856"/>
-            <a:ext cx="1619250" cy="3933825"/>
-          </a:xfrm>
-        </p:spPr>
-      </p:pic>
-      <p:sp>
-        <p:nvSpPr>
-          <p:cNvPr id="5" name="TextBox 4"/>
-          <p:cNvSpPr txBox="1"/>
-          <p:nvPr/>
-        </p:nvSpPr>
-        <p:spPr>
-          <a:xfrm>
-            <a:off x="5940152" y="2060848"/>
-            <a:ext cx="2448272" cy="1200329"/>
+            <a:off x="899591" y="1241090"/>
+            <a:ext cx="7751805" cy="5206314"/>
           </a:xfrm>
           <a:prstGeom prst="rect">
             <a:avLst/>
           </a:prstGeom>
-          <a:noFill/>
         </p:spPr>
-        <p:txBody>
-          <a:bodyPr wrap="square" rtlCol="0">
-            <a:spAutoFit/>
-          </a:bodyPr>
-          <a:lstStyle/>
-          <a:p>
-            <a:r>
-              <a:rPr lang="de-DE" dirty="0" smtClean="0"/>
-              <a:t>Hier wird erklärt was genau unsere Teilaufgabe machen soll. </a:t>
-            </a:r>
-            <a:endParaRPr lang="en-US" dirty="0"/>
-          </a:p>
-        </p:txBody>
-      </p:sp>
+      </p:pic>
     </p:spTree>
     <p:extLst>
       <p:ext uri="{BB962C8B-B14F-4D97-AF65-F5344CB8AC3E}">
         <p14:creationId xmlns:p14="http://schemas.microsoft.com/office/powerpoint/2010/main" val="643768339"/>
+      </p:ext>
+    </p:extLst>
+  </p:cSld>
+  <p:clrMapOvr>
+    <a:masterClrMapping/>
+  </p:clrMapOvr>
+  <p:timing>
+    <p:tnLst>
+      <p:par>
+        <p:cTn id="1" dur="indefinite" restart="never" nodeType="tmRoot"/>
+      </p:par>
+    </p:tnLst>
+  </p:timing>
+</p:sld>
+</file>
+
+<file path=ppt/slides/slide6.xml><?xml version="1.0" encoding="utf-8"?>
+<p:sld xmlns:a="http://schemas.openxmlformats.org/drawingml/2006/main" xmlns:r="http://schemas.openxmlformats.org/officeDocument/2006/relationships" xmlns:p="http://schemas.openxmlformats.org/presentationml/2006/main">
+  <p:cSld>
+    <p:spTree>
+      <p:nvGrpSpPr>
+        <p:cNvPr id="1" name=""/>
+        <p:cNvGrpSpPr/>
+        <p:nvPr/>
+      </p:nvGrpSpPr>
+      <p:grpSpPr>
+        <a:xfrm>
+          <a:off x="0" y="0"/>
+          <a:ext cx="0" cy="0"/>
+          <a:chOff x="0" y="0"/>
+          <a:chExt cx="0" cy="0"/>
+        </a:xfrm>
+      </p:grpSpPr>
+    </p:spTree>
+    <p:extLst>
+      <p:ext uri="{BB962C8B-B14F-4D97-AF65-F5344CB8AC3E}">
+        <p14:creationId xmlns:p14="http://schemas.microsoft.com/office/powerpoint/2010/main" val="3746592137"/>
       </p:ext>
     </p:extLst>
   </p:cSld>
@@ -7889,28 +7859,38 @@
             <p:ph type="title"/>
           </p:nvPr>
         </p:nvSpPr>
-        <p:spPr>
-          <a:xfrm>
-            <a:off x="539552" y="2348880"/>
-            <a:ext cx="8229600" cy="1143000"/>
-          </a:xfrm>
-        </p:spPr>
+        <p:spPr/>
         <p:txBody>
           <a:bodyPr/>
           <a:lstStyle/>
           <a:p>
-            <a:r>
-              <a:rPr lang="de-DE" dirty="0" smtClean="0"/>
-              <a:t>2. Unsere Ideen </a:t>
-            </a:r>
-            <a:endParaRPr lang="en-US" dirty="0"/>
+            <a:endParaRPr lang="en-US"/>
+          </a:p>
+        </p:txBody>
+      </p:sp>
+      <p:sp>
+        <p:nvSpPr>
+          <p:cNvPr id="3" name="Content Placeholder 2"/>
+          <p:cNvSpPr>
+            <a:spLocks noGrp="1"/>
+          </p:cNvSpPr>
+          <p:nvPr>
+            <p:ph idx="1"/>
+          </p:nvPr>
+        </p:nvSpPr>
+        <p:spPr/>
+        <p:txBody>
+          <a:bodyPr/>
+          <a:lstStyle/>
+          <a:p>
+            <a:endParaRPr lang="en-US"/>
           </a:p>
         </p:txBody>
       </p:sp>
     </p:spTree>
     <p:extLst>
       <p:ext uri="{BB962C8B-B14F-4D97-AF65-F5344CB8AC3E}">
-        <p14:creationId xmlns:p14="http://schemas.microsoft.com/office/powerpoint/2010/main" val="906831046"/>
+        <p14:creationId xmlns:p14="http://schemas.microsoft.com/office/powerpoint/2010/main" val="3070652207"/>
       </p:ext>
     </p:extLst>
   </p:cSld>
@@ -7954,349 +7934,28 @@
             <p:ph type="title"/>
           </p:nvPr>
         </p:nvSpPr>
-        <p:spPr/>
+        <p:spPr>
+          <a:xfrm>
+            <a:off x="539552" y="2348880"/>
+            <a:ext cx="8229600" cy="1143000"/>
+          </a:xfrm>
+        </p:spPr>
         <p:txBody>
           <a:bodyPr/>
           <a:lstStyle/>
           <a:p>
             <a:r>
               <a:rPr lang="de-DE" dirty="0" smtClean="0"/>
-              <a:t>Muss- und Abgrenzungskriterien</a:t>
+              <a:t>2. Unsere Ideen </a:t>
             </a:r>
             <a:endParaRPr lang="en-US" dirty="0"/>
           </a:p>
         </p:txBody>
       </p:sp>
-      <p:graphicFrame>
-        <p:nvGraphicFramePr>
-          <p:cNvPr id="5" name="Table 4"/>
-          <p:cNvGraphicFramePr>
-            <a:graphicFrameLocks noGrp="1"/>
-          </p:cNvGraphicFramePr>
-          <p:nvPr>
-            <p:extLst>
-              <p:ext uri="{D42A27DB-BD31-4B8C-83A1-F6EECF244321}">
-                <p14:modId xmlns:p14="http://schemas.microsoft.com/office/powerpoint/2010/main" val="4032260677"/>
-              </p:ext>
-            </p:extLst>
-          </p:nvPr>
-        </p:nvGraphicFramePr>
-        <p:xfrm>
-          <a:off x="827583" y="1628800"/>
-          <a:ext cx="7416825" cy="3032760"/>
-        </p:xfrm>
-        <a:graphic>
-          <a:graphicData uri="http://schemas.openxmlformats.org/drawingml/2006/table">
-            <a:tbl>
-              <a:tblPr firstRow="1" bandRow="1">
-                <a:tableStyleId>{5C22544A-7EE6-4342-B048-85BDC9FD1C3A}</a:tableStyleId>
-              </a:tblPr>
-              <a:tblGrid>
-                <a:gridCol w="2472275"/>
-                <a:gridCol w="2472275"/>
-                <a:gridCol w="2472275"/>
-              </a:tblGrid>
-              <a:tr h="370840">
-                <a:tc>
-                  <a:txBody>
-                    <a:bodyPr/>
-                    <a:lstStyle/>
-                    <a:p>
-                      <a:r>
-                        <a:rPr lang="de-DE" dirty="0" smtClean="0"/>
-                        <a:t>Musskriterien</a:t>
-                      </a:r>
-                      <a:endParaRPr lang="en-US" dirty="0"/>
-                    </a:p>
-                  </a:txBody>
-                  <a:tcPr/>
-                </a:tc>
-                <a:tc>
-                  <a:txBody>
-                    <a:bodyPr/>
-                    <a:lstStyle/>
-                    <a:p>
-                      <a:r>
-                        <a:rPr lang="de-DE" dirty="0" smtClean="0"/>
-                        <a:t>Wunschkriterien</a:t>
-                      </a:r>
-                      <a:endParaRPr lang="en-US" dirty="0"/>
-                    </a:p>
-                  </a:txBody>
-                  <a:tcPr/>
-                </a:tc>
-                <a:tc>
-                  <a:txBody>
-                    <a:bodyPr/>
-                    <a:lstStyle/>
-                    <a:p>
-                      <a:r>
-                        <a:rPr lang="de-DE" dirty="0" smtClean="0"/>
-                        <a:t>Abgrenzungskriterien</a:t>
-                      </a:r>
-                      <a:endParaRPr lang="en-US" dirty="0"/>
-                    </a:p>
-                  </a:txBody>
-                  <a:tcPr/>
-                </a:tc>
-              </a:tr>
-              <a:tr h="370840">
-                <a:tc>
-                  <a:txBody>
-                    <a:bodyPr/>
-                    <a:lstStyle/>
-                    <a:p>
-                      <a:r>
-                        <a:rPr lang="de-DE" dirty="0" smtClean="0"/>
-                        <a:t>Schutz der Daten</a:t>
-                      </a:r>
-                      <a:endParaRPr lang="en-US" dirty="0"/>
-                    </a:p>
-                  </a:txBody>
-                  <a:tcPr/>
-                </a:tc>
-                <a:tc>
-                  <a:txBody>
-                    <a:bodyPr/>
-                    <a:lstStyle/>
-                    <a:p>
-                      <a:r>
-                        <a:rPr lang="de-DE" dirty="0" smtClean="0"/>
-                        <a:t>Einbinden von Add-</a:t>
-                      </a:r>
-                      <a:r>
-                        <a:rPr lang="de-DE" dirty="0" err="1" smtClean="0"/>
-                        <a:t>Ons</a:t>
-                      </a:r>
-                      <a:endParaRPr lang="en-US" dirty="0"/>
-                    </a:p>
-                  </a:txBody>
-                  <a:tcPr/>
-                </a:tc>
-                <a:tc>
-                  <a:txBody>
-                    <a:bodyPr/>
-                    <a:lstStyle/>
-                    <a:p>
-                      <a:r>
-                        <a:rPr lang="de-DE" dirty="0" smtClean="0"/>
-                        <a:t>Kein Vergleich</a:t>
-                      </a:r>
-                      <a:r>
-                        <a:rPr lang="de-DE" baseline="0" dirty="0" smtClean="0"/>
-                        <a:t> der Studenten</a:t>
-                      </a:r>
-                      <a:endParaRPr lang="en-US" dirty="0"/>
-                    </a:p>
-                  </a:txBody>
-                  <a:tcPr/>
-                </a:tc>
-              </a:tr>
-              <a:tr h="370840">
-                <a:tc>
-                  <a:txBody>
-                    <a:bodyPr/>
-                    <a:lstStyle/>
-                    <a:p>
-                      <a:pPr marL="0" marR="0" indent="0" algn="l" defTabSz="914400" rtl="0" eaLnBrk="1" fontAlgn="auto" latinLnBrk="0" hangingPunct="1">
-                        <a:lnSpc>
-                          <a:spcPct val="100000"/>
-                        </a:lnSpc>
-                        <a:spcBef>
-                          <a:spcPts val="0"/>
-                        </a:spcBef>
-                        <a:spcAft>
-                          <a:spcPts val="0"/>
-                        </a:spcAft>
-                        <a:buClrTx/>
-                        <a:buSzTx/>
-                        <a:buFontTx/>
-                        <a:buNone/>
-                        <a:tabLst/>
-                        <a:defRPr/>
-                      </a:pPr>
-                      <a:r>
-                        <a:rPr lang="de-DE" dirty="0" smtClean="0"/>
-                        <a:t>Prüfer setzt</a:t>
-                      </a:r>
-                      <a:r>
-                        <a:rPr lang="de-DE" baseline="0" dirty="0" smtClean="0"/>
-                        <a:t> die Gewichtung</a:t>
-                      </a:r>
-                      <a:endParaRPr lang="en-US" dirty="0" smtClean="0"/>
-                    </a:p>
-                  </a:txBody>
-                  <a:tcPr/>
-                </a:tc>
-                <a:tc>
-                  <a:txBody>
-                    <a:bodyPr/>
-                    <a:lstStyle/>
-                    <a:p>
-                      <a:r>
-                        <a:rPr lang="de-DE" dirty="0" smtClean="0"/>
-                        <a:t>Zugriff</a:t>
-                      </a:r>
-                      <a:r>
-                        <a:rPr lang="de-DE" baseline="0" dirty="0" smtClean="0"/>
-                        <a:t> durch mobile Geräte</a:t>
-                      </a:r>
-                      <a:endParaRPr lang="en-US" dirty="0"/>
-                    </a:p>
-                  </a:txBody>
-                  <a:tcPr/>
-                </a:tc>
-                <a:tc>
-                  <a:txBody>
-                    <a:bodyPr/>
-                    <a:lstStyle/>
-                    <a:p>
-                      <a:r>
-                        <a:rPr lang="de-DE" dirty="0" smtClean="0"/>
-                        <a:t>Kein Austausch</a:t>
-                      </a:r>
-                      <a:r>
-                        <a:rPr lang="de-DE" baseline="0" dirty="0" smtClean="0"/>
-                        <a:t> von Prüfer</a:t>
-                      </a:r>
-                      <a:endParaRPr lang="en-US" dirty="0"/>
-                    </a:p>
-                  </a:txBody>
-                  <a:tcPr/>
-                </a:tc>
-              </a:tr>
-              <a:tr h="370840">
-                <a:tc>
-                  <a:txBody>
-                    <a:bodyPr/>
-                    <a:lstStyle/>
-                    <a:p>
-                      <a:r>
-                        <a:rPr lang="de-DE" dirty="0" smtClean="0"/>
-                        <a:t>Windowslauffähigkeit</a:t>
-                      </a:r>
-                      <a:endParaRPr lang="en-US" dirty="0"/>
-                    </a:p>
-                  </a:txBody>
-                  <a:tcPr/>
-                </a:tc>
-                <a:tc>
-                  <a:txBody>
-                    <a:bodyPr/>
-                    <a:lstStyle/>
-                    <a:p>
-                      <a:r>
-                        <a:rPr lang="de-DE" dirty="0" smtClean="0"/>
-                        <a:t>iOS-App</a:t>
-                      </a:r>
-                      <a:endParaRPr lang="en-US" dirty="0"/>
-                    </a:p>
-                  </a:txBody>
-                  <a:tcPr/>
-                </a:tc>
-                <a:tc>
-                  <a:txBody>
-                    <a:bodyPr/>
-                    <a:lstStyle/>
-                    <a:p>
-                      <a:endParaRPr lang="en-US" dirty="0"/>
-                    </a:p>
-                  </a:txBody>
-                  <a:tcPr/>
-                </a:tc>
-              </a:tr>
-              <a:tr h="370840">
-                <a:tc>
-                  <a:txBody>
-                    <a:bodyPr/>
-                    <a:lstStyle/>
-                    <a:p>
-                      <a:r>
-                        <a:rPr lang="de-DE" dirty="0" smtClean="0"/>
-                        <a:t>Einfache Bedienung </a:t>
-                      </a:r>
-                      <a:endParaRPr lang="en-US" dirty="0"/>
-                    </a:p>
-                  </a:txBody>
-                  <a:tcPr/>
-                </a:tc>
-                <a:tc>
-                  <a:txBody>
-                    <a:bodyPr/>
-                    <a:lstStyle/>
-                    <a:p>
-                      <a:endParaRPr lang="en-US" dirty="0"/>
-                    </a:p>
-                  </a:txBody>
-                  <a:tcPr/>
-                </a:tc>
-                <a:tc>
-                  <a:txBody>
-                    <a:bodyPr/>
-                    <a:lstStyle/>
-                    <a:p>
-                      <a:endParaRPr lang="en-US" dirty="0"/>
-                    </a:p>
-                  </a:txBody>
-                  <a:tcPr/>
-                </a:tc>
-              </a:tr>
-              <a:tr h="370840">
-                <a:tc>
-                  <a:txBody>
-                    <a:bodyPr/>
-                    <a:lstStyle/>
-                    <a:p>
-                      <a:r>
-                        <a:rPr lang="de-DE" dirty="0" smtClean="0"/>
-                        <a:t>Student</a:t>
-                      </a:r>
-                      <a:r>
-                        <a:rPr lang="de-DE" baseline="0" dirty="0" smtClean="0"/>
-                        <a:t> kann </a:t>
-                      </a:r>
-                      <a:r>
-                        <a:rPr lang="de-DE" baseline="0" dirty="0" err="1" smtClean="0"/>
-                        <a:t>Socre</a:t>
-                      </a:r>
-                      <a:r>
-                        <a:rPr lang="de-DE" baseline="0" dirty="0" smtClean="0"/>
-                        <a:t> einsehen</a:t>
-                      </a:r>
-                      <a:endParaRPr lang="en-US" dirty="0"/>
-                    </a:p>
-                  </a:txBody>
-                  <a:tcPr/>
-                </a:tc>
-                <a:tc>
-                  <a:txBody>
-                    <a:bodyPr/>
-                    <a:lstStyle/>
-                    <a:p>
-                      <a:endParaRPr lang="en-US"/>
-                    </a:p>
-                  </a:txBody>
-                  <a:tcPr/>
-                </a:tc>
-                <a:tc>
-                  <a:txBody>
-                    <a:bodyPr/>
-                    <a:lstStyle/>
-                    <a:p>
-                      <a:endParaRPr lang="en-US" dirty="0"/>
-                    </a:p>
-                  </a:txBody>
-                  <a:tcPr/>
-                </a:tc>
-              </a:tr>
-            </a:tbl>
-          </a:graphicData>
-        </a:graphic>
-      </p:graphicFrame>
     </p:spTree>
     <p:extLst>
       <p:ext uri="{BB962C8B-B14F-4D97-AF65-F5344CB8AC3E}">
-        <p14:creationId xmlns:p14="http://schemas.microsoft.com/office/powerpoint/2010/main" val="4203467760"/>
+        <p14:creationId xmlns:p14="http://schemas.microsoft.com/office/powerpoint/2010/main" val="906831046"/>
       </p:ext>
     </p:extLst>
   </p:cSld>
@@ -8347,46 +8006,342 @@
           <a:p>
             <a:r>
               <a:rPr lang="de-DE" dirty="0" smtClean="0"/>
-              <a:t>Zielgruppen</a:t>
+              <a:t>Muss- und Abgrenzungskriterien</a:t>
             </a:r>
             <a:endParaRPr lang="en-US" dirty="0"/>
           </a:p>
         </p:txBody>
       </p:sp>
-      <p:pic>
-        <p:nvPicPr>
-          <p:cNvPr id="6" name="Picture 5"/>
-          <p:cNvPicPr>
-            <a:picLocks noChangeAspect="1"/>
-          </p:cNvPicPr>
-          <p:nvPr/>
-        </p:nvPicPr>
-        <p:blipFill>
-          <a:blip r:embed="rId2">
-            <a:extLst>
-              <a:ext uri="{28A0092B-C50C-407E-A947-70E740481C1C}">
-                <a14:useLocalDpi xmlns:a14="http://schemas.microsoft.com/office/drawing/2010/main" val="0"/>
-              </a:ext>
-            </a:extLst>
-          </a:blip>
-          <a:stretch>
-            <a:fillRect/>
-          </a:stretch>
-        </p:blipFill>
-        <p:spPr>
-          <a:xfrm>
-            <a:off x="539552" y="1195747"/>
-            <a:ext cx="8388424" cy="5584905"/>
-          </a:xfrm>
-          <a:prstGeom prst="rect">
-            <a:avLst/>
-          </a:prstGeom>
-        </p:spPr>
-      </p:pic>
+      <p:graphicFrame>
+        <p:nvGraphicFramePr>
+          <p:cNvPr id="5" name="Table 4"/>
+          <p:cNvGraphicFramePr>
+            <a:graphicFrameLocks noGrp="1"/>
+          </p:cNvGraphicFramePr>
+          <p:nvPr>
+            <p:extLst>
+              <p:ext uri="{D42A27DB-BD31-4B8C-83A1-F6EECF244321}">
+                <p14:modId xmlns:p14="http://schemas.microsoft.com/office/powerpoint/2010/main" val="4032260677"/>
+              </p:ext>
+            </p:extLst>
+          </p:nvPr>
+        </p:nvGraphicFramePr>
+        <p:xfrm>
+          <a:off x="827583" y="1628800"/>
+          <a:ext cx="7416825" cy="3032760"/>
+        </p:xfrm>
+        <a:graphic>
+          <a:graphicData uri="http://schemas.openxmlformats.org/drawingml/2006/table">
+            <a:tbl>
+              <a:tblPr firstRow="1" bandRow="1">
+                <a:tableStyleId>{5C22544A-7EE6-4342-B048-85BDC9FD1C3A}</a:tableStyleId>
+              </a:tblPr>
+              <a:tblGrid>
+                <a:gridCol w="2472275"/>
+                <a:gridCol w="2472275"/>
+                <a:gridCol w="2472275"/>
+              </a:tblGrid>
+              <a:tr h="370840">
+                <a:tc>
+                  <a:txBody>
+                    <a:bodyPr/>
+                    <a:lstStyle/>
+                    <a:p>
+                      <a:r>
+                        <a:rPr lang="de-DE" dirty="0" smtClean="0"/>
+                        <a:t>Musskriterien</a:t>
+                      </a:r>
+                      <a:endParaRPr lang="en-US" dirty="0"/>
+                    </a:p>
+                  </a:txBody>
+                  <a:tcPr/>
+                </a:tc>
+                <a:tc>
+                  <a:txBody>
+                    <a:bodyPr/>
+                    <a:lstStyle/>
+                    <a:p>
+                      <a:r>
+                        <a:rPr lang="de-DE" dirty="0" smtClean="0"/>
+                        <a:t>Wunschkriterien</a:t>
+                      </a:r>
+                      <a:endParaRPr lang="en-US" dirty="0"/>
+                    </a:p>
+                  </a:txBody>
+                  <a:tcPr/>
+                </a:tc>
+                <a:tc>
+                  <a:txBody>
+                    <a:bodyPr/>
+                    <a:lstStyle/>
+                    <a:p>
+                      <a:r>
+                        <a:rPr lang="de-DE" dirty="0" smtClean="0"/>
+                        <a:t>Abgrenzungskriterien</a:t>
+                      </a:r>
+                      <a:endParaRPr lang="en-US" dirty="0"/>
+                    </a:p>
+                  </a:txBody>
+                  <a:tcPr/>
+                </a:tc>
+              </a:tr>
+              <a:tr h="370840">
+                <a:tc>
+                  <a:txBody>
+                    <a:bodyPr/>
+                    <a:lstStyle/>
+                    <a:p>
+                      <a:r>
+                        <a:rPr lang="de-DE" dirty="0" smtClean="0"/>
+                        <a:t>Schutz der Daten</a:t>
+                      </a:r>
+                      <a:endParaRPr lang="en-US" dirty="0"/>
+                    </a:p>
+                  </a:txBody>
+                  <a:tcPr/>
+                </a:tc>
+                <a:tc>
+                  <a:txBody>
+                    <a:bodyPr/>
+                    <a:lstStyle/>
+                    <a:p>
+                      <a:r>
+                        <a:rPr lang="de-DE" dirty="0" smtClean="0"/>
+                        <a:t>Einbinden von Add-</a:t>
+                      </a:r>
+                      <a:r>
+                        <a:rPr lang="de-DE" dirty="0" err="1" smtClean="0"/>
+                        <a:t>Ons</a:t>
+                      </a:r>
+                      <a:endParaRPr lang="en-US" dirty="0"/>
+                    </a:p>
+                  </a:txBody>
+                  <a:tcPr/>
+                </a:tc>
+                <a:tc>
+                  <a:txBody>
+                    <a:bodyPr/>
+                    <a:lstStyle/>
+                    <a:p>
+                      <a:r>
+                        <a:rPr lang="de-DE" dirty="0" smtClean="0"/>
+                        <a:t>Kein Vergleich</a:t>
+                      </a:r>
+                      <a:r>
+                        <a:rPr lang="de-DE" baseline="0" dirty="0" smtClean="0"/>
+                        <a:t> der Studenten</a:t>
+                      </a:r>
+                      <a:endParaRPr lang="en-US" dirty="0"/>
+                    </a:p>
+                  </a:txBody>
+                  <a:tcPr/>
+                </a:tc>
+              </a:tr>
+              <a:tr h="370840">
+                <a:tc>
+                  <a:txBody>
+                    <a:bodyPr/>
+                    <a:lstStyle/>
+                    <a:p>
+                      <a:pPr marL="0" marR="0" indent="0" algn="l" defTabSz="914400" rtl="0" eaLnBrk="1" fontAlgn="auto" latinLnBrk="0" hangingPunct="1">
+                        <a:lnSpc>
+                          <a:spcPct val="100000"/>
+                        </a:lnSpc>
+                        <a:spcBef>
+                          <a:spcPts val="0"/>
+                        </a:spcBef>
+                        <a:spcAft>
+                          <a:spcPts val="0"/>
+                        </a:spcAft>
+                        <a:buClrTx/>
+                        <a:buSzTx/>
+                        <a:buFontTx/>
+                        <a:buNone/>
+                        <a:tabLst/>
+                        <a:defRPr/>
+                      </a:pPr>
+                      <a:r>
+                        <a:rPr lang="de-DE" dirty="0" smtClean="0"/>
+                        <a:t>Prüfer setzt</a:t>
+                      </a:r>
+                      <a:r>
+                        <a:rPr lang="de-DE" baseline="0" dirty="0" smtClean="0"/>
+                        <a:t> die Gewichtung</a:t>
+                      </a:r>
+                      <a:endParaRPr lang="en-US" dirty="0" smtClean="0"/>
+                    </a:p>
+                  </a:txBody>
+                  <a:tcPr/>
+                </a:tc>
+                <a:tc>
+                  <a:txBody>
+                    <a:bodyPr/>
+                    <a:lstStyle/>
+                    <a:p>
+                      <a:r>
+                        <a:rPr lang="de-DE" dirty="0" smtClean="0"/>
+                        <a:t>Zugriff</a:t>
+                      </a:r>
+                      <a:r>
+                        <a:rPr lang="de-DE" baseline="0" dirty="0" smtClean="0"/>
+                        <a:t> durch mobile Geräte</a:t>
+                      </a:r>
+                      <a:endParaRPr lang="en-US" dirty="0"/>
+                    </a:p>
+                  </a:txBody>
+                  <a:tcPr/>
+                </a:tc>
+                <a:tc>
+                  <a:txBody>
+                    <a:bodyPr/>
+                    <a:lstStyle/>
+                    <a:p>
+                      <a:r>
+                        <a:rPr lang="de-DE" dirty="0" smtClean="0"/>
+                        <a:t>Kein Austausch</a:t>
+                      </a:r>
+                      <a:r>
+                        <a:rPr lang="de-DE" baseline="0" dirty="0" smtClean="0"/>
+                        <a:t> von Prüfer</a:t>
+                      </a:r>
+                      <a:endParaRPr lang="en-US" dirty="0"/>
+                    </a:p>
+                  </a:txBody>
+                  <a:tcPr/>
+                </a:tc>
+              </a:tr>
+              <a:tr h="370840">
+                <a:tc>
+                  <a:txBody>
+                    <a:bodyPr/>
+                    <a:lstStyle/>
+                    <a:p>
+                      <a:r>
+                        <a:rPr lang="de-DE" dirty="0" smtClean="0"/>
+                        <a:t>Windowslauffähigkeit</a:t>
+                      </a:r>
+                      <a:endParaRPr lang="en-US" dirty="0"/>
+                    </a:p>
+                  </a:txBody>
+                  <a:tcPr/>
+                </a:tc>
+                <a:tc>
+                  <a:txBody>
+                    <a:bodyPr/>
+                    <a:lstStyle/>
+                    <a:p>
+                      <a:r>
+                        <a:rPr lang="de-DE" dirty="0" smtClean="0"/>
+                        <a:t>iOS-App</a:t>
+                      </a:r>
+                      <a:endParaRPr lang="en-US" dirty="0"/>
+                    </a:p>
+                  </a:txBody>
+                  <a:tcPr/>
+                </a:tc>
+                <a:tc>
+                  <a:txBody>
+                    <a:bodyPr/>
+                    <a:lstStyle/>
+                    <a:p>
+                      <a:endParaRPr lang="en-US" dirty="0"/>
+                    </a:p>
+                  </a:txBody>
+                  <a:tcPr/>
+                </a:tc>
+              </a:tr>
+              <a:tr h="370840">
+                <a:tc>
+                  <a:txBody>
+                    <a:bodyPr/>
+                    <a:lstStyle/>
+                    <a:p>
+                      <a:r>
+                        <a:rPr lang="de-DE" dirty="0" smtClean="0"/>
+                        <a:t>Einfache Bedienung </a:t>
+                      </a:r>
+                      <a:endParaRPr lang="en-US" dirty="0"/>
+                    </a:p>
+                  </a:txBody>
+                  <a:tcPr/>
+                </a:tc>
+                <a:tc>
+                  <a:txBody>
+                    <a:bodyPr/>
+                    <a:lstStyle/>
+                    <a:p>
+                      <a:endParaRPr lang="en-US" dirty="0"/>
+                    </a:p>
+                  </a:txBody>
+                  <a:tcPr/>
+                </a:tc>
+                <a:tc>
+                  <a:txBody>
+                    <a:bodyPr/>
+                    <a:lstStyle/>
+                    <a:p>
+                      <a:endParaRPr lang="en-US" dirty="0"/>
+                    </a:p>
+                  </a:txBody>
+                  <a:tcPr/>
+                </a:tc>
+              </a:tr>
+              <a:tr h="370840">
+                <a:tc>
+                  <a:txBody>
+                    <a:bodyPr/>
+                    <a:lstStyle/>
+                    <a:p>
+                      <a:r>
+                        <a:rPr lang="de-DE" dirty="0" smtClean="0"/>
+                        <a:t>Student</a:t>
+                      </a:r>
+                      <a:r>
+                        <a:rPr lang="de-DE" baseline="0" dirty="0" smtClean="0"/>
+                        <a:t> kann </a:t>
+                      </a:r>
+                      <a:r>
+                        <a:rPr lang="de-DE" baseline="0" dirty="0" err="1" smtClean="0"/>
+                        <a:t>Socre</a:t>
+                      </a:r>
+                      <a:r>
+                        <a:rPr lang="de-DE" baseline="0" dirty="0" smtClean="0"/>
+                        <a:t> einsehen</a:t>
+                      </a:r>
+                      <a:endParaRPr lang="en-US" dirty="0"/>
+                    </a:p>
+                  </a:txBody>
+                  <a:tcPr/>
+                </a:tc>
+                <a:tc>
+                  <a:txBody>
+                    <a:bodyPr/>
+                    <a:lstStyle/>
+                    <a:p>
+                      <a:endParaRPr lang="en-US"/>
+                    </a:p>
+                  </a:txBody>
+                  <a:tcPr/>
+                </a:tc>
+                <a:tc>
+                  <a:txBody>
+                    <a:bodyPr/>
+                    <a:lstStyle/>
+                    <a:p>
+                      <a:endParaRPr lang="en-US" dirty="0"/>
+                    </a:p>
+                  </a:txBody>
+                  <a:tcPr/>
+                </a:tc>
+              </a:tr>
+            </a:tbl>
+          </a:graphicData>
+        </a:graphic>
+      </p:graphicFrame>
     </p:spTree>
     <p:extLst>
       <p:ext uri="{BB962C8B-B14F-4D97-AF65-F5344CB8AC3E}">
-        <p14:creationId xmlns:p14="http://schemas.microsoft.com/office/powerpoint/2010/main" val="805082132"/>
+        <p14:creationId xmlns:p14="http://schemas.microsoft.com/office/powerpoint/2010/main" val="4203467760"/>
       </p:ext>
     </p:extLst>
   </p:cSld>
